--- a/ds/Introduction to Flow Matching.pptx
+++ b/ds/Introduction to Flow Matching.pptx
@@ -5,7 +5,7 @@
     <p:sldMasterId id="2147483648" r:id="rId1"/>
   </p:sldMasterIdLst>
   <p:notesMasterIdLst>
-    <p:notesMasterId r:id="rId13"/>
+    <p:notesMasterId r:id="rId24"/>
   </p:notesMasterIdLst>
   <p:sldIdLst>
     <p:sldId id="256" r:id="rId2"/>
@@ -18,7 +18,18 @@
     <p:sldId id="351" r:id="rId9"/>
     <p:sldId id="352" r:id="rId10"/>
     <p:sldId id="353" r:id="rId11"/>
-    <p:sldId id="327" r:id="rId12"/>
+    <p:sldId id="354" r:id="rId12"/>
+    <p:sldId id="355" r:id="rId13"/>
+    <p:sldId id="356" r:id="rId14"/>
+    <p:sldId id="357" r:id="rId15"/>
+    <p:sldId id="358" r:id="rId16"/>
+    <p:sldId id="359" r:id="rId17"/>
+    <p:sldId id="360" r:id="rId18"/>
+    <p:sldId id="361" r:id="rId19"/>
+    <p:sldId id="362" r:id="rId20"/>
+    <p:sldId id="363" r:id="rId21"/>
+    <p:sldId id="364" r:id="rId22"/>
+    <p:sldId id="327" r:id="rId23"/>
   </p:sldIdLst>
   <p:sldSz cx="12192000" cy="6858000"/>
   <p:notesSz cx="6858000" cy="9144000"/>
@@ -4103,8 +4114,8 @@
           </a:p>
         </p:txBody>
       </p:sp>
-      <mc:AlternateContent xmlns:mc="http://schemas.openxmlformats.org/markup-compatibility/2006">
-        <mc:Choice xmlns:a14="http://schemas.microsoft.com/office/drawing/2010/main" Requires="a14">
+      <mc:AlternateContent xmlns:mc="http://schemas.openxmlformats.org/markup-compatibility/2006" xmlns:a14="http://schemas.microsoft.com/office/drawing/2010/main">
+        <mc:Choice Requires="a14">
           <p:sp>
             <p:nvSpPr>
               <p:cNvPr id="3" name="내용 개체 틀 2">
@@ -4363,7 +4374,7 @@
             </p:txBody>
           </p:sp>
         </mc:Choice>
-        <mc:Fallback>
+        <mc:Fallback xmlns="">
           <p:sp>
             <p:nvSpPr>
               <p:cNvPr id="3" name="내용 개체 틀 2">
@@ -4528,6 +4539,632 @@
           </a:p>
         </p:txBody>
       </p:sp>
+      <p:pic>
+        <p:nvPicPr>
+          <p:cNvPr id="16" name="그림 15">
+            <a:extLst>
+              <a:ext uri="{FF2B5EF4-FFF2-40B4-BE49-F238E27FC236}">
+                <a16:creationId xmlns:a16="http://schemas.microsoft.com/office/drawing/2014/main" id="{8DD54DBA-C7B9-5F41-205D-2BB89BD01737}"/>
+              </a:ext>
+            </a:extLst>
+          </p:cNvPr>
+          <p:cNvPicPr>
+            <a:picLocks noChangeAspect="1"/>
+          </p:cNvPicPr>
+          <p:nvPr/>
+        </p:nvPicPr>
+        <p:blipFill>
+          <a:blip r:embed="rId3"/>
+          <a:stretch>
+            <a:fillRect/>
+          </a:stretch>
+        </p:blipFill>
+        <p:spPr>
+          <a:xfrm>
+            <a:off x="1264345" y="3872605"/>
+            <a:ext cx="4003551" cy="723615"/>
+          </a:xfrm>
+          <a:prstGeom prst="rect">
+            <a:avLst/>
+          </a:prstGeom>
+        </p:spPr>
+      </p:pic>
+      <p:pic>
+        <p:nvPicPr>
+          <p:cNvPr id="18" name="그림 17">
+            <a:extLst>
+              <a:ext uri="{FF2B5EF4-FFF2-40B4-BE49-F238E27FC236}">
+                <a16:creationId xmlns:a16="http://schemas.microsoft.com/office/drawing/2014/main" id="{834D38D1-5820-81BD-4337-657FC4AF9123}"/>
+              </a:ext>
+            </a:extLst>
+          </p:cNvPr>
+          <p:cNvPicPr>
+            <a:picLocks noChangeAspect="1"/>
+          </p:cNvPicPr>
+          <p:nvPr/>
+        </p:nvPicPr>
+        <p:blipFill>
+          <a:blip r:embed="rId4"/>
+          <a:stretch>
+            <a:fillRect/>
+          </a:stretch>
+        </p:blipFill>
+        <p:spPr>
+          <a:xfrm>
+            <a:off x="2568231" y="3429000"/>
+            <a:ext cx="1228896" cy="428685"/>
+          </a:xfrm>
+          <a:prstGeom prst="rect">
+            <a:avLst/>
+          </a:prstGeom>
+        </p:spPr>
+      </p:pic>
+      <p:pic>
+        <p:nvPicPr>
+          <p:cNvPr id="20" name="그림 19">
+            <a:extLst>
+              <a:ext uri="{FF2B5EF4-FFF2-40B4-BE49-F238E27FC236}">
+                <a16:creationId xmlns:a16="http://schemas.microsoft.com/office/drawing/2014/main" id="{2DBD1822-FD51-2270-6767-DBA679372B80}"/>
+              </a:ext>
+            </a:extLst>
+          </p:cNvPr>
+          <p:cNvPicPr>
+            <a:picLocks noChangeAspect="1"/>
+          </p:cNvPicPr>
+          <p:nvPr/>
+        </p:nvPicPr>
+        <p:blipFill>
+          <a:blip r:embed="rId5"/>
+          <a:stretch>
+            <a:fillRect/>
+          </a:stretch>
+        </p:blipFill>
+        <p:spPr>
+          <a:xfrm>
+            <a:off x="1470823" y="4625418"/>
+            <a:ext cx="3590594" cy="994907"/>
+          </a:xfrm>
+          <a:prstGeom prst="rect">
+            <a:avLst/>
+          </a:prstGeom>
+        </p:spPr>
+      </p:pic>
+      <p:pic>
+        <p:nvPicPr>
+          <p:cNvPr id="1026" name="Picture 2" descr="Flow based Generative Models 1 : Normalizing Flow - DevKiHyun's AI">
+            <a:extLst>
+              <a:ext uri="{FF2B5EF4-FFF2-40B4-BE49-F238E27FC236}">
+                <a16:creationId xmlns:a16="http://schemas.microsoft.com/office/drawing/2014/main" id="{A44210D2-3E4D-E631-BFE7-462CF67EBC94}"/>
+              </a:ext>
+            </a:extLst>
+          </p:cNvPr>
+          <p:cNvPicPr>
+            <a:picLocks noChangeAspect="1" noChangeArrowheads="1"/>
+          </p:cNvPicPr>
+          <p:nvPr/>
+        </p:nvPicPr>
+        <p:blipFill>
+          <a:blip r:embed="rId6">
+            <a:extLst>
+              <a:ext uri="{28A0092B-C50C-407E-A947-70E740481C1C}">
+                <a14:useLocalDpi xmlns:a14="http://schemas.microsoft.com/office/drawing/2010/main" val="0"/>
+              </a:ext>
+            </a:extLst>
+          </a:blip>
+          <a:srcRect/>
+          <a:stretch>
+            <a:fillRect/>
+          </a:stretch>
+        </p:blipFill>
+        <p:spPr bwMode="auto">
+          <a:xfrm>
+            <a:off x="5900519" y="3781262"/>
+            <a:ext cx="5194073" cy="1563632"/>
+          </a:xfrm>
+          <a:prstGeom prst="rect">
+            <a:avLst/>
+          </a:prstGeom>
+          <a:noFill/>
+          <a:extLst>
+            <a:ext uri="{909E8E84-426E-40DD-AFC4-6F175D3DCCD1}">
+              <a14:hiddenFill xmlns:a14="http://schemas.microsoft.com/office/drawing/2010/main">
+                <a:solidFill>
+                  <a:srgbClr val="FFFFFF"/>
+                </a:solidFill>
+              </a14:hiddenFill>
+            </a:ext>
+          </a:extLst>
+        </p:spPr>
+      </p:pic>
+    </p:spTree>
+    <p:extLst>
+      <p:ext uri="{BB962C8B-B14F-4D97-AF65-F5344CB8AC3E}">
+        <p14:creationId xmlns:p14="http://schemas.microsoft.com/office/powerpoint/2010/main" val="954839788"/>
+      </p:ext>
+    </p:extLst>
+  </p:cSld>
+  <p:clrMapOvr>
+    <a:masterClrMapping/>
+  </p:clrMapOvr>
+</p:sld>
+</file>
+
+<file path=ppt/slides/slide11.xml><?xml version="1.0" encoding="utf-8"?>
+<p:sld xmlns:a="http://schemas.openxmlformats.org/drawingml/2006/main" xmlns:r="http://schemas.openxmlformats.org/officeDocument/2006/relationships" xmlns:p="http://schemas.openxmlformats.org/presentationml/2006/main">
+  <p:cSld>
+    <p:spTree>
+      <p:nvGrpSpPr>
+        <p:cNvPr id="1" name="">
+          <a:extLst>
+            <a:ext uri="{FF2B5EF4-FFF2-40B4-BE49-F238E27FC236}">
+              <a16:creationId xmlns:a16="http://schemas.microsoft.com/office/drawing/2014/main" id="{1D18ACD4-3EC0-428E-F7EA-70D3B58837FE}"/>
+            </a:ext>
+          </a:extLst>
+        </p:cNvPr>
+        <p:cNvGrpSpPr/>
+        <p:nvPr/>
+      </p:nvGrpSpPr>
+      <p:grpSpPr>
+        <a:xfrm>
+          <a:off x="0" y="0"/>
+          <a:ext cx="0" cy="0"/>
+          <a:chOff x="0" y="0"/>
+          <a:chExt cx="0" cy="0"/>
+        </a:xfrm>
+      </p:grpSpPr>
+      <p:sp>
+        <p:nvSpPr>
+          <p:cNvPr id="2" name="제목 1">
+            <a:extLst>
+              <a:ext uri="{FF2B5EF4-FFF2-40B4-BE49-F238E27FC236}">
+                <a16:creationId xmlns:a16="http://schemas.microsoft.com/office/drawing/2014/main" id="{9173B68D-5660-C00A-EF43-FF03FC82EB2C}"/>
+              </a:ext>
+            </a:extLst>
+          </p:cNvPr>
+          <p:cNvSpPr>
+            <a:spLocks noGrp="1"/>
+          </p:cNvSpPr>
+          <p:nvPr>
+            <p:ph type="title"/>
+          </p:nvPr>
+        </p:nvSpPr>
+        <p:spPr/>
+        <p:txBody>
+          <a:bodyPr/>
+          <a:lstStyle/>
+          <a:p>
+            <a:r>
+              <a:rPr lang="en-US" dirty="0"/>
+              <a:t>Normalizing Flow</a:t>
+            </a:r>
+          </a:p>
+        </p:txBody>
+      </p:sp>
+      <mc:AlternateContent xmlns:mc="http://schemas.openxmlformats.org/markup-compatibility/2006" xmlns:a14="http://schemas.microsoft.com/office/drawing/2010/main">
+        <mc:Choice Requires="a14">
+          <p:sp>
+            <p:nvSpPr>
+              <p:cNvPr id="3" name="내용 개체 틀 2">
+                <a:extLst>
+                  <a:ext uri="{FF2B5EF4-FFF2-40B4-BE49-F238E27FC236}">
+                    <a16:creationId xmlns:a16="http://schemas.microsoft.com/office/drawing/2014/main" id="{F4E025CD-F85C-D961-7008-C0EF8C187532}"/>
+                  </a:ext>
+                </a:extLst>
+              </p:cNvPr>
+              <p:cNvSpPr>
+                <a:spLocks noGrp="1"/>
+              </p:cNvSpPr>
+              <p:nvPr>
+                <p:ph idx="1"/>
+              </p:nvPr>
+            </p:nvSpPr>
+            <p:spPr/>
+            <p:txBody>
+              <a:bodyPr/>
+              <a:lstStyle/>
+              <a:p>
+                <a:r>
+                  <a:rPr lang="en-US" dirty="0"/>
+                  <a:t>Variational inferences using VAE suffers approximation error</a:t>
+                </a:r>
+              </a:p>
+              <a:p>
+                <a:r>
+                  <a:rPr lang="en-US" dirty="0"/>
+                  <a:t>e.g. mean-field approx. </a:t>
+                </a:r>
+                <a14:m>
+                  <m:oMath xmlns:m="http://schemas.openxmlformats.org/officeDocument/2006/math">
+                    <m:r>
+                      <a:rPr lang="en-US" b="0" i="1" smtClean="0">
+                        <a:latin typeface="Cambria Math" panose="02040503050406030204" pitchFamily="18" charset="0"/>
+                      </a:rPr>
+                      <m:t>𝑞</m:t>
+                    </m:r>
+                    <m:d>
+                      <m:dPr>
+                        <m:ctrlPr>
+                          <a:rPr lang="en-US" b="0" i="1" smtClean="0">
+                            <a:latin typeface="Cambria Math" panose="02040503050406030204" pitchFamily="18" charset="0"/>
+                          </a:rPr>
+                        </m:ctrlPr>
+                      </m:dPr>
+                      <m:e>
+                        <m:r>
+                          <a:rPr lang="en-US" b="0" i="1" smtClean="0">
+                            <a:latin typeface="Cambria Math" panose="02040503050406030204" pitchFamily="18" charset="0"/>
+                          </a:rPr>
+                          <m:t>𝑧</m:t>
+                        </m:r>
+                      </m:e>
+                      <m:e>
+                        <m:r>
+                          <a:rPr lang="en-US" b="0" i="1" smtClean="0">
+                            <a:latin typeface="Cambria Math" panose="02040503050406030204" pitchFamily="18" charset="0"/>
+                          </a:rPr>
+                          <m:t>𝑥</m:t>
+                        </m:r>
+                      </m:e>
+                    </m:d>
+                    <m:r>
+                      <a:rPr lang="en-US" b="0" i="1" smtClean="0">
+                        <a:latin typeface="Cambria Math" panose="02040503050406030204" pitchFamily="18" charset="0"/>
+                      </a:rPr>
+                      <m:t>=</m:t>
+                    </m:r>
+                    <m:nary>
+                      <m:naryPr>
+                        <m:chr m:val="∏"/>
+                        <m:supHide m:val="on"/>
+                        <m:ctrlPr>
+                          <a:rPr lang="en-US" b="0" i="1" smtClean="0">
+                            <a:latin typeface="Cambria Math" panose="02040503050406030204" pitchFamily="18" charset="0"/>
+                          </a:rPr>
+                        </m:ctrlPr>
+                      </m:naryPr>
+                      <m:sub>
+                        <m:r>
+                          <a:rPr lang="en-US" b="0" i="1" smtClean="0">
+                            <a:latin typeface="Cambria Math" panose="02040503050406030204" pitchFamily="18" charset="0"/>
+                          </a:rPr>
+                          <m:t>𝑖</m:t>
+                        </m:r>
+                      </m:sub>
+                      <m:sup/>
+                      <m:e>
+                        <m:r>
+                          <a:rPr lang="en-US" b="0" i="1" smtClean="0">
+                            <a:latin typeface="Cambria Math" panose="02040503050406030204" pitchFamily="18" charset="0"/>
+                          </a:rPr>
+                          <m:t>𝑞</m:t>
+                        </m:r>
+                        <m:r>
+                          <a:rPr lang="en-US" b="0" i="1" smtClean="0">
+                            <a:latin typeface="Cambria Math" panose="02040503050406030204" pitchFamily="18" charset="0"/>
+                          </a:rPr>
+                          <m:t>(</m:t>
+                        </m:r>
+                        <m:sSub>
+                          <m:sSubPr>
+                            <m:ctrlPr>
+                              <a:rPr lang="en-US" b="0" i="1" smtClean="0">
+                                <a:latin typeface="Cambria Math" panose="02040503050406030204" pitchFamily="18" charset="0"/>
+                              </a:rPr>
+                            </m:ctrlPr>
+                          </m:sSubPr>
+                          <m:e>
+                            <m:r>
+                              <a:rPr lang="en-US" b="0" i="1" smtClean="0">
+                                <a:latin typeface="Cambria Math" panose="02040503050406030204" pitchFamily="18" charset="0"/>
+                              </a:rPr>
+                              <m:t>𝑧</m:t>
+                            </m:r>
+                          </m:e>
+                          <m:sub>
+                            <m:r>
+                              <a:rPr lang="en-US" b="0" i="1" smtClean="0">
+                                <a:latin typeface="Cambria Math" panose="02040503050406030204" pitchFamily="18" charset="0"/>
+                              </a:rPr>
+                              <m:t>𝑖</m:t>
+                            </m:r>
+                          </m:sub>
+                        </m:sSub>
+                        <m:r>
+                          <a:rPr lang="en-US" b="0" i="1" smtClean="0">
+                            <a:latin typeface="Cambria Math" panose="02040503050406030204" pitchFamily="18" charset="0"/>
+                          </a:rPr>
+                          <m:t>|</m:t>
+                        </m:r>
+                        <m:r>
+                          <a:rPr lang="en-US" b="0" i="1" smtClean="0">
+                            <a:latin typeface="Cambria Math" panose="02040503050406030204" pitchFamily="18" charset="0"/>
+                          </a:rPr>
+                          <m:t>𝑥</m:t>
+                        </m:r>
+                        <m:r>
+                          <a:rPr lang="en-US" b="0" i="1" smtClean="0">
+                            <a:latin typeface="Cambria Math" panose="02040503050406030204" pitchFamily="18" charset="0"/>
+                          </a:rPr>
+                          <m:t>)</m:t>
+                        </m:r>
+                      </m:e>
+                    </m:nary>
+                  </m:oMath>
+                </a14:m>
+                <a:endParaRPr lang="en-US" dirty="0"/>
+              </a:p>
+              <a:p>
+                <a:r>
+                  <a:rPr lang="en-US" dirty="0"/>
+                  <a:t>Propose</a:t>
+                </a:r>
+                <a:r>
+                  <a:rPr lang="en-US" b="0" dirty="0"/>
+                  <a:t> training diffeomorphism </a:t>
+                </a:r>
+                <a14:m>
+                  <m:oMath xmlns:m="http://schemas.openxmlformats.org/officeDocument/2006/math">
+                    <m:r>
+                      <a:rPr lang="en-US" b="0" i="1" smtClean="0">
+                        <a:latin typeface="Cambria Math" panose="02040503050406030204" pitchFamily="18" charset="0"/>
+                      </a:rPr>
+                      <m:t>𝑓</m:t>
+                    </m:r>
+                    <m:r>
+                      <a:rPr lang="en-US" b="0" i="1" smtClean="0">
+                        <a:latin typeface="Cambria Math" panose="02040503050406030204" pitchFamily="18" charset="0"/>
+                      </a:rPr>
+                      <m:t>:</m:t>
+                    </m:r>
+                    <m:sSup>
+                      <m:sSupPr>
+                        <m:ctrlPr>
+                          <a:rPr lang="en-US" b="0" i="1" smtClean="0">
+                            <a:latin typeface="Cambria Math" panose="02040503050406030204" pitchFamily="18" charset="0"/>
+                            <a:ea typeface="Cambria Math" panose="02040503050406030204" pitchFamily="18" charset="0"/>
+                          </a:rPr>
+                        </m:ctrlPr>
+                      </m:sSupPr>
+                      <m:e>
+                        <m:r>
+                          <a:rPr lang="en-US" i="1">
+                            <a:latin typeface="Cambria Math" panose="02040503050406030204" pitchFamily="18" charset="0"/>
+                            <a:ea typeface="Cambria Math" panose="02040503050406030204" pitchFamily="18" charset="0"/>
+                          </a:rPr>
+                          <m:t>ℝ</m:t>
+                        </m:r>
+                      </m:e>
+                      <m:sup>
+                        <m:r>
+                          <a:rPr lang="en-US" b="0" i="1" smtClean="0">
+                            <a:latin typeface="Cambria Math" panose="02040503050406030204" pitchFamily="18" charset="0"/>
+                            <a:ea typeface="Cambria Math" panose="02040503050406030204" pitchFamily="18" charset="0"/>
+                          </a:rPr>
+                          <m:t>𝑛</m:t>
+                        </m:r>
+                      </m:sup>
+                    </m:sSup>
+                  </m:oMath>
+                </a14:m>
+                <a:r>
+                  <a:rPr lang="en-US" b="0" dirty="0"/>
+                  <a:t> (prior) </a:t>
+                </a:r>
+                <a14:m>
+                  <m:oMath xmlns:m="http://schemas.openxmlformats.org/officeDocument/2006/math">
+                    <m:r>
+                      <a:rPr lang="en-US" i="1">
+                        <a:latin typeface="Cambria Math" panose="02040503050406030204" pitchFamily="18" charset="0"/>
+                        <a:ea typeface="Cambria Math" panose="02040503050406030204" pitchFamily="18" charset="0"/>
+                      </a:rPr>
+                      <m:t>→</m:t>
+                    </m:r>
+                    <m:sSup>
+                      <m:sSupPr>
+                        <m:ctrlPr>
+                          <a:rPr lang="en-US" i="1">
+                            <a:latin typeface="Cambria Math" panose="02040503050406030204" pitchFamily="18" charset="0"/>
+                            <a:ea typeface="Cambria Math" panose="02040503050406030204" pitchFamily="18" charset="0"/>
+                          </a:rPr>
+                        </m:ctrlPr>
+                      </m:sSupPr>
+                      <m:e>
+                        <m:r>
+                          <a:rPr lang="en-US" i="1">
+                            <a:latin typeface="Cambria Math" panose="02040503050406030204" pitchFamily="18" charset="0"/>
+                            <a:ea typeface="Cambria Math" panose="02040503050406030204" pitchFamily="18" charset="0"/>
+                          </a:rPr>
+                          <m:t>ℝ</m:t>
+                        </m:r>
+                      </m:e>
+                      <m:sup>
+                        <m:r>
+                          <a:rPr lang="en-US" i="1">
+                            <a:latin typeface="Cambria Math" panose="02040503050406030204" pitchFamily="18" charset="0"/>
+                            <a:ea typeface="Cambria Math" panose="02040503050406030204" pitchFamily="18" charset="0"/>
+                          </a:rPr>
+                          <m:t>𝑛</m:t>
+                        </m:r>
+                      </m:sup>
+                    </m:sSup>
+                  </m:oMath>
+                </a14:m>
+                <a:r>
+                  <a:rPr lang="en-US" b="0" dirty="0"/>
+                  <a:t> (data)</a:t>
+                </a:r>
+              </a:p>
+              <a:p>
+                <a:endParaRPr lang="en-US" dirty="0"/>
+              </a:p>
+            </p:txBody>
+          </p:sp>
+        </mc:Choice>
+        <mc:Fallback xmlns="">
+          <p:sp>
+            <p:nvSpPr>
+              <p:cNvPr id="3" name="내용 개체 틀 2">
+                <a:extLst>
+                  <a:ext uri="{FF2B5EF4-FFF2-40B4-BE49-F238E27FC236}">
+                    <a16:creationId xmlns:a16="http://schemas.microsoft.com/office/drawing/2014/main" id="{C10BA2C4-473D-600F-33AA-AFDAC79C2551}"/>
+                  </a:ext>
+                </a:extLst>
+              </p:cNvPr>
+              <p:cNvSpPr>
+                <a:spLocks noGrp="1" noRot="1" noChangeAspect="1" noMove="1" noResize="1" noEditPoints="1" noAdjustHandles="1" noChangeArrowheads="1" noChangeShapeType="1" noTextEdit="1"/>
+              </p:cNvSpPr>
+              <p:nvPr>
+                <p:ph idx="1"/>
+              </p:nvPr>
+            </p:nvSpPr>
+            <p:spPr>
+              <a:blipFill>
+                <a:blip r:embed="rId2"/>
+                <a:stretch>
+                  <a:fillRect l="-1043" t="-2381"/>
+                </a:stretch>
+              </a:blipFill>
+            </p:spPr>
+            <p:txBody>
+              <a:bodyPr/>
+              <a:lstStyle/>
+              <a:p>
+                <a:r>
+                  <a:rPr lang="en-US">
+                    <a:noFill/>
+                  </a:rPr>
+                  <a:t> </a:t>
+                </a:r>
+              </a:p>
+            </p:txBody>
+          </p:sp>
+        </mc:Fallback>
+      </mc:AlternateContent>
+      <p:sp>
+        <p:nvSpPr>
+          <p:cNvPr id="4" name="날짜 개체 틀 3">
+            <a:extLst>
+              <a:ext uri="{FF2B5EF4-FFF2-40B4-BE49-F238E27FC236}">
+                <a16:creationId xmlns:a16="http://schemas.microsoft.com/office/drawing/2014/main" id="{D5EEA03B-E625-6328-26ED-77824968EE9E}"/>
+              </a:ext>
+            </a:extLst>
+          </p:cNvPr>
+          <p:cNvSpPr>
+            <a:spLocks noGrp="1"/>
+          </p:cNvSpPr>
+          <p:nvPr>
+            <p:ph type="dt" sz="half" idx="10"/>
+          </p:nvPr>
+        </p:nvSpPr>
+        <p:spPr/>
+        <p:txBody>
+          <a:bodyPr/>
+          <a:lstStyle/>
+          <a:p>
+            <a:fld id="{CF64853D-3525-485A-80D9-E006B4737537}" type="datetime1">
+              <a:rPr lang="en-US" altLang="ko-KR" smtClean="0"/>
+              <a:t>6/10/2025</a:t>
+            </a:fld>
+            <a:endParaRPr lang="ko-KR" altLang="en-US"/>
+          </a:p>
+        </p:txBody>
+      </p:sp>
+      <p:sp>
+        <p:nvSpPr>
+          <p:cNvPr id="5" name="바닥글 개체 틀 4">
+            <a:extLst>
+              <a:ext uri="{FF2B5EF4-FFF2-40B4-BE49-F238E27FC236}">
+                <a16:creationId xmlns:a16="http://schemas.microsoft.com/office/drawing/2014/main" id="{C637F3FB-9602-61ED-B7A5-CE2E29974F19}"/>
+              </a:ext>
+            </a:extLst>
+          </p:cNvPr>
+          <p:cNvSpPr>
+            <a:spLocks noGrp="1"/>
+          </p:cNvSpPr>
+          <p:nvPr>
+            <p:ph type="ftr" sz="quarter" idx="11"/>
+          </p:nvPr>
+        </p:nvSpPr>
+        <p:spPr/>
+        <p:txBody>
+          <a:bodyPr/>
+          <a:lstStyle/>
+          <a:p>
+            <a:r>
+              <a:rPr lang="en-US" altLang="ko-KR"/>
+              <a:t>NCIA</a:t>
+            </a:r>
+            <a:endParaRPr lang="ko-KR" altLang="en-US" dirty="0"/>
+          </a:p>
+        </p:txBody>
+      </p:sp>
+      <p:sp>
+        <p:nvSpPr>
+          <p:cNvPr id="6" name="슬라이드 번호 개체 틀 5">
+            <a:extLst>
+              <a:ext uri="{FF2B5EF4-FFF2-40B4-BE49-F238E27FC236}">
+                <a16:creationId xmlns:a16="http://schemas.microsoft.com/office/drawing/2014/main" id="{5B02EA78-C4D9-B719-E275-FFB800535E84}"/>
+              </a:ext>
+            </a:extLst>
+          </p:cNvPr>
+          <p:cNvSpPr>
+            <a:spLocks noGrp="1"/>
+          </p:cNvSpPr>
+          <p:nvPr>
+            <p:ph type="sldNum" sz="quarter" idx="12"/>
+          </p:nvPr>
+        </p:nvSpPr>
+        <p:spPr/>
+        <p:txBody>
+          <a:bodyPr/>
+          <a:lstStyle/>
+          <a:p>
+            <a:fld id="{DA7F9607-BA5C-406C-B8F1-9CD3498981D2}" type="slidenum">
+              <a:rPr lang="ko-KR" altLang="en-US" smtClean="0"/>
+              <a:t>11</a:t>
+            </a:fld>
+            <a:endParaRPr lang="ko-KR" altLang="en-US"/>
+          </a:p>
+        </p:txBody>
+      </p:sp>
+      <p:sp>
+        <p:nvSpPr>
+          <p:cNvPr id="9" name="TextBox 8">
+            <a:extLst>
+              <a:ext uri="{FF2B5EF4-FFF2-40B4-BE49-F238E27FC236}">
+                <a16:creationId xmlns:a16="http://schemas.microsoft.com/office/drawing/2014/main" id="{DACCF0FB-420C-1C6D-9615-FCAAEADAA654}"/>
+              </a:ext>
+            </a:extLst>
+          </p:cNvPr>
+          <p:cNvSpPr txBox="1"/>
+          <p:nvPr/>
+        </p:nvSpPr>
+        <p:spPr>
+          <a:xfrm>
+            <a:off x="3581400" y="5710019"/>
+            <a:ext cx="8291623" cy="646331"/>
+          </a:xfrm>
+          <a:prstGeom prst="rect">
+            <a:avLst/>
+          </a:prstGeom>
+          <a:noFill/>
+        </p:spPr>
+        <p:txBody>
+          <a:bodyPr wrap="square" rtlCol="0">
+            <a:spAutoFit/>
+          </a:bodyPr>
+          <a:lstStyle/>
+          <a:p>
+            <a:r>
+              <a:rPr lang="en-US" dirty="0">
+                <a:latin typeface="Times New Roman" panose="02020603050405020304" pitchFamily="18" charset="0"/>
+                <a:cs typeface="Times New Roman" panose="02020603050405020304" pitchFamily="18" charset="0"/>
+              </a:rPr>
+              <a:t>Rezende, Danilo, and Shakir Mohamed. "Variational inference with normalizing flows." International conference on machine learning. PMLR, 2015.</a:t>
+            </a:r>
+          </a:p>
+        </p:txBody>
+      </p:sp>
       <mc:AlternateContent xmlns:mc="http://schemas.openxmlformats.org/markup-compatibility/2006">
         <mc:Choice xmlns:a14="http://schemas.microsoft.com/office/drawing/2010/main" Requires="a14">
           <p:sp>
@@ -4535,7 +5172,7 @@
               <p:cNvPr id="10" name="TextBox 9">
                 <a:extLst>
                   <a:ext uri="{FF2B5EF4-FFF2-40B4-BE49-F238E27FC236}">
-                    <a16:creationId xmlns:a16="http://schemas.microsoft.com/office/drawing/2014/main" id="{982A5A4A-C7F1-B8A1-878F-6199C960CA05}"/>
+                    <a16:creationId xmlns:a16="http://schemas.microsoft.com/office/drawing/2014/main" id="{8DFFC1B5-9385-F3C0-C4F8-02CA8DA4DE43}"/>
                   </a:ext>
                 </a:extLst>
               </p:cNvPr>
@@ -4761,7 +5398,7 @@
               <p:cNvPr id="10" name="TextBox 9">
                 <a:extLst>
                   <a:ext uri="{FF2B5EF4-FFF2-40B4-BE49-F238E27FC236}">
-                    <a16:creationId xmlns:a16="http://schemas.microsoft.com/office/drawing/2014/main" id="{982A5A4A-C7F1-B8A1-878F-6199C960CA05}"/>
+                    <a16:creationId xmlns:a16="http://schemas.microsoft.com/office/drawing/2014/main" id="{8DFFC1B5-9385-F3C0-C4F8-02CA8DA4DE43}"/>
                   </a:ext>
                 </a:extLst>
               </p:cNvPr>
@@ -4802,10 +5439,10 @@
       </mc:AlternateContent>
       <p:pic>
         <p:nvPicPr>
-          <p:cNvPr id="14" name="그림 13">
-            <a:extLst>
-              <a:ext uri="{FF2B5EF4-FFF2-40B4-BE49-F238E27FC236}">
-                <a16:creationId xmlns:a16="http://schemas.microsoft.com/office/drawing/2014/main" id="{536F997A-BCCA-9CBD-7772-9D6F0EBAE1C0}"/>
+          <p:cNvPr id="16" name="그림 15">
+            <a:extLst>
+              <a:ext uri="{FF2B5EF4-FFF2-40B4-BE49-F238E27FC236}">
+                <a16:creationId xmlns:a16="http://schemas.microsoft.com/office/drawing/2014/main" id="{C15E7FE7-3CA3-A5E9-EE42-0F077F44BB9D}"/>
               </a:ext>
             </a:extLst>
           </p:cNvPr>
@@ -4816,36 +5453,6 @@
         </p:nvPicPr>
         <p:blipFill>
           <a:blip r:embed="rId4"/>
-          <a:stretch>
-            <a:fillRect/>
-          </a:stretch>
-        </p:blipFill>
-        <p:spPr>
-          <a:xfrm>
-            <a:off x="6482360" y="3607419"/>
-            <a:ext cx="3656976" cy="1923213"/>
-          </a:xfrm>
-          <a:prstGeom prst="rect">
-            <a:avLst/>
-          </a:prstGeom>
-        </p:spPr>
-      </p:pic>
-      <p:pic>
-        <p:nvPicPr>
-          <p:cNvPr id="16" name="그림 15">
-            <a:extLst>
-              <a:ext uri="{FF2B5EF4-FFF2-40B4-BE49-F238E27FC236}">
-                <a16:creationId xmlns:a16="http://schemas.microsoft.com/office/drawing/2014/main" id="{8DD54DBA-C7B9-5F41-205D-2BB89BD01737}"/>
-              </a:ext>
-            </a:extLst>
-          </p:cNvPr>
-          <p:cNvPicPr>
-            <a:picLocks noChangeAspect="1"/>
-          </p:cNvPicPr>
-          <p:nvPr/>
-        </p:nvPicPr>
-        <p:blipFill>
-          <a:blip r:embed="rId5"/>
           <a:stretch>
             <a:fillRect/>
           </a:stretch>
@@ -4865,7 +5472,7 @@
           <p:cNvPr id="18" name="그림 17">
             <a:extLst>
               <a:ext uri="{FF2B5EF4-FFF2-40B4-BE49-F238E27FC236}">
-                <a16:creationId xmlns:a16="http://schemas.microsoft.com/office/drawing/2014/main" id="{834D38D1-5820-81BD-4337-657FC4AF9123}"/>
+                <a16:creationId xmlns:a16="http://schemas.microsoft.com/office/drawing/2014/main" id="{7E4E9316-3645-136F-D613-B1A9B0AC09A4}"/>
               </a:ext>
             </a:extLst>
           </p:cNvPr>
@@ -4875,7 +5482,7 @@
           <p:nvPr/>
         </p:nvPicPr>
         <p:blipFill>
-          <a:blip r:embed="rId6"/>
+          <a:blip r:embed="rId5"/>
           <a:stretch>
             <a:fillRect/>
           </a:stretch>
@@ -4895,7 +5502,7 @@
           <p:cNvPr id="20" name="그림 19">
             <a:extLst>
               <a:ext uri="{FF2B5EF4-FFF2-40B4-BE49-F238E27FC236}">
-                <a16:creationId xmlns:a16="http://schemas.microsoft.com/office/drawing/2014/main" id="{2DBD1822-FD51-2270-6767-DBA679372B80}"/>
+                <a16:creationId xmlns:a16="http://schemas.microsoft.com/office/drawing/2014/main" id="{96749DCE-F5C2-2CD6-F778-D98A3440D75B}"/>
               </a:ext>
             </a:extLst>
           </p:cNvPr>
@@ -4905,7 +5512,7 @@
           <p:nvPr/>
         </p:nvPicPr>
         <p:blipFill>
-          <a:blip r:embed="rId7"/>
+          <a:blip r:embed="rId6"/>
           <a:stretch>
             <a:fillRect/>
           </a:stretch>
@@ -4920,10 +5527,57 @@
           </a:prstGeom>
         </p:spPr>
       </p:pic>
+      <p:pic>
+        <p:nvPicPr>
+          <p:cNvPr id="1026" name="Picture 2" descr="Flow based Generative Models 1 : Normalizing Flow - DevKiHyun's AI">
+            <a:extLst>
+              <a:ext uri="{FF2B5EF4-FFF2-40B4-BE49-F238E27FC236}">
+                <a16:creationId xmlns:a16="http://schemas.microsoft.com/office/drawing/2014/main" id="{6310AA6E-A89B-B9A1-D087-78642FEE3A75}"/>
+              </a:ext>
+            </a:extLst>
+          </p:cNvPr>
+          <p:cNvPicPr>
+            <a:picLocks noChangeAspect="1" noChangeArrowheads="1"/>
+          </p:cNvPicPr>
+          <p:nvPr/>
+        </p:nvPicPr>
+        <p:blipFill>
+          <a:blip r:embed="rId7">
+            <a:extLst>
+              <a:ext uri="{28A0092B-C50C-407E-A947-70E740481C1C}">
+                <a14:useLocalDpi xmlns:a14="http://schemas.microsoft.com/office/drawing/2010/main" val="0"/>
+              </a:ext>
+            </a:extLst>
+          </a:blip>
+          <a:srcRect/>
+          <a:stretch>
+            <a:fillRect/>
+          </a:stretch>
+        </p:blipFill>
+        <p:spPr bwMode="auto">
+          <a:xfrm>
+            <a:off x="5900519" y="3781262"/>
+            <a:ext cx="5194073" cy="1563632"/>
+          </a:xfrm>
+          <a:prstGeom prst="rect">
+            <a:avLst/>
+          </a:prstGeom>
+          <a:noFill/>
+          <a:extLst>
+            <a:ext uri="{909E8E84-426E-40DD-AFC4-6F175D3DCCD1}">
+              <a14:hiddenFill xmlns:a14="http://schemas.microsoft.com/office/drawing/2010/main">
+                <a:solidFill>
+                  <a:srgbClr val="FFFFFF"/>
+                </a:solidFill>
+              </a14:hiddenFill>
+            </a:ext>
+          </a:extLst>
+        </p:spPr>
+      </p:pic>
     </p:spTree>
     <p:extLst>
       <p:ext uri="{BB962C8B-B14F-4D97-AF65-F5344CB8AC3E}">
-        <p14:creationId xmlns:p14="http://schemas.microsoft.com/office/powerpoint/2010/main" val="954839788"/>
+        <p14:creationId xmlns:p14="http://schemas.microsoft.com/office/powerpoint/2010/main" val="3613946972"/>
       </p:ext>
     </p:extLst>
   </p:cSld>
@@ -4933,12 +5587,18 @@
 </p:sld>
 </file>
 
-<file path=ppt/slides/slide11.xml><?xml version="1.0" encoding="utf-8"?>
+<file path=ppt/slides/slide12.xml><?xml version="1.0" encoding="utf-8"?>
 <p:sld xmlns:a="http://schemas.openxmlformats.org/drawingml/2006/main" xmlns:r="http://schemas.openxmlformats.org/officeDocument/2006/relationships" xmlns:p="http://schemas.openxmlformats.org/presentationml/2006/main">
   <p:cSld>
     <p:spTree>
       <p:nvGrpSpPr>
-        <p:cNvPr id="1" name=""/>
+        <p:cNvPr id="1" name="">
+          <a:extLst>
+            <a:ext uri="{FF2B5EF4-FFF2-40B4-BE49-F238E27FC236}">
+              <a16:creationId xmlns:a16="http://schemas.microsoft.com/office/drawing/2014/main" id="{27ECF33D-4809-426D-6350-1B28B4BDF6DC}"/>
+            </a:ext>
+          </a:extLst>
+        </p:cNvPr>
         <p:cNvGrpSpPr/>
         <p:nvPr/>
       </p:nvGrpSpPr>
@@ -4955,88 +5615,4549 @@
           <p:cNvPr id="2" name="제목 1">
             <a:extLst>
               <a:ext uri="{FF2B5EF4-FFF2-40B4-BE49-F238E27FC236}">
-                <a16:creationId xmlns:a16="http://schemas.microsoft.com/office/drawing/2014/main" id="{09AF5AA7-7F5B-24D7-B71F-FC5EB4379F2B}"/>
-              </a:ext>
-            </a:extLst>
-          </p:cNvPr>
-          <p:cNvSpPr>
-            <a:spLocks noGrp="1"/>
-          </p:cNvSpPr>
-          <p:nvPr>
-            <p:ph type="ctrTitle"/>
+                <a16:creationId xmlns:a16="http://schemas.microsoft.com/office/drawing/2014/main" id="{026939FE-9538-A940-D434-85E9134C06EF}"/>
+              </a:ext>
+            </a:extLst>
+          </p:cNvPr>
+          <p:cNvSpPr>
+            <a:spLocks noGrp="1"/>
+          </p:cNvSpPr>
+          <p:nvPr>
+            <p:ph type="title"/>
           </p:nvPr>
         </p:nvSpPr>
         <p:spPr/>
         <p:txBody>
-          <a:bodyPr>
-            <a:normAutofit/>
+          <a:bodyPr/>
+          <a:lstStyle/>
+          <a:p>
+            <a:r>
+              <a:rPr lang="en-US" dirty="0"/>
+              <a:t>Normalizing Flow</a:t>
+            </a:r>
+          </a:p>
+        </p:txBody>
+      </p:sp>
+      <mc:AlternateContent xmlns:mc="http://schemas.openxmlformats.org/markup-compatibility/2006" xmlns:a14="http://schemas.microsoft.com/office/drawing/2010/main">
+        <mc:Choice Requires="a14">
+          <p:sp>
+            <p:nvSpPr>
+              <p:cNvPr id="3" name="내용 개체 틀 2">
+                <a:extLst>
+                  <a:ext uri="{FF2B5EF4-FFF2-40B4-BE49-F238E27FC236}">
+                    <a16:creationId xmlns:a16="http://schemas.microsoft.com/office/drawing/2014/main" id="{4D8AB43E-B6D5-D57F-0398-E2B96D4B4C29}"/>
+                  </a:ext>
+                </a:extLst>
+              </p:cNvPr>
+              <p:cNvSpPr>
+                <a:spLocks noGrp="1"/>
+              </p:cNvSpPr>
+              <p:nvPr>
+                <p:ph idx="1"/>
+              </p:nvPr>
+            </p:nvSpPr>
+            <p:spPr/>
+            <p:txBody>
+              <a:bodyPr/>
+              <a:lstStyle/>
+              <a:p>
+                <a:r>
+                  <a:rPr lang="en-US" dirty="0"/>
+                  <a:t>Variational inferences using VAE suffers approximation error</a:t>
+                </a:r>
+              </a:p>
+              <a:p>
+                <a:r>
+                  <a:rPr lang="en-US" dirty="0"/>
+                  <a:t>e.g. mean-field approx. </a:t>
+                </a:r>
+                <a14:m>
+                  <m:oMath xmlns:m="http://schemas.openxmlformats.org/officeDocument/2006/math">
+                    <m:r>
+                      <a:rPr lang="en-US" b="0" i="1" smtClean="0">
+                        <a:latin typeface="Cambria Math" panose="02040503050406030204" pitchFamily="18" charset="0"/>
+                      </a:rPr>
+                      <m:t>𝑞</m:t>
+                    </m:r>
+                    <m:d>
+                      <m:dPr>
+                        <m:ctrlPr>
+                          <a:rPr lang="en-US" b="0" i="1" smtClean="0">
+                            <a:latin typeface="Cambria Math" panose="02040503050406030204" pitchFamily="18" charset="0"/>
+                          </a:rPr>
+                        </m:ctrlPr>
+                      </m:dPr>
+                      <m:e>
+                        <m:r>
+                          <a:rPr lang="en-US" b="0" i="1" smtClean="0">
+                            <a:latin typeface="Cambria Math" panose="02040503050406030204" pitchFamily="18" charset="0"/>
+                          </a:rPr>
+                          <m:t>𝑧</m:t>
+                        </m:r>
+                      </m:e>
+                      <m:e>
+                        <m:r>
+                          <a:rPr lang="en-US" b="0" i="1" smtClean="0">
+                            <a:latin typeface="Cambria Math" panose="02040503050406030204" pitchFamily="18" charset="0"/>
+                          </a:rPr>
+                          <m:t>𝑥</m:t>
+                        </m:r>
+                      </m:e>
+                    </m:d>
+                    <m:r>
+                      <a:rPr lang="en-US" b="0" i="1" smtClean="0">
+                        <a:latin typeface="Cambria Math" panose="02040503050406030204" pitchFamily="18" charset="0"/>
+                      </a:rPr>
+                      <m:t>=</m:t>
+                    </m:r>
+                    <m:nary>
+                      <m:naryPr>
+                        <m:chr m:val="∏"/>
+                        <m:supHide m:val="on"/>
+                        <m:ctrlPr>
+                          <a:rPr lang="en-US" b="0" i="1" smtClean="0">
+                            <a:latin typeface="Cambria Math" panose="02040503050406030204" pitchFamily="18" charset="0"/>
+                          </a:rPr>
+                        </m:ctrlPr>
+                      </m:naryPr>
+                      <m:sub>
+                        <m:r>
+                          <a:rPr lang="en-US" b="0" i="1" smtClean="0">
+                            <a:latin typeface="Cambria Math" panose="02040503050406030204" pitchFamily="18" charset="0"/>
+                          </a:rPr>
+                          <m:t>𝑖</m:t>
+                        </m:r>
+                      </m:sub>
+                      <m:sup/>
+                      <m:e>
+                        <m:r>
+                          <a:rPr lang="en-US" b="0" i="1" smtClean="0">
+                            <a:latin typeface="Cambria Math" panose="02040503050406030204" pitchFamily="18" charset="0"/>
+                          </a:rPr>
+                          <m:t>𝑞</m:t>
+                        </m:r>
+                        <m:r>
+                          <a:rPr lang="en-US" b="0" i="1" smtClean="0">
+                            <a:latin typeface="Cambria Math" panose="02040503050406030204" pitchFamily="18" charset="0"/>
+                          </a:rPr>
+                          <m:t>(</m:t>
+                        </m:r>
+                        <m:sSub>
+                          <m:sSubPr>
+                            <m:ctrlPr>
+                              <a:rPr lang="en-US" b="0" i="1" smtClean="0">
+                                <a:latin typeface="Cambria Math" panose="02040503050406030204" pitchFamily="18" charset="0"/>
+                              </a:rPr>
+                            </m:ctrlPr>
+                          </m:sSubPr>
+                          <m:e>
+                            <m:r>
+                              <a:rPr lang="en-US" b="0" i="1" smtClean="0">
+                                <a:latin typeface="Cambria Math" panose="02040503050406030204" pitchFamily="18" charset="0"/>
+                              </a:rPr>
+                              <m:t>𝑧</m:t>
+                            </m:r>
+                          </m:e>
+                          <m:sub>
+                            <m:r>
+                              <a:rPr lang="en-US" b="0" i="1" smtClean="0">
+                                <a:latin typeface="Cambria Math" panose="02040503050406030204" pitchFamily="18" charset="0"/>
+                              </a:rPr>
+                              <m:t>𝑖</m:t>
+                            </m:r>
+                          </m:sub>
+                        </m:sSub>
+                        <m:r>
+                          <a:rPr lang="en-US" b="0" i="1" smtClean="0">
+                            <a:latin typeface="Cambria Math" panose="02040503050406030204" pitchFamily="18" charset="0"/>
+                          </a:rPr>
+                          <m:t>|</m:t>
+                        </m:r>
+                        <m:r>
+                          <a:rPr lang="en-US" b="0" i="1" smtClean="0">
+                            <a:latin typeface="Cambria Math" panose="02040503050406030204" pitchFamily="18" charset="0"/>
+                          </a:rPr>
+                          <m:t>𝑥</m:t>
+                        </m:r>
+                        <m:r>
+                          <a:rPr lang="en-US" b="0" i="1" smtClean="0">
+                            <a:latin typeface="Cambria Math" panose="02040503050406030204" pitchFamily="18" charset="0"/>
+                          </a:rPr>
+                          <m:t>)</m:t>
+                        </m:r>
+                      </m:e>
+                    </m:nary>
+                  </m:oMath>
+                </a14:m>
+                <a:endParaRPr lang="en-US" dirty="0"/>
+              </a:p>
+              <a:p>
+                <a:r>
+                  <a:rPr lang="en-US" dirty="0"/>
+                  <a:t>Propose</a:t>
+                </a:r>
+                <a:r>
+                  <a:rPr lang="en-US" b="0" dirty="0"/>
+                  <a:t> training diffeomorphism </a:t>
+                </a:r>
+                <a14:m>
+                  <m:oMath xmlns:m="http://schemas.openxmlformats.org/officeDocument/2006/math">
+                    <m:r>
+                      <a:rPr lang="en-US" b="0" i="1" smtClean="0">
+                        <a:latin typeface="Cambria Math" panose="02040503050406030204" pitchFamily="18" charset="0"/>
+                      </a:rPr>
+                      <m:t>𝑓</m:t>
+                    </m:r>
+                    <m:r>
+                      <a:rPr lang="en-US" b="0" i="1" smtClean="0">
+                        <a:latin typeface="Cambria Math" panose="02040503050406030204" pitchFamily="18" charset="0"/>
+                      </a:rPr>
+                      <m:t>:</m:t>
+                    </m:r>
+                    <m:sSup>
+                      <m:sSupPr>
+                        <m:ctrlPr>
+                          <a:rPr lang="en-US" b="0" i="1" smtClean="0">
+                            <a:latin typeface="Cambria Math" panose="02040503050406030204" pitchFamily="18" charset="0"/>
+                            <a:ea typeface="Cambria Math" panose="02040503050406030204" pitchFamily="18" charset="0"/>
+                          </a:rPr>
+                        </m:ctrlPr>
+                      </m:sSupPr>
+                      <m:e>
+                        <m:r>
+                          <a:rPr lang="en-US" i="1">
+                            <a:latin typeface="Cambria Math" panose="02040503050406030204" pitchFamily="18" charset="0"/>
+                            <a:ea typeface="Cambria Math" panose="02040503050406030204" pitchFamily="18" charset="0"/>
+                          </a:rPr>
+                          <m:t>ℝ</m:t>
+                        </m:r>
+                      </m:e>
+                      <m:sup>
+                        <m:r>
+                          <a:rPr lang="en-US" b="0" i="1" smtClean="0">
+                            <a:latin typeface="Cambria Math" panose="02040503050406030204" pitchFamily="18" charset="0"/>
+                            <a:ea typeface="Cambria Math" panose="02040503050406030204" pitchFamily="18" charset="0"/>
+                          </a:rPr>
+                          <m:t>𝑛</m:t>
+                        </m:r>
+                      </m:sup>
+                    </m:sSup>
+                  </m:oMath>
+                </a14:m>
+                <a:r>
+                  <a:rPr lang="en-US" b="0" dirty="0"/>
+                  <a:t> (prior) </a:t>
+                </a:r>
+                <a14:m>
+                  <m:oMath xmlns:m="http://schemas.openxmlformats.org/officeDocument/2006/math">
+                    <m:r>
+                      <a:rPr lang="en-US" i="1">
+                        <a:latin typeface="Cambria Math" panose="02040503050406030204" pitchFamily="18" charset="0"/>
+                        <a:ea typeface="Cambria Math" panose="02040503050406030204" pitchFamily="18" charset="0"/>
+                      </a:rPr>
+                      <m:t>→</m:t>
+                    </m:r>
+                    <m:sSup>
+                      <m:sSupPr>
+                        <m:ctrlPr>
+                          <a:rPr lang="en-US" i="1">
+                            <a:latin typeface="Cambria Math" panose="02040503050406030204" pitchFamily="18" charset="0"/>
+                            <a:ea typeface="Cambria Math" panose="02040503050406030204" pitchFamily="18" charset="0"/>
+                          </a:rPr>
+                        </m:ctrlPr>
+                      </m:sSupPr>
+                      <m:e>
+                        <m:r>
+                          <a:rPr lang="en-US" i="1">
+                            <a:latin typeface="Cambria Math" panose="02040503050406030204" pitchFamily="18" charset="0"/>
+                            <a:ea typeface="Cambria Math" panose="02040503050406030204" pitchFamily="18" charset="0"/>
+                          </a:rPr>
+                          <m:t>ℝ</m:t>
+                        </m:r>
+                      </m:e>
+                      <m:sup>
+                        <m:r>
+                          <a:rPr lang="en-US" i="1">
+                            <a:latin typeface="Cambria Math" panose="02040503050406030204" pitchFamily="18" charset="0"/>
+                            <a:ea typeface="Cambria Math" panose="02040503050406030204" pitchFamily="18" charset="0"/>
+                          </a:rPr>
+                          <m:t>𝑛</m:t>
+                        </m:r>
+                      </m:sup>
+                    </m:sSup>
+                  </m:oMath>
+                </a14:m>
+                <a:r>
+                  <a:rPr lang="en-US" b="0" dirty="0"/>
+                  <a:t> (data)</a:t>
+                </a:r>
+              </a:p>
+              <a:p>
+                <a:endParaRPr lang="en-US" dirty="0"/>
+              </a:p>
+            </p:txBody>
+          </p:sp>
+        </mc:Choice>
+        <mc:Fallback xmlns="">
+          <p:sp>
+            <p:nvSpPr>
+              <p:cNvPr id="3" name="내용 개체 틀 2">
+                <a:extLst>
+                  <a:ext uri="{FF2B5EF4-FFF2-40B4-BE49-F238E27FC236}">
+                    <a16:creationId xmlns:a16="http://schemas.microsoft.com/office/drawing/2014/main" id="{C10BA2C4-473D-600F-33AA-AFDAC79C2551}"/>
+                  </a:ext>
+                </a:extLst>
+              </p:cNvPr>
+              <p:cNvSpPr>
+                <a:spLocks noGrp="1" noRot="1" noChangeAspect="1" noMove="1" noResize="1" noEditPoints="1" noAdjustHandles="1" noChangeArrowheads="1" noChangeShapeType="1" noTextEdit="1"/>
+              </p:cNvSpPr>
+              <p:nvPr>
+                <p:ph idx="1"/>
+              </p:nvPr>
+            </p:nvSpPr>
+            <p:spPr>
+              <a:blipFill>
+                <a:blip r:embed="rId2"/>
+                <a:stretch>
+                  <a:fillRect l="-1043" t="-2381"/>
+                </a:stretch>
+              </a:blipFill>
+            </p:spPr>
+            <p:txBody>
+              <a:bodyPr/>
+              <a:lstStyle/>
+              <a:p>
+                <a:r>
+                  <a:rPr lang="en-US">
+                    <a:noFill/>
+                  </a:rPr>
+                  <a:t> </a:t>
+                </a:r>
+              </a:p>
+            </p:txBody>
+          </p:sp>
+        </mc:Fallback>
+      </mc:AlternateContent>
+      <p:sp>
+        <p:nvSpPr>
+          <p:cNvPr id="4" name="날짜 개체 틀 3">
+            <a:extLst>
+              <a:ext uri="{FF2B5EF4-FFF2-40B4-BE49-F238E27FC236}">
+                <a16:creationId xmlns:a16="http://schemas.microsoft.com/office/drawing/2014/main" id="{9C7DCF1A-9E4E-BE73-A42D-CE4F07455719}"/>
+              </a:ext>
+            </a:extLst>
+          </p:cNvPr>
+          <p:cNvSpPr>
+            <a:spLocks noGrp="1"/>
+          </p:cNvSpPr>
+          <p:nvPr>
+            <p:ph type="dt" sz="half" idx="10"/>
+          </p:nvPr>
+        </p:nvSpPr>
+        <p:spPr/>
+        <p:txBody>
+          <a:bodyPr/>
+          <a:lstStyle/>
+          <a:p>
+            <a:fld id="{CF64853D-3525-485A-80D9-E006B4737537}" type="datetime1">
+              <a:rPr lang="en-US" altLang="ko-KR" smtClean="0"/>
+              <a:t>6/10/2025</a:t>
+            </a:fld>
+            <a:endParaRPr lang="ko-KR" altLang="en-US"/>
+          </a:p>
+        </p:txBody>
+      </p:sp>
+      <p:sp>
+        <p:nvSpPr>
+          <p:cNvPr id="5" name="바닥글 개체 틀 4">
+            <a:extLst>
+              <a:ext uri="{FF2B5EF4-FFF2-40B4-BE49-F238E27FC236}">
+                <a16:creationId xmlns:a16="http://schemas.microsoft.com/office/drawing/2014/main" id="{C826F58B-E757-6B95-17AD-54EB412581D4}"/>
+              </a:ext>
+            </a:extLst>
+          </p:cNvPr>
+          <p:cNvSpPr>
+            <a:spLocks noGrp="1"/>
+          </p:cNvSpPr>
+          <p:nvPr>
+            <p:ph type="ftr" sz="quarter" idx="11"/>
+          </p:nvPr>
+        </p:nvSpPr>
+        <p:spPr/>
+        <p:txBody>
+          <a:bodyPr/>
+          <a:lstStyle/>
+          <a:p>
+            <a:r>
+              <a:rPr lang="en-US" altLang="ko-KR"/>
+              <a:t>NCIA</a:t>
+            </a:r>
+            <a:endParaRPr lang="ko-KR" altLang="en-US" dirty="0"/>
+          </a:p>
+        </p:txBody>
+      </p:sp>
+      <p:sp>
+        <p:nvSpPr>
+          <p:cNvPr id="6" name="슬라이드 번호 개체 틀 5">
+            <a:extLst>
+              <a:ext uri="{FF2B5EF4-FFF2-40B4-BE49-F238E27FC236}">
+                <a16:creationId xmlns:a16="http://schemas.microsoft.com/office/drawing/2014/main" id="{E6217EF5-871F-8041-1F34-BEAF8C28F494}"/>
+              </a:ext>
+            </a:extLst>
+          </p:cNvPr>
+          <p:cNvSpPr>
+            <a:spLocks noGrp="1"/>
+          </p:cNvSpPr>
+          <p:nvPr>
+            <p:ph type="sldNum" sz="quarter" idx="12"/>
+          </p:nvPr>
+        </p:nvSpPr>
+        <p:spPr/>
+        <p:txBody>
+          <a:bodyPr/>
+          <a:lstStyle/>
+          <a:p>
+            <a:fld id="{DA7F9607-BA5C-406C-B8F1-9CD3498981D2}" type="slidenum">
+              <a:rPr lang="ko-KR" altLang="en-US" smtClean="0"/>
+              <a:t>12</a:t>
+            </a:fld>
+            <a:endParaRPr lang="ko-KR" altLang="en-US"/>
+          </a:p>
+        </p:txBody>
+      </p:sp>
+      <p:sp>
+        <p:nvSpPr>
+          <p:cNvPr id="9" name="TextBox 8">
+            <a:extLst>
+              <a:ext uri="{FF2B5EF4-FFF2-40B4-BE49-F238E27FC236}">
+                <a16:creationId xmlns:a16="http://schemas.microsoft.com/office/drawing/2014/main" id="{1D94C3E0-0B88-EBCC-D7EC-943430FC6F80}"/>
+              </a:ext>
+            </a:extLst>
+          </p:cNvPr>
+          <p:cNvSpPr txBox="1"/>
+          <p:nvPr/>
+        </p:nvSpPr>
+        <p:spPr>
+          <a:xfrm>
+            <a:off x="3581400" y="5710019"/>
+            <a:ext cx="8291623" cy="646331"/>
+          </a:xfrm>
+          <a:prstGeom prst="rect">
+            <a:avLst/>
+          </a:prstGeom>
+          <a:noFill/>
+        </p:spPr>
+        <p:txBody>
+          <a:bodyPr wrap="square" rtlCol="0">
+            <a:spAutoFit/>
           </a:bodyPr>
           <a:lstStyle/>
           <a:p>
             <a:r>
-              <a:rPr lang="en-US" altLang="ko-KR" b="1" dirty="0"/>
-              <a:t>Thank you for listening</a:t>
-            </a:r>
-            <a:endParaRPr lang="ko-KR" altLang="en-US" b="1" dirty="0"/>
-          </a:p>
-        </p:txBody>
-      </p:sp>
-      <p:sp>
-        <p:nvSpPr>
-          <p:cNvPr id="3" name="부제목 2">
-            <a:extLst>
-              <a:ext uri="{FF2B5EF4-FFF2-40B4-BE49-F238E27FC236}">
-                <a16:creationId xmlns:a16="http://schemas.microsoft.com/office/drawing/2014/main" id="{F97C7B6F-3686-B164-88FE-C376C79BC3B6}"/>
-              </a:ext>
-            </a:extLst>
-          </p:cNvPr>
-          <p:cNvSpPr>
-            <a:spLocks noGrp="1"/>
-          </p:cNvSpPr>
-          <p:nvPr>
-            <p:ph type="subTitle" idx="1"/>
-          </p:nvPr>
-        </p:nvSpPr>
-        <p:spPr/>
-        <p:txBody>
-          <a:bodyPr/>
-          <a:lstStyle/>
-          <a:p>
-            <a:r>
-              <a:rPr lang="en-US" altLang="ko-KR" dirty="0"/>
-              <a:t>Presenter: Kim Seung Hwan (seunghwan.kim@snu.ac.kr)</a:t>
-            </a:r>
-          </a:p>
-          <a:p>
-            <a:r>
-              <a:rPr lang="en-US" altLang="ko-KR" dirty="0"/>
-              <a:t>NCIA </a:t>
-            </a:r>
-            <a:r>
-              <a:rPr lang="ko-KR" altLang="en-US" sz="2000" dirty="0">
-                <a:latin typeface="210 SoomyungjoOTF 020" panose="02020503020101020101" pitchFamily="18" charset="-127"/>
-                <a:ea typeface="210 SoomyungjoOTF 020" panose="02020503020101020101" pitchFamily="18" charset="-127"/>
+              <a:rPr lang="en-US" dirty="0">
+                <a:latin typeface="Times New Roman" panose="02020603050405020304" pitchFamily="18" charset="0"/>
+                <a:cs typeface="Times New Roman" panose="02020603050405020304" pitchFamily="18" charset="0"/>
               </a:rPr>
-              <a:t>인공지능 석사과정 </a:t>
-            </a:r>
-            <a:r>
-              <a:rPr lang="en-US" altLang="ko-KR" sz="2000" dirty="0">
-                <a:latin typeface="210 SoomyungjoOTF 020" panose="02020503020101020101" pitchFamily="18" charset="-127"/>
-                <a:ea typeface="210 SoomyungjoOTF 020" panose="02020503020101020101" pitchFamily="18" charset="-127"/>
+              <a:t>Rezende, Danilo, and Shakir Mohamed. "Variational inference with normalizing flows." International conference on machine learning. PMLR, 2015.</a:t>
+            </a:r>
+          </a:p>
+        </p:txBody>
+      </p:sp>
+      <mc:AlternateContent xmlns:mc="http://schemas.openxmlformats.org/markup-compatibility/2006">
+        <mc:Choice xmlns:a14="http://schemas.microsoft.com/office/drawing/2010/main" Requires="a14">
+          <p:sp>
+            <p:nvSpPr>
+              <p:cNvPr id="10" name="TextBox 9">
+                <a:extLst>
+                  <a:ext uri="{FF2B5EF4-FFF2-40B4-BE49-F238E27FC236}">
+                    <a16:creationId xmlns:a16="http://schemas.microsoft.com/office/drawing/2014/main" id="{96FB4319-6E1B-C684-9029-7D88307ED78B}"/>
+                  </a:ext>
+                </a:extLst>
+              </p:cNvPr>
+              <p:cNvSpPr txBox="1"/>
+              <p:nvPr/>
+            </p:nvSpPr>
+            <p:spPr>
+              <a:xfrm>
+                <a:off x="7413276" y="2344077"/>
+                <a:ext cx="4459747" cy="414729"/>
+              </a:xfrm>
+              <a:prstGeom prst="rect">
+                <a:avLst/>
+              </a:prstGeom>
+              <a:noFill/>
+            </p:spPr>
+            <p:txBody>
+              <a:bodyPr wrap="square" rtlCol="0">
+                <a:spAutoFit/>
+              </a:bodyPr>
+              <a:lstStyle/>
+              <a:p>
+                <a:pPr algn="ctr"/>
+                <a:r>
+                  <a:rPr lang="en-US" sz="1400" dirty="0">
+                    <a:solidFill>
+                      <a:srgbClr val="FF0000"/>
+                    </a:solidFill>
+                    <a:latin typeface="Times New Roman" panose="02020603050405020304" pitchFamily="18" charset="0"/>
+                    <a:cs typeface="Times New Roman" panose="02020603050405020304" pitchFamily="18" charset="0"/>
+                  </a:rPr>
+                  <a:t>typically, resulting in </a:t>
+                </a:r>
+                <a14:m>
+                  <m:oMath xmlns:m="http://schemas.openxmlformats.org/officeDocument/2006/math">
+                    <m:r>
+                      <a:rPr lang="en-US" sz="1400" i="1" dirty="0">
+                        <a:solidFill>
+                          <a:srgbClr val="FF0000"/>
+                        </a:solidFill>
+                        <a:latin typeface="Cambria Math" panose="02040503050406030204" pitchFamily="18" charset="0"/>
+                      </a:rPr>
+                      <m:t>𝑞</m:t>
+                    </m:r>
+                    <m:d>
+                      <m:dPr>
+                        <m:ctrlPr>
+                          <a:rPr lang="en-US" sz="1400" i="1" dirty="0">
+                            <a:solidFill>
+                              <a:srgbClr val="FF0000"/>
+                            </a:solidFill>
+                            <a:latin typeface="Cambria Math" panose="02040503050406030204" pitchFamily="18" charset="0"/>
+                          </a:rPr>
+                        </m:ctrlPr>
+                      </m:dPr>
+                      <m:e>
+                        <m:r>
+                          <a:rPr lang="en-US" sz="1400" i="1" dirty="0">
+                            <a:solidFill>
+                              <a:srgbClr val="FF0000"/>
+                            </a:solidFill>
+                            <a:latin typeface="Cambria Math" panose="02040503050406030204" pitchFamily="18" charset="0"/>
+                          </a:rPr>
+                          <m:t>𝑧</m:t>
+                        </m:r>
+                      </m:e>
+                      <m:e>
+                        <m:r>
+                          <a:rPr lang="en-US" sz="1400" i="1" dirty="0">
+                            <a:solidFill>
+                              <a:srgbClr val="FF0000"/>
+                            </a:solidFill>
+                            <a:latin typeface="Cambria Math" panose="02040503050406030204" pitchFamily="18" charset="0"/>
+                          </a:rPr>
+                          <m:t>𝑥</m:t>
+                        </m:r>
+                      </m:e>
+                    </m:d>
+                    <m:r>
+                      <a:rPr lang="en-US" sz="1400" i="1" dirty="0">
+                        <a:solidFill>
+                          <a:srgbClr val="FF0000"/>
+                        </a:solidFill>
+                        <a:latin typeface="Cambria Math" panose="02040503050406030204" pitchFamily="18" charset="0"/>
+                      </a:rPr>
+                      <m:t>∼</m:t>
+                    </m:r>
+                    <m:r>
+                      <a:rPr lang="en-US" sz="1400" i="1" dirty="0">
+                        <a:solidFill>
+                          <a:srgbClr val="FF0000"/>
+                        </a:solidFill>
+                        <a:latin typeface="Cambria Math" panose="02040503050406030204" pitchFamily="18" charset="0"/>
+                      </a:rPr>
+                      <m:t>𝑁</m:t>
+                    </m:r>
+                    <m:d>
+                      <m:dPr>
+                        <m:ctrlPr>
+                          <a:rPr lang="en-US" sz="1400" i="1" dirty="0">
+                            <a:solidFill>
+                              <a:srgbClr val="FF0000"/>
+                            </a:solidFill>
+                            <a:latin typeface="Cambria Math" panose="02040503050406030204" pitchFamily="18" charset="0"/>
+                          </a:rPr>
+                        </m:ctrlPr>
+                      </m:dPr>
+                      <m:e>
+                        <m:r>
+                          <a:rPr lang="en-US" sz="1400" i="1" dirty="0">
+                            <a:solidFill>
+                              <a:srgbClr val="FF0000"/>
+                            </a:solidFill>
+                            <a:latin typeface="Cambria Math" panose="02040503050406030204" pitchFamily="18" charset="0"/>
+                          </a:rPr>
+                          <m:t>𝜇</m:t>
+                        </m:r>
+                        <m:d>
+                          <m:dPr>
+                            <m:ctrlPr>
+                              <a:rPr lang="en-US" sz="1400" i="1" dirty="0">
+                                <a:solidFill>
+                                  <a:srgbClr val="FF0000"/>
+                                </a:solidFill>
+                                <a:latin typeface="Cambria Math" panose="02040503050406030204" pitchFamily="18" charset="0"/>
+                              </a:rPr>
+                            </m:ctrlPr>
+                          </m:dPr>
+                          <m:e>
+                            <m:r>
+                              <a:rPr lang="en-US" sz="1400" i="1" dirty="0">
+                                <a:solidFill>
+                                  <a:srgbClr val="FF0000"/>
+                                </a:solidFill>
+                                <a:latin typeface="Cambria Math" panose="02040503050406030204" pitchFamily="18" charset="0"/>
+                              </a:rPr>
+                              <m:t>𝑥</m:t>
+                            </m:r>
+                          </m:e>
+                        </m:d>
+                        <m:r>
+                          <a:rPr lang="en-US" sz="1400" i="1" dirty="0">
+                            <a:solidFill>
+                              <a:srgbClr val="FF0000"/>
+                            </a:solidFill>
+                            <a:latin typeface="Cambria Math" panose="02040503050406030204" pitchFamily="18" charset="0"/>
+                          </a:rPr>
+                          <m:t>,</m:t>
+                        </m:r>
+                        <m:r>
+                          <a:rPr lang="en-US" sz="1400" i="1" dirty="0">
+                            <a:solidFill>
+                              <a:srgbClr val="FF0000"/>
+                            </a:solidFill>
+                            <a:latin typeface="Cambria Math" panose="02040503050406030204" pitchFamily="18" charset="0"/>
+                          </a:rPr>
+                          <m:t>𝑑𝑖𝑎𝑔</m:t>
+                        </m:r>
+                        <m:d>
+                          <m:dPr>
+                            <m:ctrlPr>
+                              <a:rPr lang="en-US" sz="1400" i="1" dirty="0">
+                                <a:solidFill>
+                                  <a:srgbClr val="FF0000"/>
+                                </a:solidFill>
+                                <a:latin typeface="Cambria Math" panose="02040503050406030204" pitchFamily="18" charset="0"/>
+                              </a:rPr>
+                            </m:ctrlPr>
+                          </m:dPr>
+                          <m:e>
+                            <m:r>
+                              <a:rPr lang="en-US" sz="1400" i="1" dirty="0">
+                                <a:solidFill>
+                                  <a:srgbClr val="FF0000"/>
+                                </a:solidFill>
+                                <a:latin typeface="Cambria Math" panose="02040503050406030204" pitchFamily="18" charset="0"/>
+                              </a:rPr>
+                              <m:t>𝜎</m:t>
+                            </m:r>
+                            <m:d>
+                              <m:dPr>
+                                <m:ctrlPr>
+                                  <a:rPr lang="en-US" sz="1400" i="1" dirty="0">
+                                    <a:solidFill>
+                                      <a:srgbClr val="FF0000"/>
+                                    </a:solidFill>
+                                    <a:latin typeface="Cambria Math" panose="02040503050406030204" pitchFamily="18" charset="0"/>
+                                  </a:rPr>
+                                </m:ctrlPr>
+                              </m:dPr>
+                              <m:e>
+                                <m:r>
+                                  <a:rPr lang="en-US" sz="1400" i="1" dirty="0">
+                                    <a:solidFill>
+                                      <a:srgbClr val="FF0000"/>
+                                    </a:solidFill>
+                                    <a:latin typeface="Cambria Math" panose="02040503050406030204" pitchFamily="18" charset="0"/>
+                                  </a:rPr>
+                                  <m:t>𝑥</m:t>
+                                </m:r>
+                              </m:e>
+                            </m:d>
+                          </m:e>
+                        </m:d>
+                      </m:e>
+                    </m:d>
+                  </m:oMath>
+                </a14:m>
+                <a:endParaRPr lang="en-US" sz="1400" dirty="0">
+                  <a:solidFill>
+                    <a:srgbClr val="FF0000"/>
+                  </a:solidFill>
+                  <a:latin typeface="Times New Roman" panose="02020603050405020304" pitchFamily="18" charset="0"/>
+                  <a:cs typeface="Times New Roman" panose="02020603050405020304" pitchFamily="18" charset="0"/>
+                </a:endParaRPr>
+              </a:p>
+            </p:txBody>
+          </p:sp>
+        </mc:Choice>
+        <mc:Fallback>
+          <p:sp>
+            <p:nvSpPr>
+              <p:cNvPr id="10" name="TextBox 9">
+                <a:extLst>
+                  <a:ext uri="{FF2B5EF4-FFF2-40B4-BE49-F238E27FC236}">
+                    <a16:creationId xmlns:a16="http://schemas.microsoft.com/office/drawing/2014/main" id="{96FB4319-6E1B-C684-9029-7D88307ED78B}"/>
+                  </a:ext>
+                </a:extLst>
+              </p:cNvPr>
+              <p:cNvSpPr txBox="1">
+                <a:spLocks noRot="1" noChangeAspect="1" noMove="1" noResize="1" noEditPoints="1" noAdjustHandles="1" noChangeArrowheads="1" noChangeShapeType="1" noTextEdit="1"/>
+              </p:cNvSpPr>
+              <p:nvPr/>
+            </p:nvSpPr>
+            <p:spPr>
+              <a:xfrm>
+                <a:off x="7413276" y="2344077"/>
+                <a:ext cx="4459747" cy="414729"/>
+              </a:xfrm>
+              <a:prstGeom prst="rect">
+                <a:avLst/>
+              </a:prstGeom>
+              <a:blipFill>
+                <a:blip r:embed="rId3"/>
+                <a:stretch>
+                  <a:fillRect b="-1471"/>
+                </a:stretch>
+              </a:blipFill>
+            </p:spPr>
+            <p:txBody>
+              <a:bodyPr/>
+              <a:lstStyle/>
+              <a:p>
+                <a:r>
+                  <a:rPr lang="en-US">
+                    <a:noFill/>
+                  </a:rPr>
+                  <a:t> </a:t>
+                </a:r>
+              </a:p>
+            </p:txBody>
+          </p:sp>
+        </mc:Fallback>
+      </mc:AlternateContent>
+      <p:pic>
+        <p:nvPicPr>
+          <p:cNvPr id="16" name="그림 15">
+            <a:extLst>
+              <a:ext uri="{FF2B5EF4-FFF2-40B4-BE49-F238E27FC236}">
+                <a16:creationId xmlns:a16="http://schemas.microsoft.com/office/drawing/2014/main" id="{B6FB85F9-170B-10C9-BE43-6F15C22575AA}"/>
+              </a:ext>
+            </a:extLst>
+          </p:cNvPr>
+          <p:cNvPicPr>
+            <a:picLocks noChangeAspect="1"/>
+          </p:cNvPicPr>
+          <p:nvPr/>
+        </p:nvPicPr>
+        <p:blipFill>
+          <a:blip r:embed="rId4"/>
+          <a:stretch>
+            <a:fillRect/>
+          </a:stretch>
+        </p:blipFill>
+        <p:spPr>
+          <a:xfrm>
+            <a:off x="1264345" y="3872605"/>
+            <a:ext cx="4003551" cy="723615"/>
+          </a:xfrm>
+          <a:prstGeom prst="rect">
+            <a:avLst/>
+          </a:prstGeom>
+        </p:spPr>
+      </p:pic>
+      <p:pic>
+        <p:nvPicPr>
+          <p:cNvPr id="18" name="그림 17">
+            <a:extLst>
+              <a:ext uri="{FF2B5EF4-FFF2-40B4-BE49-F238E27FC236}">
+                <a16:creationId xmlns:a16="http://schemas.microsoft.com/office/drawing/2014/main" id="{C9B28F1A-C3CB-CBA8-68E1-22D57A88553E}"/>
+              </a:ext>
+            </a:extLst>
+          </p:cNvPr>
+          <p:cNvPicPr>
+            <a:picLocks noChangeAspect="1"/>
+          </p:cNvPicPr>
+          <p:nvPr/>
+        </p:nvPicPr>
+        <p:blipFill>
+          <a:blip r:embed="rId5"/>
+          <a:stretch>
+            <a:fillRect/>
+          </a:stretch>
+        </p:blipFill>
+        <p:spPr>
+          <a:xfrm>
+            <a:off x="2568231" y="3429000"/>
+            <a:ext cx="1228896" cy="428685"/>
+          </a:xfrm>
+          <a:prstGeom prst="rect">
+            <a:avLst/>
+          </a:prstGeom>
+        </p:spPr>
+      </p:pic>
+      <p:pic>
+        <p:nvPicPr>
+          <p:cNvPr id="20" name="그림 19">
+            <a:extLst>
+              <a:ext uri="{FF2B5EF4-FFF2-40B4-BE49-F238E27FC236}">
+                <a16:creationId xmlns:a16="http://schemas.microsoft.com/office/drawing/2014/main" id="{BC27F6CC-3BA1-0F7B-D9A3-A432FC04AA35}"/>
+              </a:ext>
+            </a:extLst>
+          </p:cNvPr>
+          <p:cNvPicPr>
+            <a:picLocks noChangeAspect="1"/>
+          </p:cNvPicPr>
+          <p:nvPr/>
+        </p:nvPicPr>
+        <p:blipFill>
+          <a:blip r:embed="rId6"/>
+          <a:stretch>
+            <a:fillRect/>
+          </a:stretch>
+        </p:blipFill>
+        <p:spPr>
+          <a:xfrm>
+            <a:off x="1470823" y="4625418"/>
+            <a:ext cx="3590594" cy="994907"/>
+          </a:xfrm>
+          <a:prstGeom prst="rect">
+            <a:avLst/>
+          </a:prstGeom>
+        </p:spPr>
+      </p:pic>
+      <p:pic>
+        <p:nvPicPr>
+          <p:cNvPr id="1026" name="Picture 2" descr="Flow based Generative Models 1 : Normalizing Flow - DevKiHyun's AI">
+            <a:extLst>
+              <a:ext uri="{FF2B5EF4-FFF2-40B4-BE49-F238E27FC236}">
+                <a16:creationId xmlns:a16="http://schemas.microsoft.com/office/drawing/2014/main" id="{CEB228FB-01F3-9D08-8302-D31328F2AEFC}"/>
+              </a:ext>
+            </a:extLst>
+          </p:cNvPr>
+          <p:cNvPicPr>
+            <a:picLocks noChangeAspect="1" noChangeArrowheads="1"/>
+          </p:cNvPicPr>
+          <p:nvPr/>
+        </p:nvPicPr>
+        <p:blipFill>
+          <a:blip r:embed="rId7">
+            <a:extLst>
+              <a:ext uri="{28A0092B-C50C-407E-A947-70E740481C1C}">
+                <a14:useLocalDpi xmlns:a14="http://schemas.microsoft.com/office/drawing/2010/main" val="0"/>
+              </a:ext>
+            </a:extLst>
+          </a:blip>
+          <a:srcRect/>
+          <a:stretch>
+            <a:fillRect/>
+          </a:stretch>
+        </p:blipFill>
+        <p:spPr bwMode="auto">
+          <a:xfrm>
+            <a:off x="5900519" y="3781262"/>
+            <a:ext cx="5194073" cy="1563632"/>
+          </a:xfrm>
+          <a:prstGeom prst="rect">
+            <a:avLst/>
+          </a:prstGeom>
+          <a:noFill/>
+          <a:extLst>
+            <a:ext uri="{909E8E84-426E-40DD-AFC4-6F175D3DCCD1}">
+              <a14:hiddenFill xmlns:a14="http://schemas.microsoft.com/office/drawing/2010/main">
+                <a:solidFill>
+                  <a:srgbClr val="FFFFFF"/>
+                </a:solidFill>
+              </a14:hiddenFill>
+            </a:ext>
+          </a:extLst>
+        </p:spPr>
+      </p:pic>
+      <p:sp>
+        <p:nvSpPr>
+          <p:cNvPr id="7" name="TextBox 6">
+            <a:extLst>
+              <a:ext uri="{FF2B5EF4-FFF2-40B4-BE49-F238E27FC236}">
+                <a16:creationId xmlns:a16="http://schemas.microsoft.com/office/drawing/2014/main" id="{982A5A4A-C7F1-B8A1-878F-6199C960CA05}"/>
+              </a:ext>
+            </a:extLst>
+          </p:cNvPr>
+          <p:cNvSpPr txBox="1"/>
+          <p:nvPr/>
+        </p:nvSpPr>
+        <p:spPr>
+          <a:xfrm>
+            <a:off x="0" y="5511284"/>
+            <a:ext cx="4459747" cy="307777"/>
+          </a:xfrm>
+          <a:prstGeom prst="rect">
+            <a:avLst/>
+          </a:prstGeom>
+          <a:noFill/>
+        </p:spPr>
+        <p:txBody>
+          <a:bodyPr wrap="square" rtlCol="0">
+            <a:spAutoFit/>
+          </a:bodyPr>
+          <a:lstStyle/>
+          <a:p>
+            <a:pPr algn="ctr"/>
+            <a:r>
+              <a:rPr lang="en-US" sz="1400" dirty="0">
+                <a:solidFill>
+                  <a:srgbClr val="FF0000"/>
+                </a:solidFill>
+                <a:latin typeface="Times New Roman" panose="02020603050405020304" pitchFamily="18" charset="0"/>
+                <a:cs typeface="Times New Roman" panose="02020603050405020304" pitchFamily="18" charset="0"/>
               </a:rPr>
-              <a:t>25</a:t>
-            </a:r>
-            <a:endParaRPr lang="en-US" altLang="ko-KR" dirty="0">
-              <a:latin typeface="210 SoomyungjoOTF 020" panose="02020503020101020101" pitchFamily="18" charset="-127"/>
-              <a:ea typeface="210 SoomyungjoOTF 020" panose="02020503020101020101" pitchFamily="18" charset="-127"/>
-            </a:endParaRPr>
+              <a:t>Using this, the exact likelihood can be calculated</a:t>
+            </a:r>
           </a:p>
         </p:txBody>
       </p:sp>
     </p:spTree>
     <p:extLst>
       <p:ext uri="{BB962C8B-B14F-4D97-AF65-F5344CB8AC3E}">
-        <p14:creationId xmlns:p14="http://schemas.microsoft.com/office/powerpoint/2010/main" val="2994914421"/>
+        <p14:creationId xmlns:p14="http://schemas.microsoft.com/office/powerpoint/2010/main" val="2491910906"/>
+      </p:ext>
+    </p:extLst>
+  </p:cSld>
+  <p:clrMapOvr>
+    <a:masterClrMapping/>
+  </p:clrMapOvr>
+</p:sld>
+</file>
+
+<file path=ppt/slides/slide13.xml><?xml version="1.0" encoding="utf-8"?>
+<p:sld xmlns:a="http://schemas.openxmlformats.org/drawingml/2006/main" xmlns:r="http://schemas.openxmlformats.org/officeDocument/2006/relationships" xmlns:p="http://schemas.openxmlformats.org/presentationml/2006/main">
+  <p:cSld>
+    <p:spTree>
+      <p:nvGrpSpPr>
+        <p:cNvPr id="1" name="">
+          <a:extLst>
+            <a:ext uri="{FF2B5EF4-FFF2-40B4-BE49-F238E27FC236}">
+              <a16:creationId xmlns:a16="http://schemas.microsoft.com/office/drawing/2014/main" id="{0995A63D-92C8-01CD-93B4-EA734C232DD6}"/>
+            </a:ext>
+          </a:extLst>
+        </p:cNvPr>
+        <p:cNvGrpSpPr/>
+        <p:nvPr/>
+      </p:nvGrpSpPr>
+      <p:grpSpPr>
+        <a:xfrm>
+          <a:off x="0" y="0"/>
+          <a:ext cx="0" cy="0"/>
+          <a:chOff x="0" y="0"/>
+          <a:chExt cx="0" cy="0"/>
+        </a:xfrm>
+      </p:grpSpPr>
+      <p:sp>
+        <p:nvSpPr>
+          <p:cNvPr id="2" name="제목 1">
+            <a:extLst>
+              <a:ext uri="{FF2B5EF4-FFF2-40B4-BE49-F238E27FC236}">
+                <a16:creationId xmlns:a16="http://schemas.microsoft.com/office/drawing/2014/main" id="{08A76FA0-ED9E-7F02-02C3-01E89C3B8E87}"/>
+              </a:ext>
+            </a:extLst>
+          </p:cNvPr>
+          <p:cNvSpPr>
+            <a:spLocks noGrp="1"/>
+          </p:cNvSpPr>
+          <p:nvPr>
+            <p:ph type="title"/>
+          </p:nvPr>
+        </p:nvSpPr>
+        <p:spPr/>
+        <p:txBody>
+          <a:bodyPr/>
+          <a:lstStyle/>
+          <a:p>
+            <a:r>
+              <a:rPr lang="en-US" dirty="0"/>
+              <a:t>Normalizing Flow</a:t>
+            </a:r>
+          </a:p>
+        </p:txBody>
+      </p:sp>
+      <mc:AlternateContent xmlns:mc="http://schemas.openxmlformats.org/markup-compatibility/2006" xmlns:a14="http://schemas.microsoft.com/office/drawing/2010/main">
+        <mc:Choice Requires="a14">
+          <p:sp>
+            <p:nvSpPr>
+              <p:cNvPr id="3" name="내용 개체 틀 2">
+                <a:extLst>
+                  <a:ext uri="{FF2B5EF4-FFF2-40B4-BE49-F238E27FC236}">
+                    <a16:creationId xmlns:a16="http://schemas.microsoft.com/office/drawing/2014/main" id="{CFBD624A-8AB0-CCA9-E028-D72D978B4BA4}"/>
+                  </a:ext>
+                </a:extLst>
+              </p:cNvPr>
+              <p:cNvSpPr>
+                <a:spLocks noGrp="1"/>
+              </p:cNvSpPr>
+              <p:nvPr>
+                <p:ph idx="1"/>
+              </p:nvPr>
+            </p:nvSpPr>
+            <p:spPr/>
+            <p:txBody>
+              <a:bodyPr/>
+              <a:lstStyle/>
+              <a:p>
+                <a:r>
+                  <a:rPr lang="en-US" dirty="0"/>
+                  <a:t>Variational inferences using VAE suffers approximation error</a:t>
+                </a:r>
+              </a:p>
+              <a:p>
+                <a:r>
+                  <a:rPr lang="en-US" dirty="0"/>
+                  <a:t>e.g. mean-field approx. </a:t>
+                </a:r>
+                <a14:m>
+                  <m:oMath xmlns:m="http://schemas.openxmlformats.org/officeDocument/2006/math">
+                    <m:r>
+                      <a:rPr lang="en-US" b="0" i="1" smtClean="0">
+                        <a:latin typeface="Cambria Math" panose="02040503050406030204" pitchFamily="18" charset="0"/>
+                      </a:rPr>
+                      <m:t>𝑞</m:t>
+                    </m:r>
+                    <m:d>
+                      <m:dPr>
+                        <m:ctrlPr>
+                          <a:rPr lang="en-US" b="0" i="1" smtClean="0">
+                            <a:latin typeface="Cambria Math" panose="02040503050406030204" pitchFamily="18" charset="0"/>
+                          </a:rPr>
+                        </m:ctrlPr>
+                      </m:dPr>
+                      <m:e>
+                        <m:r>
+                          <a:rPr lang="en-US" b="0" i="1" smtClean="0">
+                            <a:latin typeface="Cambria Math" panose="02040503050406030204" pitchFamily="18" charset="0"/>
+                          </a:rPr>
+                          <m:t>𝑧</m:t>
+                        </m:r>
+                      </m:e>
+                      <m:e>
+                        <m:r>
+                          <a:rPr lang="en-US" b="0" i="1" smtClean="0">
+                            <a:latin typeface="Cambria Math" panose="02040503050406030204" pitchFamily="18" charset="0"/>
+                          </a:rPr>
+                          <m:t>𝑥</m:t>
+                        </m:r>
+                      </m:e>
+                    </m:d>
+                    <m:r>
+                      <a:rPr lang="en-US" b="0" i="1" smtClean="0">
+                        <a:latin typeface="Cambria Math" panose="02040503050406030204" pitchFamily="18" charset="0"/>
+                      </a:rPr>
+                      <m:t>=</m:t>
+                    </m:r>
+                    <m:nary>
+                      <m:naryPr>
+                        <m:chr m:val="∏"/>
+                        <m:supHide m:val="on"/>
+                        <m:ctrlPr>
+                          <a:rPr lang="en-US" b="0" i="1" smtClean="0">
+                            <a:latin typeface="Cambria Math" panose="02040503050406030204" pitchFamily="18" charset="0"/>
+                          </a:rPr>
+                        </m:ctrlPr>
+                      </m:naryPr>
+                      <m:sub>
+                        <m:r>
+                          <a:rPr lang="en-US" b="0" i="1" smtClean="0">
+                            <a:latin typeface="Cambria Math" panose="02040503050406030204" pitchFamily="18" charset="0"/>
+                          </a:rPr>
+                          <m:t>𝑖</m:t>
+                        </m:r>
+                      </m:sub>
+                      <m:sup/>
+                      <m:e>
+                        <m:r>
+                          <a:rPr lang="en-US" b="0" i="1" smtClean="0">
+                            <a:latin typeface="Cambria Math" panose="02040503050406030204" pitchFamily="18" charset="0"/>
+                          </a:rPr>
+                          <m:t>𝑞</m:t>
+                        </m:r>
+                        <m:r>
+                          <a:rPr lang="en-US" b="0" i="1" smtClean="0">
+                            <a:latin typeface="Cambria Math" panose="02040503050406030204" pitchFamily="18" charset="0"/>
+                          </a:rPr>
+                          <m:t>(</m:t>
+                        </m:r>
+                        <m:sSub>
+                          <m:sSubPr>
+                            <m:ctrlPr>
+                              <a:rPr lang="en-US" b="0" i="1" smtClean="0">
+                                <a:latin typeface="Cambria Math" panose="02040503050406030204" pitchFamily="18" charset="0"/>
+                              </a:rPr>
+                            </m:ctrlPr>
+                          </m:sSubPr>
+                          <m:e>
+                            <m:r>
+                              <a:rPr lang="en-US" b="0" i="1" smtClean="0">
+                                <a:latin typeface="Cambria Math" panose="02040503050406030204" pitchFamily="18" charset="0"/>
+                              </a:rPr>
+                              <m:t>𝑧</m:t>
+                            </m:r>
+                          </m:e>
+                          <m:sub>
+                            <m:r>
+                              <a:rPr lang="en-US" b="0" i="1" smtClean="0">
+                                <a:latin typeface="Cambria Math" panose="02040503050406030204" pitchFamily="18" charset="0"/>
+                              </a:rPr>
+                              <m:t>𝑖</m:t>
+                            </m:r>
+                          </m:sub>
+                        </m:sSub>
+                        <m:r>
+                          <a:rPr lang="en-US" b="0" i="1" smtClean="0">
+                            <a:latin typeface="Cambria Math" panose="02040503050406030204" pitchFamily="18" charset="0"/>
+                          </a:rPr>
+                          <m:t>|</m:t>
+                        </m:r>
+                        <m:r>
+                          <a:rPr lang="en-US" b="0" i="1" smtClean="0">
+                            <a:latin typeface="Cambria Math" panose="02040503050406030204" pitchFamily="18" charset="0"/>
+                          </a:rPr>
+                          <m:t>𝑥</m:t>
+                        </m:r>
+                        <m:r>
+                          <a:rPr lang="en-US" b="0" i="1" smtClean="0">
+                            <a:latin typeface="Cambria Math" panose="02040503050406030204" pitchFamily="18" charset="0"/>
+                          </a:rPr>
+                          <m:t>)</m:t>
+                        </m:r>
+                      </m:e>
+                    </m:nary>
+                  </m:oMath>
+                </a14:m>
+                <a:endParaRPr lang="en-US" dirty="0"/>
+              </a:p>
+              <a:p>
+                <a:r>
+                  <a:rPr lang="en-US" dirty="0"/>
+                  <a:t>Propose</a:t>
+                </a:r>
+                <a:r>
+                  <a:rPr lang="en-US" b="0" dirty="0"/>
+                  <a:t> training diffeomorphism </a:t>
+                </a:r>
+                <a14:m>
+                  <m:oMath xmlns:m="http://schemas.openxmlformats.org/officeDocument/2006/math">
+                    <m:r>
+                      <a:rPr lang="en-US" b="0" i="1" smtClean="0">
+                        <a:latin typeface="Cambria Math" panose="02040503050406030204" pitchFamily="18" charset="0"/>
+                      </a:rPr>
+                      <m:t>𝑓</m:t>
+                    </m:r>
+                    <m:r>
+                      <a:rPr lang="en-US" b="0" i="1" smtClean="0">
+                        <a:latin typeface="Cambria Math" panose="02040503050406030204" pitchFamily="18" charset="0"/>
+                      </a:rPr>
+                      <m:t>:</m:t>
+                    </m:r>
+                    <m:sSup>
+                      <m:sSupPr>
+                        <m:ctrlPr>
+                          <a:rPr lang="en-US" b="0" i="1" smtClean="0">
+                            <a:latin typeface="Cambria Math" panose="02040503050406030204" pitchFamily="18" charset="0"/>
+                            <a:ea typeface="Cambria Math" panose="02040503050406030204" pitchFamily="18" charset="0"/>
+                          </a:rPr>
+                        </m:ctrlPr>
+                      </m:sSupPr>
+                      <m:e>
+                        <m:r>
+                          <a:rPr lang="en-US" i="1">
+                            <a:latin typeface="Cambria Math" panose="02040503050406030204" pitchFamily="18" charset="0"/>
+                            <a:ea typeface="Cambria Math" panose="02040503050406030204" pitchFamily="18" charset="0"/>
+                          </a:rPr>
+                          <m:t>ℝ</m:t>
+                        </m:r>
+                      </m:e>
+                      <m:sup>
+                        <m:r>
+                          <a:rPr lang="en-US" b="0" i="1" smtClean="0">
+                            <a:latin typeface="Cambria Math" panose="02040503050406030204" pitchFamily="18" charset="0"/>
+                            <a:ea typeface="Cambria Math" panose="02040503050406030204" pitchFamily="18" charset="0"/>
+                          </a:rPr>
+                          <m:t>𝑛</m:t>
+                        </m:r>
+                      </m:sup>
+                    </m:sSup>
+                  </m:oMath>
+                </a14:m>
+                <a:r>
+                  <a:rPr lang="en-US" b="0" dirty="0"/>
+                  <a:t> (prior) </a:t>
+                </a:r>
+                <a14:m>
+                  <m:oMath xmlns:m="http://schemas.openxmlformats.org/officeDocument/2006/math">
+                    <m:r>
+                      <a:rPr lang="en-US" i="1">
+                        <a:latin typeface="Cambria Math" panose="02040503050406030204" pitchFamily="18" charset="0"/>
+                        <a:ea typeface="Cambria Math" panose="02040503050406030204" pitchFamily="18" charset="0"/>
+                      </a:rPr>
+                      <m:t>→</m:t>
+                    </m:r>
+                    <m:sSup>
+                      <m:sSupPr>
+                        <m:ctrlPr>
+                          <a:rPr lang="en-US" i="1">
+                            <a:latin typeface="Cambria Math" panose="02040503050406030204" pitchFamily="18" charset="0"/>
+                            <a:ea typeface="Cambria Math" panose="02040503050406030204" pitchFamily="18" charset="0"/>
+                          </a:rPr>
+                        </m:ctrlPr>
+                      </m:sSupPr>
+                      <m:e>
+                        <m:r>
+                          <a:rPr lang="en-US" i="1">
+                            <a:latin typeface="Cambria Math" panose="02040503050406030204" pitchFamily="18" charset="0"/>
+                            <a:ea typeface="Cambria Math" panose="02040503050406030204" pitchFamily="18" charset="0"/>
+                          </a:rPr>
+                          <m:t>ℝ</m:t>
+                        </m:r>
+                      </m:e>
+                      <m:sup>
+                        <m:r>
+                          <a:rPr lang="en-US" i="1">
+                            <a:latin typeface="Cambria Math" panose="02040503050406030204" pitchFamily="18" charset="0"/>
+                            <a:ea typeface="Cambria Math" panose="02040503050406030204" pitchFamily="18" charset="0"/>
+                          </a:rPr>
+                          <m:t>𝑛</m:t>
+                        </m:r>
+                      </m:sup>
+                    </m:sSup>
+                  </m:oMath>
+                </a14:m>
+                <a:r>
+                  <a:rPr lang="en-US" b="0" dirty="0"/>
+                  <a:t> (data)</a:t>
+                </a:r>
+              </a:p>
+              <a:p>
+                <a:endParaRPr lang="en-US" dirty="0"/>
+              </a:p>
+            </p:txBody>
+          </p:sp>
+        </mc:Choice>
+        <mc:Fallback xmlns="">
+          <p:sp>
+            <p:nvSpPr>
+              <p:cNvPr id="3" name="내용 개체 틀 2">
+                <a:extLst>
+                  <a:ext uri="{FF2B5EF4-FFF2-40B4-BE49-F238E27FC236}">
+                    <a16:creationId xmlns:a16="http://schemas.microsoft.com/office/drawing/2014/main" id="{C10BA2C4-473D-600F-33AA-AFDAC79C2551}"/>
+                  </a:ext>
+                </a:extLst>
+              </p:cNvPr>
+              <p:cNvSpPr>
+                <a:spLocks noGrp="1" noRot="1" noChangeAspect="1" noMove="1" noResize="1" noEditPoints="1" noAdjustHandles="1" noChangeArrowheads="1" noChangeShapeType="1" noTextEdit="1"/>
+              </p:cNvSpPr>
+              <p:nvPr>
+                <p:ph idx="1"/>
+              </p:nvPr>
+            </p:nvSpPr>
+            <p:spPr>
+              <a:blipFill>
+                <a:blip r:embed="rId2"/>
+                <a:stretch>
+                  <a:fillRect l="-1043" t="-2381"/>
+                </a:stretch>
+              </a:blipFill>
+            </p:spPr>
+            <p:txBody>
+              <a:bodyPr/>
+              <a:lstStyle/>
+              <a:p>
+                <a:r>
+                  <a:rPr lang="en-US">
+                    <a:noFill/>
+                  </a:rPr>
+                  <a:t> </a:t>
+                </a:r>
+              </a:p>
+            </p:txBody>
+          </p:sp>
+        </mc:Fallback>
+      </mc:AlternateContent>
+      <p:sp>
+        <p:nvSpPr>
+          <p:cNvPr id="4" name="날짜 개체 틀 3">
+            <a:extLst>
+              <a:ext uri="{FF2B5EF4-FFF2-40B4-BE49-F238E27FC236}">
+                <a16:creationId xmlns:a16="http://schemas.microsoft.com/office/drawing/2014/main" id="{AB3B2B6F-35FC-B989-51ED-D70FB64D4BCC}"/>
+              </a:ext>
+            </a:extLst>
+          </p:cNvPr>
+          <p:cNvSpPr>
+            <a:spLocks noGrp="1"/>
+          </p:cNvSpPr>
+          <p:nvPr>
+            <p:ph type="dt" sz="half" idx="10"/>
+          </p:nvPr>
+        </p:nvSpPr>
+        <p:spPr/>
+        <p:txBody>
+          <a:bodyPr/>
+          <a:lstStyle/>
+          <a:p>
+            <a:fld id="{CF64853D-3525-485A-80D9-E006B4737537}" type="datetime1">
+              <a:rPr lang="en-US" altLang="ko-KR" smtClean="0"/>
+              <a:t>6/10/2025</a:t>
+            </a:fld>
+            <a:endParaRPr lang="ko-KR" altLang="en-US"/>
+          </a:p>
+        </p:txBody>
+      </p:sp>
+      <p:sp>
+        <p:nvSpPr>
+          <p:cNvPr id="5" name="바닥글 개체 틀 4">
+            <a:extLst>
+              <a:ext uri="{FF2B5EF4-FFF2-40B4-BE49-F238E27FC236}">
+                <a16:creationId xmlns:a16="http://schemas.microsoft.com/office/drawing/2014/main" id="{4ED730A0-F712-AD8F-DDD9-7FE8C3ABBCF0}"/>
+              </a:ext>
+            </a:extLst>
+          </p:cNvPr>
+          <p:cNvSpPr>
+            <a:spLocks noGrp="1"/>
+          </p:cNvSpPr>
+          <p:nvPr>
+            <p:ph type="ftr" sz="quarter" idx="11"/>
+          </p:nvPr>
+        </p:nvSpPr>
+        <p:spPr/>
+        <p:txBody>
+          <a:bodyPr/>
+          <a:lstStyle/>
+          <a:p>
+            <a:r>
+              <a:rPr lang="en-US" altLang="ko-KR"/>
+              <a:t>NCIA</a:t>
+            </a:r>
+            <a:endParaRPr lang="ko-KR" altLang="en-US" dirty="0"/>
+          </a:p>
+        </p:txBody>
+      </p:sp>
+      <p:sp>
+        <p:nvSpPr>
+          <p:cNvPr id="6" name="슬라이드 번호 개체 틀 5">
+            <a:extLst>
+              <a:ext uri="{FF2B5EF4-FFF2-40B4-BE49-F238E27FC236}">
+                <a16:creationId xmlns:a16="http://schemas.microsoft.com/office/drawing/2014/main" id="{66D16284-BDEF-77B5-5B30-C35E0A4A05EB}"/>
+              </a:ext>
+            </a:extLst>
+          </p:cNvPr>
+          <p:cNvSpPr>
+            <a:spLocks noGrp="1"/>
+          </p:cNvSpPr>
+          <p:nvPr>
+            <p:ph type="sldNum" sz="quarter" idx="12"/>
+          </p:nvPr>
+        </p:nvSpPr>
+        <p:spPr/>
+        <p:txBody>
+          <a:bodyPr/>
+          <a:lstStyle/>
+          <a:p>
+            <a:fld id="{DA7F9607-BA5C-406C-B8F1-9CD3498981D2}" type="slidenum">
+              <a:rPr lang="ko-KR" altLang="en-US" smtClean="0"/>
+              <a:t>13</a:t>
+            </a:fld>
+            <a:endParaRPr lang="ko-KR" altLang="en-US"/>
+          </a:p>
+        </p:txBody>
+      </p:sp>
+      <p:sp>
+        <p:nvSpPr>
+          <p:cNvPr id="9" name="TextBox 8">
+            <a:extLst>
+              <a:ext uri="{FF2B5EF4-FFF2-40B4-BE49-F238E27FC236}">
+                <a16:creationId xmlns:a16="http://schemas.microsoft.com/office/drawing/2014/main" id="{65AC00F1-6D13-F310-C3F7-432371FEE8E2}"/>
+              </a:ext>
+            </a:extLst>
+          </p:cNvPr>
+          <p:cNvSpPr txBox="1"/>
+          <p:nvPr/>
+        </p:nvSpPr>
+        <p:spPr>
+          <a:xfrm>
+            <a:off x="3581400" y="5710019"/>
+            <a:ext cx="8291623" cy="646331"/>
+          </a:xfrm>
+          <a:prstGeom prst="rect">
+            <a:avLst/>
+          </a:prstGeom>
+          <a:noFill/>
+        </p:spPr>
+        <p:txBody>
+          <a:bodyPr wrap="square" rtlCol="0">
+            <a:spAutoFit/>
+          </a:bodyPr>
+          <a:lstStyle/>
+          <a:p>
+            <a:r>
+              <a:rPr lang="en-US" dirty="0">
+                <a:latin typeface="Times New Roman" panose="02020603050405020304" pitchFamily="18" charset="0"/>
+                <a:cs typeface="Times New Roman" panose="02020603050405020304" pitchFamily="18" charset="0"/>
+              </a:rPr>
+              <a:t>Rezende, Danilo, and Shakir Mohamed. "Variational inference with normalizing flows." International conference on machine learning. PMLR, 2015.</a:t>
+            </a:r>
+          </a:p>
+        </p:txBody>
+      </p:sp>
+      <mc:AlternateContent xmlns:mc="http://schemas.openxmlformats.org/markup-compatibility/2006">
+        <mc:Choice xmlns:a14="http://schemas.microsoft.com/office/drawing/2010/main" Requires="a14">
+          <p:sp>
+            <p:nvSpPr>
+              <p:cNvPr id="10" name="TextBox 9">
+                <a:extLst>
+                  <a:ext uri="{FF2B5EF4-FFF2-40B4-BE49-F238E27FC236}">
+                    <a16:creationId xmlns:a16="http://schemas.microsoft.com/office/drawing/2014/main" id="{40DD1376-9B91-0629-3A0E-A0E248CE4C74}"/>
+                  </a:ext>
+                </a:extLst>
+              </p:cNvPr>
+              <p:cNvSpPr txBox="1"/>
+              <p:nvPr/>
+            </p:nvSpPr>
+            <p:spPr>
+              <a:xfrm>
+                <a:off x="7413276" y="2344077"/>
+                <a:ext cx="4459747" cy="414729"/>
+              </a:xfrm>
+              <a:prstGeom prst="rect">
+                <a:avLst/>
+              </a:prstGeom>
+              <a:noFill/>
+            </p:spPr>
+            <p:txBody>
+              <a:bodyPr wrap="square" rtlCol="0">
+                <a:spAutoFit/>
+              </a:bodyPr>
+              <a:lstStyle/>
+              <a:p>
+                <a:pPr algn="ctr"/>
+                <a:r>
+                  <a:rPr lang="en-US" sz="1400" dirty="0">
+                    <a:solidFill>
+                      <a:srgbClr val="FF0000"/>
+                    </a:solidFill>
+                    <a:latin typeface="Times New Roman" panose="02020603050405020304" pitchFamily="18" charset="0"/>
+                    <a:cs typeface="Times New Roman" panose="02020603050405020304" pitchFamily="18" charset="0"/>
+                  </a:rPr>
+                  <a:t>typically, resulting in </a:t>
+                </a:r>
+                <a14:m>
+                  <m:oMath xmlns:m="http://schemas.openxmlformats.org/officeDocument/2006/math">
+                    <m:r>
+                      <a:rPr lang="en-US" sz="1400" i="1" dirty="0">
+                        <a:solidFill>
+                          <a:srgbClr val="FF0000"/>
+                        </a:solidFill>
+                        <a:latin typeface="Cambria Math" panose="02040503050406030204" pitchFamily="18" charset="0"/>
+                      </a:rPr>
+                      <m:t>𝑞</m:t>
+                    </m:r>
+                    <m:d>
+                      <m:dPr>
+                        <m:ctrlPr>
+                          <a:rPr lang="en-US" sz="1400" i="1" dirty="0">
+                            <a:solidFill>
+                              <a:srgbClr val="FF0000"/>
+                            </a:solidFill>
+                            <a:latin typeface="Cambria Math" panose="02040503050406030204" pitchFamily="18" charset="0"/>
+                          </a:rPr>
+                        </m:ctrlPr>
+                      </m:dPr>
+                      <m:e>
+                        <m:r>
+                          <a:rPr lang="en-US" sz="1400" i="1" dirty="0">
+                            <a:solidFill>
+                              <a:srgbClr val="FF0000"/>
+                            </a:solidFill>
+                            <a:latin typeface="Cambria Math" panose="02040503050406030204" pitchFamily="18" charset="0"/>
+                          </a:rPr>
+                          <m:t>𝑧</m:t>
+                        </m:r>
+                      </m:e>
+                      <m:e>
+                        <m:r>
+                          <a:rPr lang="en-US" sz="1400" i="1" dirty="0">
+                            <a:solidFill>
+                              <a:srgbClr val="FF0000"/>
+                            </a:solidFill>
+                            <a:latin typeface="Cambria Math" panose="02040503050406030204" pitchFamily="18" charset="0"/>
+                          </a:rPr>
+                          <m:t>𝑥</m:t>
+                        </m:r>
+                      </m:e>
+                    </m:d>
+                    <m:r>
+                      <a:rPr lang="en-US" sz="1400" i="1" dirty="0">
+                        <a:solidFill>
+                          <a:srgbClr val="FF0000"/>
+                        </a:solidFill>
+                        <a:latin typeface="Cambria Math" panose="02040503050406030204" pitchFamily="18" charset="0"/>
+                      </a:rPr>
+                      <m:t>∼</m:t>
+                    </m:r>
+                    <m:r>
+                      <a:rPr lang="en-US" sz="1400" i="1" dirty="0">
+                        <a:solidFill>
+                          <a:srgbClr val="FF0000"/>
+                        </a:solidFill>
+                        <a:latin typeface="Cambria Math" panose="02040503050406030204" pitchFamily="18" charset="0"/>
+                      </a:rPr>
+                      <m:t>𝑁</m:t>
+                    </m:r>
+                    <m:d>
+                      <m:dPr>
+                        <m:ctrlPr>
+                          <a:rPr lang="en-US" sz="1400" i="1" dirty="0">
+                            <a:solidFill>
+                              <a:srgbClr val="FF0000"/>
+                            </a:solidFill>
+                            <a:latin typeface="Cambria Math" panose="02040503050406030204" pitchFamily="18" charset="0"/>
+                          </a:rPr>
+                        </m:ctrlPr>
+                      </m:dPr>
+                      <m:e>
+                        <m:r>
+                          <a:rPr lang="en-US" sz="1400" i="1" dirty="0">
+                            <a:solidFill>
+                              <a:srgbClr val="FF0000"/>
+                            </a:solidFill>
+                            <a:latin typeface="Cambria Math" panose="02040503050406030204" pitchFamily="18" charset="0"/>
+                          </a:rPr>
+                          <m:t>𝜇</m:t>
+                        </m:r>
+                        <m:d>
+                          <m:dPr>
+                            <m:ctrlPr>
+                              <a:rPr lang="en-US" sz="1400" i="1" dirty="0">
+                                <a:solidFill>
+                                  <a:srgbClr val="FF0000"/>
+                                </a:solidFill>
+                                <a:latin typeface="Cambria Math" panose="02040503050406030204" pitchFamily="18" charset="0"/>
+                              </a:rPr>
+                            </m:ctrlPr>
+                          </m:dPr>
+                          <m:e>
+                            <m:r>
+                              <a:rPr lang="en-US" sz="1400" i="1" dirty="0">
+                                <a:solidFill>
+                                  <a:srgbClr val="FF0000"/>
+                                </a:solidFill>
+                                <a:latin typeface="Cambria Math" panose="02040503050406030204" pitchFamily="18" charset="0"/>
+                              </a:rPr>
+                              <m:t>𝑥</m:t>
+                            </m:r>
+                          </m:e>
+                        </m:d>
+                        <m:r>
+                          <a:rPr lang="en-US" sz="1400" i="1" dirty="0">
+                            <a:solidFill>
+                              <a:srgbClr val="FF0000"/>
+                            </a:solidFill>
+                            <a:latin typeface="Cambria Math" panose="02040503050406030204" pitchFamily="18" charset="0"/>
+                          </a:rPr>
+                          <m:t>,</m:t>
+                        </m:r>
+                        <m:r>
+                          <a:rPr lang="en-US" sz="1400" i="1" dirty="0">
+                            <a:solidFill>
+                              <a:srgbClr val="FF0000"/>
+                            </a:solidFill>
+                            <a:latin typeface="Cambria Math" panose="02040503050406030204" pitchFamily="18" charset="0"/>
+                          </a:rPr>
+                          <m:t>𝑑𝑖𝑎𝑔</m:t>
+                        </m:r>
+                        <m:d>
+                          <m:dPr>
+                            <m:ctrlPr>
+                              <a:rPr lang="en-US" sz="1400" i="1" dirty="0">
+                                <a:solidFill>
+                                  <a:srgbClr val="FF0000"/>
+                                </a:solidFill>
+                                <a:latin typeface="Cambria Math" panose="02040503050406030204" pitchFamily="18" charset="0"/>
+                              </a:rPr>
+                            </m:ctrlPr>
+                          </m:dPr>
+                          <m:e>
+                            <m:r>
+                              <a:rPr lang="en-US" sz="1400" i="1" dirty="0">
+                                <a:solidFill>
+                                  <a:srgbClr val="FF0000"/>
+                                </a:solidFill>
+                                <a:latin typeface="Cambria Math" panose="02040503050406030204" pitchFamily="18" charset="0"/>
+                              </a:rPr>
+                              <m:t>𝜎</m:t>
+                            </m:r>
+                            <m:d>
+                              <m:dPr>
+                                <m:ctrlPr>
+                                  <a:rPr lang="en-US" sz="1400" i="1" dirty="0">
+                                    <a:solidFill>
+                                      <a:srgbClr val="FF0000"/>
+                                    </a:solidFill>
+                                    <a:latin typeface="Cambria Math" panose="02040503050406030204" pitchFamily="18" charset="0"/>
+                                  </a:rPr>
+                                </m:ctrlPr>
+                              </m:dPr>
+                              <m:e>
+                                <m:r>
+                                  <a:rPr lang="en-US" sz="1400" i="1" dirty="0">
+                                    <a:solidFill>
+                                      <a:srgbClr val="FF0000"/>
+                                    </a:solidFill>
+                                    <a:latin typeface="Cambria Math" panose="02040503050406030204" pitchFamily="18" charset="0"/>
+                                  </a:rPr>
+                                  <m:t>𝑥</m:t>
+                                </m:r>
+                              </m:e>
+                            </m:d>
+                          </m:e>
+                        </m:d>
+                      </m:e>
+                    </m:d>
+                  </m:oMath>
+                </a14:m>
+                <a:endParaRPr lang="en-US" sz="1400" dirty="0">
+                  <a:solidFill>
+                    <a:srgbClr val="FF0000"/>
+                  </a:solidFill>
+                  <a:latin typeface="Times New Roman" panose="02020603050405020304" pitchFamily="18" charset="0"/>
+                  <a:cs typeface="Times New Roman" panose="02020603050405020304" pitchFamily="18" charset="0"/>
+                </a:endParaRPr>
+              </a:p>
+            </p:txBody>
+          </p:sp>
+        </mc:Choice>
+        <mc:Fallback>
+          <p:sp>
+            <p:nvSpPr>
+              <p:cNvPr id="10" name="TextBox 9">
+                <a:extLst>
+                  <a:ext uri="{FF2B5EF4-FFF2-40B4-BE49-F238E27FC236}">
+                    <a16:creationId xmlns:a16="http://schemas.microsoft.com/office/drawing/2014/main" id="{40DD1376-9B91-0629-3A0E-A0E248CE4C74}"/>
+                  </a:ext>
+                </a:extLst>
+              </p:cNvPr>
+              <p:cNvSpPr txBox="1">
+                <a:spLocks noRot="1" noChangeAspect="1" noMove="1" noResize="1" noEditPoints="1" noAdjustHandles="1" noChangeArrowheads="1" noChangeShapeType="1" noTextEdit="1"/>
+              </p:cNvSpPr>
+              <p:nvPr/>
+            </p:nvSpPr>
+            <p:spPr>
+              <a:xfrm>
+                <a:off x="7413276" y="2344077"/>
+                <a:ext cx="4459747" cy="414729"/>
+              </a:xfrm>
+              <a:prstGeom prst="rect">
+                <a:avLst/>
+              </a:prstGeom>
+              <a:blipFill>
+                <a:blip r:embed="rId3"/>
+                <a:stretch>
+                  <a:fillRect b="-1471"/>
+                </a:stretch>
+              </a:blipFill>
+            </p:spPr>
+            <p:txBody>
+              <a:bodyPr/>
+              <a:lstStyle/>
+              <a:p>
+                <a:r>
+                  <a:rPr lang="en-US">
+                    <a:noFill/>
+                  </a:rPr>
+                  <a:t> </a:t>
+                </a:r>
+              </a:p>
+            </p:txBody>
+          </p:sp>
+        </mc:Fallback>
+      </mc:AlternateContent>
+      <p:pic>
+        <p:nvPicPr>
+          <p:cNvPr id="16" name="그림 15">
+            <a:extLst>
+              <a:ext uri="{FF2B5EF4-FFF2-40B4-BE49-F238E27FC236}">
+                <a16:creationId xmlns:a16="http://schemas.microsoft.com/office/drawing/2014/main" id="{01928A4A-8948-6BEF-C122-C3BB87B0DFBB}"/>
+              </a:ext>
+            </a:extLst>
+          </p:cNvPr>
+          <p:cNvPicPr>
+            <a:picLocks noChangeAspect="1"/>
+          </p:cNvPicPr>
+          <p:nvPr/>
+        </p:nvPicPr>
+        <p:blipFill>
+          <a:blip r:embed="rId4"/>
+          <a:stretch>
+            <a:fillRect/>
+          </a:stretch>
+        </p:blipFill>
+        <p:spPr>
+          <a:xfrm>
+            <a:off x="1264345" y="3872605"/>
+            <a:ext cx="4003551" cy="723615"/>
+          </a:xfrm>
+          <a:prstGeom prst="rect">
+            <a:avLst/>
+          </a:prstGeom>
+        </p:spPr>
+      </p:pic>
+      <p:pic>
+        <p:nvPicPr>
+          <p:cNvPr id="18" name="그림 17">
+            <a:extLst>
+              <a:ext uri="{FF2B5EF4-FFF2-40B4-BE49-F238E27FC236}">
+                <a16:creationId xmlns:a16="http://schemas.microsoft.com/office/drawing/2014/main" id="{E4248297-7C96-3EEA-A4D2-53919FBB50BC}"/>
+              </a:ext>
+            </a:extLst>
+          </p:cNvPr>
+          <p:cNvPicPr>
+            <a:picLocks noChangeAspect="1"/>
+          </p:cNvPicPr>
+          <p:nvPr/>
+        </p:nvPicPr>
+        <p:blipFill>
+          <a:blip r:embed="rId5"/>
+          <a:stretch>
+            <a:fillRect/>
+          </a:stretch>
+        </p:blipFill>
+        <p:spPr>
+          <a:xfrm>
+            <a:off x="2568231" y="3429000"/>
+            <a:ext cx="1228896" cy="428685"/>
+          </a:xfrm>
+          <a:prstGeom prst="rect">
+            <a:avLst/>
+          </a:prstGeom>
+        </p:spPr>
+      </p:pic>
+      <p:pic>
+        <p:nvPicPr>
+          <p:cNvPr id="20" name="그림 19">
+            <a:extLst>
+              <a:ext uri="{FF2B5EF4-FFF2-40B4-BE49-F238E27FC236}">
+                <a16:creationId xmlns:a16="http://schemas.microsoft.com/office/drawing/2014/main" id="{9B30B797-645D-8FCC-D3BC-E169028E48C5}"/>
+              </a:ext>
+            </a:extLst>
+          </p:cNvPr>
+          <p:cNvPicPr>
+            <a:picLocks noChangeAspect="1"/>
+          </p:cNvPicPr>
+          <p:nvPr/>
+        </p:nvPicPr>
+        <p:blipFill>
+          <a:blip r:embed="rId6"/>
+          <a:stretch>
+            <a:fillRect/>
+          </a:stretch>
+        </p:blipFill>
+        <p:spPr>
+          <a:xfrm>
+            <a:off x="1470823" y="4625418"/>
+            <a:ext cx="3590594" cy="994907"/>
+          </a:xfrm>
+          <a:prstGeom prst="rect">
+            <a:avLst/>
+          </a:prstGeom>
+        </p:spPr>
+      </p:pic>
+      <p:pic>
+        <p:nvPicPr>
+          <p:cNvPr id="1026" name="Picture 2" descr="Flow based Generative Models 1 : Normalizing Flow - DevKiHyun's AI">
+            <a:extLst>
+              <a:ext uri="{FF2B5EF4-FFF2-40B4-BE49-F238E27FC236}">
+                <a16:creationId xmlns:a16="http://schemas.microsoft.com/office/drawing/2014/main" id="{5338B0E4-3528-CE33-48D1-5ED53EAAFD19}"/>
+              </a:ext>
+            </a:extLst>
+          </p:cNvPr>
+          <p:cNvPicPr>
+            <a:picLocks noChangeAspect="1" noChangeArrowheads="1"/>
+          </p:cNvPicPr>
+          <p:nvPr/>
+        </p:nvPicPr>
+        <p:blipFill>
+          <a:blip r:embed="rId7">
+            <a:extLst>
+              <a:ext uri="{28A0092B-C50C-407E-A947-70E740481C1C}">
+                <a14:useLocalDpi xmlns:a14="http://schemas.microsoft.com/office/drawing/2010/main" val="0"/>
+              </a:ext>
+            </a:extLst>
+          </a:blip>
+          <a:srcRect/>
+          <a:stretch>
+            <a:fillRect/>
+          </a:stretch>
+        </p:blipFill>
+        <p:spPr bwMode="auto">
+          <a:xfrm>
+            <a:off x="5900519" y="3781262"/>
+            <a:ext cx="5194073" cy="1563632"/>
+          </a:xfrm>
+          <a:prstGeom prst="rect">
+            <a:avLst/>
+          </a:prstGeom>
+          <a:noFill/>
+          <a:extLst>
+            <a:ext uri="{909E8E84-426E-40DD-AFC4-6F175D3DCCD1}">
+              <a14:hiddenFill xmlns:a14="http://schemas.microsoft.com/office/drawing/2010/main">
+                <a:solidFill>
+                  <a:srgbClr val="FFFFFF"/>
+                </a:solidFill>
+              </a14:hiddenFill>
+            </a:ext>
+          </a:extLst>
+        </p:spPr>
+      </p:pic>
+      <p:sp>
+        <p:nvSpPr>
+          <p:cNvPr id="7" name="TextBox 6">
+            <a:extLst>
+              <a:ext uri="{FF2B5EF4-FFF2-40B4-BE49-F238E27FC236}">
+                <a16:creationId xmlns:a16="http://schemas.microsoft.com/office/drawing/2014/main" id="{A755656B-0302-27E2-400E-FAADAA61D7B8}"/>
+              </a:ext>
+            </a:extLst>
+          </p:cNvPr>
+          <p:cNvSpPr txBox="1"/>
+          <p:nvPr/>
+        </p:nvSpPr>
+        <p:spPr>
+          <a:xfrm>
+            <a:off x="0" y="5511284"/>
+            <a:ext cx="4459747" cy="307777"/>
+          </a:xfrm>
+          <a:prstGeom prst="rect">
+            <a:avLst/>
+          </a:prstGeom>
+          <a:noFill/>
+        </p:spPr>
+        <p:txBody>
+          <a:bodyPr wrap="square" rtlCol="0">
+            <a:spAutoFit/>
+          </a:bodyPr>
+          <a:lstStyle/>
+          <a:p>
+            <a:pPr algn="ctr"/>
+            <a:r>
+              <a:rPr lang="en-US" sz="1400" dirty="0">
+                <a:solidFill>
+                  <a:srgbClr val="FF0000"/>
+                </a:solidFill>
+                <a:latin typeface="Times New Roman" panose="02020603050405020304" pitchFamily="18" charset="0"/>
+                <a:cs typeface="Times New Roman" panose="02020603050405020304" pitchFamily="18" charset="0"/>
+              </a:rPr>
+              <a:t>Using this, the exact likelihood can be calculated</a:t>
+            </a:r>
+          </a:p>
+        </p:txBody>
+      </p:sp>
+      <p:sp>
+        <p:nvSpPr>
+          <p:cNvPr id="8" name="TextBox 7">
+            <a:extLst>
+              <a:ext uri="{FF2B5EF4-FFF2-40B4-BE49-F238E27FC236}">
+                <a16:creationId xmlns:a16="http://schemas.microsoft.com/office/drawing/2014/main" id="{522766C5-922E-C186-7B6B-9620A4F9C98E}"/>
+              </a:ext>
+            </a:extLst>
+          </p:cNvPr>
+          <p:cNvSpPr txBox="1"/>
+          <p:nvPr/>
+        </p:nvSpPr>
+        <p:spPr>
+          <a:xfrm>
+            <a:off x="3693653" y="3489453"/>
+            <a:ext cx="4459747" cy="307777"/>
+          </a:xfrm>
+          <a:prstGeom prst="rect">
+            <a:avLst/>
+          </a:prstGeom>
+          <a:noFill/>
+        </p:spPr>
+        <p:txBody>
+          <a:bodyPr wrap="square" rtlCol="0">
+            <a:spAutoFit/>
+          </a:bodyPr>
+          <a:lstStyle/>
+          <a:p>
+            <a:pPr algn="ctr"/>
+            <a:r>
+              <a:rPr lang="en-US" sz="1400" dirty="0">
+                <a:solidFill>
+                  <a:srgbClr val="FF0000"/>
+                </a:solidFill>
+                <a:latin typeface="Times New Roman" panose="02020603050405020304" pitchFamily="18" charset="0"/>
+                <a:cs typeface="Times New Roman" panose="02020603050405020304" pitchFamily="18" charset="0"/>
+              </a:rPr>
+              <a:t>However, the architecture will be limited</a:t>
+            </a:r>
+          </a:p>
+        </p:txBody>
+      </p:sp>
+    </p:spTree>
+    <p:extLst>
+      <p:ext uri="{BB962C8B-B14F-4D97-AF65-F5344CB8AC3E}">
+        <p14:creationId xmlns:p14="http://schemas.microsoft.com/office/powerpoint/2010/main" val="1959529459"/>
+      </p:ext>
+    </p:extLst>
+  </p:cSld>
+  <p:clrMapOvr>
+    <a:masterClrMapping/>
+  </p:clrMapOvr>
+</p:sld>
+</file>
+
+<file path=ppt/slides/slide14.xml><?xml version="1.0" encoding="utf-8"?>
+<p:sld xmlns:a="http://schemas.openxmlformats.org/drawingml/2006/main" xmlns:r="http://schemas.openxmlformats.org/officeDocument/2006/relationships" xmlns:p="http://schemas.openxmlformats.org/presentationml/2006/main">
+  <p:cSld>
+    <p:spTree>
+      <p:nvGrpSpPr>
+        <p:cNvPr id="1" name="">
+          <a:extLst>
+            <a:ext uri="{FF2B5EF4-FFF2-40B4-BE49-F238E27FC236}">
+              <a16:creationId xmlns:a16="http://schemas.microsoft.com/office/drawing/2014/main" id="{905F7CD6-06FB-4733-79EA-B4CEB4CA7B8A}"/>
+            </a:ext>
+          </a:extLst>
+        </p:cNvPr>
+        <p:cNvGrpSpPr/>
+        <p:nvPr/>
+      </p:nvGrpSpPr>
+      <p:grpSpPr>
+        <a:xfrm>
+          <a:off x="0" y="0"/>
+          <a:ext cx="0" cy="0"/>
+          <a:chOff x="0" y="0"/>
+          <a:chExt cx="0" cy="0"/>
+        </a:xfrm>
+      </p:grpSpPr>
+      <p:sp>
+        <p:nvSpPr>
+          <p:cNvPr id="2" name="제목 1">
+            <a:extLst>
+              <a:ext uri="{FF2B5EF4-FFF2-40B4-BE49-F238E27FC236}">
+                <a16:creationId xmlns:a16="http://schemas.microsoft.com/office/drawing/2014/main" id="{DDDC8DCD-31FF-DAE7-F3D8-A49763B98205}"/>
+              </a:ext>
+            </a:extLst>
+          </p:cNvPr>
+          <p:cNvSpPr>
+            <a:spLocks noGrp="1"/>
+          </p:cNvSpPr>
+          <p:nvPr>
+            <p:ph type="title"/>
+          </p:nvPr>
+        </p:nvSpPr>
+        <p:spPr/>
+        <p:txBody>
+          <a:bodyPr/>
+          <a:lstStyle/>
+          <a:p>
+            <a:r>
+              <a:rPr lang="en-US" dirty="0"/>
+              <a:t>Neural ODE (Continuous NF)</a:t>
+            </a:r>
+          </a:p>
+        </p:txBody>
+      </p:sp>
+      <mc:AlternateContent xmlns:mc="http://schemas.openxmlformats.org/markup-compatibility/2006">
+        <mc:Choice xmlns:a14="http://schemas.microsoft.com/office/drawing/2010/main" Requires="a14">
+          <p:sp>
+            <p:nvSpPr>
+              <p:cNvPr id="3" name="내용 개체 틀 2">
+                <a:extLst>
+                  <a:ext uri="{FF2B5EF4-FFF2-40B4-BE49-F238E27FC236}">
+                    <a16:creationId xmlns:a16="http://schemas.microsoft.com/office/drawing/2014/main" id="{FB17390E-D1D4-7F65-2805-D32D51B54B95}"/>
+                  </a:ext>
+                </a:extLst>
+              </p:cNvPr>
+              <p:cNvSpPr>
+                <a:spLocks noGrp="1"/>
+              </p:cNvSpPr>
+              <p:nvPr>
+                <p:ph idx="1"/>
+              </p:nvPr>
+            </p:nvSpPr>
+            <p:spPr/>
+            <p:txBody>
+              <a:bodyPr/>
+              <a:lstStyle/>
+              <a:p>
+                <a:r>
+                  <a:rPr lang="en-US" dirty="0"/>
+                  <a:t>Can train vector field! Modeling continuous flow as an ODE</a:t>
+                </a:r>
+              </a:p>
+              <a:p>
+                <a:r>
+                  <a:rPr lang="en-US" dirty="0"/>
+                  <a:t>Employing adjoint for ODE and replace det of Jacobian with trace</a:t>
+                </a:r>
+              </a:p>
+              <a:p>
+                <a14:m>
+                  <m:oMath xmlns:m="http://schemas.openxmlformats.org/officeDocument/2006/math">
+                    <m:f>
+                      <m:fPr>
+                        <m:ctrlPr>
+                          <a:rPr lang="en-US" i="1">
+                            <a:latin typeface="Cambria Math" panose="02040503050406030204" pitchFamily="18" charset="0"/>
+                          </a:rPr>
+                        </m:ctrlPr>
+                      </m:fPr>
+                      <m:num>
+                        <m:r>
+                          <a:rPr lang="en-US" i="1">
+                            <a:latin typeface="Cambria Math" panose="02040503050406030204" pitchFamily="18" charset="0"/>
+                          </a:rPr>
+                          <m:t>𝑑𝑧</m:t>
+                        </m:r>
+                        <m:d>
+                          <m:dPr>
+                            <m:ctrlPr>
+                              <a:rPr lang="en-US" i="1">
+                                <a:latin typeface="Cambria Math" panose="02040503050406030204" pitchFamily="18" charset="0"/>
+                              </a:rPr>
+                            </m:ctrlPr>
+                          </m:dPr>
+                          <m:e>
+                            <m:r>
+                              <a:rPr lang="en-US" i="1">
+                                <a:latin typeface="Cambria Math" panose="02040503050406030204" pitchFamily="18" charset="0"/>
+                              </a:rPr>
+                              <m:t>𝑡</m:t>
+                            </m:r>
+                          </m:e>
+                        </m:d>
+                      </m:num>
+                      <m:den>
+                        <m:r>
+                          <a:rPr lang="en-US" i="1">
+                            <a:latin typeface="Cambria Math" panose="02040503050406030204" pitchFamily="18" charset="0"/>
+                          </a:rPr>
+                          <m:t>𝑑𝑡</m:t>
+                        </m:r>
+                      </m:den>
+                    </m:f>
+                    <m:r>
+                      <a:rPr lang="en-US" i="1">
+                        <a:latin typeface="Cambria Math" panose="02040503050406030204" pitchFamily="18" charset="0"/>
+                      </a:rPr>
+                      <m:t>=</m:t>
+                    </m:r>
+                    <m:r>
+                      <a:rPr lang="en-US" i="1">
+                        <a:latin typeface="Cambria Math" panose="02040503050406030204" pitchFamily="18" charset="0"/>
+                      </a:rPr>
+                      <m:t>𝑓</m:t>
+                    </m:r>
+                    <m:r>
+                      <a:rPr lang="en-US" i="1">
+                        <a:latin typeface="Cambria Math" panose="02040503050406030204" pitchFamily="18" charset="0"/>
+                      </a:rPr>
+                      <m:t>(</m:t>
+                    </m:r>
+                    <m:r>
+                      <a:rPr lang="en-US" i="1">
+                        <a:latin typeface="Cambria Math" panose="02040503050406030204" pitchFamily="18" charset="0"/>
+                      </a:rPr>
+                      <m:t>𝑧</m:t>
+                    </m:r>
+                    <m:d>
+                      <m:dPr>
+                        <m:ctrlPr>
+                          <a:rPr lang="en-US" i="1">
+                            <a:latin typeface="Cambria Math" panose="02040503050406030204" pitchFamily="18" charset="0"/>
+                          </a:rPr>
+                        </m:ctrlPr>
+                      </m:dPr>
+                      <m:e>
+                        <m:r>
+                          <a:rPr lang="en-US" i="1">
+                            <a:latin typeface="Cambria Math" panose="02040503050406030204" pitchFamily="18" charset="0"/>
+                          </a:rPr>
+                          <m:t>𝑡</m:t>
+                        </m:r>
+                      </m:e>
+                    </m:d>
+                    <m:r>
+                      <a:rPr lang="en-US" i="1">
+                        <a:latin typeface="Cambria Math" panose="02040503050406030204" pitchFamily="18" charset="0"/>
+                      </a:rPr>
+                      <m:t>,</m:t>
+                    </m:r>
+                    <m:r>
+                      <a:rPr lang="en-US" i="1">
+                        <a:latin typeface="Cambria Math" panose="02040503050406030204" pitchFamily="18" charset="0"/>
+                      </a:rPr>
+                      <m:t>𝑡</m:t>
+                    </m:r>
+                    <m:r>
+                      <a:rPr lang="en-US" i="1">
+                        <a:latin typeface="Cambria Math" panose="02040503050406030204" pitchFamily="18" charset="0"/>
+                      </a:rPr>
+                      <m:t>)</m:t>
+                    </m:r>
+                  </m:oMath>
+                </a14:m>
+                <a:r>
+                  <a:rPr lang="en-US" dirty="0"/>
+                  <a:t> form ODEs are invertible when </a:t>
+                </a:r>
+                <a14:m>
+                  <m:oMath xmlns:m="http://schemas.openxmlformats.org/officeDocument/2006/math">
+                    <m:r>
+                      <a:rPr lang="en-US" i="1">
+                        <a:latin typeface="Cambria Math" panose="02040503050406030204" pitchFamily="18" charset="0"/>
+                      </a:rPr>
+                      <m:t>𝑓</m:t>
+                    </m:r>
+                  </m:oMath>
+                </a14:m>
+                <a:r>
+                  <a:rPr lang="en-US" dirty="0"/>
+                  <a:t> is Lipschitz</a:t>
+                </a:r>
+              </a:p>
+              <a:p>
+                <a:r>
+                  <a:rPr lang="en-US" dirty="0"/>
+                  <a:t>However, the ODE solver is still deeply involved in training</a:t>
+                </a:r>
+              </a:p>
+            </p:txBody>
+          </p:sp>
+        </mc:Choice>
+        <mc:Fallback>
+          <p:sp>
+            <p:nvSpPr>
+              <p:cNvPr id="3" name="내용 개체 틀 2">
+                <a:extLst>
+                  <a:ext uri="{FF2B5EF4-FFF2-40B4-BE49-F238E27FC236}">
+                    <a16:creationId xmlns:a16="http://schemas.microsoft.com/office/drawing/2014/main" id="{FB17390E-D1D4-7F65-2805-D32D51B54B95}"/>
+                  </a:ext>
+                </a:extLst>
+              </p:cNvPr>
+              <p:cNvSpPr>
+                <a:spLocks noGrp="1" noRot="1" noChangeAspect="1" noMove="1" noResize="1" noEditPoints="1" noAdjustHandles="1" noChangeArrowheads="1" noChangeShapeType="1" noTextEdit="1"/>
+              </p:cNvSpPr>
+              <p:nvPr>
+                <p:ph idx="1"/>
+              </p:nvPr>
+            </p:nvSpPr>
+            <p:spPr>
+              <a:blipFill>
+                <a:blip r:embed="rId2"/>
+                <a:stretch>
+                  <a:fillRect l="-1043" t="-2381"/>
+                </a:stretch>
+              </a:blipFill>
+            </p:spPr>
+            <p:txBody>
+              <a:bodyPr/>
+              <a:lstStyle/>
+              <a:p>
+                <a:r>
+                  <a:rPr lang="en-US">
+                    <a:noFill/>
+                  </a:rPr>
+                  <a:t> </a:t>
+                </a:r>
+              </a:p>
+            </p:txBody>
+          </p:sp>
+        </mc:Fallback>
+      </mc:AlternateContent>
+      <p:sp>
+        <p:nvSpPr>
+          <p:cNvPr id="4" name="날짜 개체 틀 3">
+            <a:extLst>
+              <a:ext uri="{FF2B5EF4-FFF2-40B4-BE49-F238E27FC236}">
+                <a16:creationId xmlns:a16="http://schemas.microsoft.com/office/drawing/2014/main" id="{C6144267-DBD5-F88B-2264-98C5940877A8}"/>
+              </a:ext>
+            </a:extLst>
+          </p:cNvPr>
+          <p:cNvSpPr>
+            <a:spLocks noGrp="1"/>
+          </p:cNvSpPr>
+          <p:nvPr>
+            <p:ph type="dt" sz="half" idx="10"/>
+          </p:nvPr>
+        </p:nvSpPr>
+        <p:spPr/>
+        <p:txBody>
+          <a:bodyPr/>
+          <a:lstStyle/>
+          <a:p>
+            <a:fld id="{CF64853D-3525-485A-80D9-E006B4737537}" type="datetime1">
+              <a:rPr lang="en-US" altLang="ko-KR" smtClean="0"/>
+              <a:t>6/10/2025</a:t>
+            </a:fld>
+            <a:endParaRPr lang="ko-KR" altLang="en-US"/>
+          </a:p>
+        </p:txBody>
+      </p:sp>
+      <p:sp>
+        <p:nvSpPr>
+          <p:cNvPr id="5" name="바닥글 개체 틀 4">
+            <a:extLst>
+              <a:ext uri="{FF2B5EF4-FFF2-40B4-BE49-F238E27FC236}">
+                <a16:creationId xmlns:a16="http://schemas.microsoft.com/office/drawing/2014/main" id="{36883EC1-2103-B650-18E1-2D0D48E73D91}"/>
+              </a:ext>
+            </a:extLst>
+          </p:cNvPr>
+          <p:cNvSpPr>
+            <a:spLocks noGrp="1"/>
+          </p:cNvSpPr>
+          <p:nvPr>
+            <p:ph type="ftr" sz="quarter" idx="11"/>
+          </p:nvPr>
+        </p:nvSpPr>
+        <p:spPr/>
+        <p:txBody>
+          <a:bodyPr/>
+          <a:lstStyle/>
+          <a:p>
+            <a:r>
+              <a:rPr lang="en-US" altLang="ko-KR"/>
+              <a:t>NCIA</a:t>
+            </a:r>
+            <a:endParaRPr lang="ko-KR" altLang="en-US" dirty="0"/>
+          </a:p>
+        </p:txBody>
+      </p:sp>
+      <p:sp>
+        <p:nvSpPr>
+          <p:cNvPr id="6" name="슬라이드 번호 개체 틀 5">
+            <a:extLst>
+              <a:ext uri="{FF2B5EF4-FFF2-40B4-BE49-F238E27FC236}">
+                <a16:creationId xmlns:a16="http://schemas.microsoft.com/office/drawing/2014/main" id="{83541EB2-5633-59F3-48CB-90237DDCC54C}"/>
+              </a:ext>
+            </a:extLst>
+          </p:cNvPr>
+          <p:cNvSpPr>
+            <a:spLocks noGrp="1"/>
+          </p:cNvSpPr>
+          <p:nvPr>
+            <p:ph type="sldNum" sz="quarter" idx="12"/>
+          </p:nvPr>
+        </p:nvSpPr>
+        <p:spPr/>
+        <p:txBody>
+          <a:bodyPr/>
+          <a:lstStyle/>
+          <a:p>
+            <a:fld id="{DA7F9607-BA5C-406C-B8F1-9CD3498981D2}" type="slidenum">
+              <a:rPr lang="ko-KR" altLang="en-US" smtClean="0"/>
+              <a:t>14</a:t>
+            </a:fld>
+            <a:endParaRPr lang="ko-KR" altLang="en-US"/>
+          </a:p>
+        </p:txBody>
+      </p:sp>
+      <p:sp>
+        <p:nvSpPr>
+          <p:cNvPr id="9" name="TextBox 8">
+            <a:extLst>
+              <a:ext uri="{FF2B5EF4-FFF2-40B4-BE49-F238E27FC236}">
+                <a16:creationId xmlns:a16="http://schemas.microsoft.com/office/drawing/2014/main" id="{30C5C81C-0894-A439-369C-899C9379E0F8}"/>
+              </a:ext>
+            </a:extLst>
+          </p:cNvPr>
+          <p:cNvSpPr txBox="1"/>
+          <p:nvPr/>
+        </p:nvSpPr>
+        <p:spPr>
+          <a:xfrm>
+            <a:off x="3581400" y="5710019"/>
+            <a:ext cx="8291623" cy="646331"/>
+          </a:xfrm>
+          <a:prstGeom prst="rect">
+            <a:avLst/>
+          </a:prstGeom>
+          <a:noFill/>
+        </p:spPr>
+        <p:txBody>
+          <a:bodyPr wrap="square" rtlCol="0">
+            <a:spAutoFit/>
+          </a:bodyPr>
+          <a:lstStyle/>
+          <a:p>
+            <a:r>
+              <a:rPr lang="en-US" dirty="0">
+                <a:latin typeface="Times New Roman" panose="02020603050405020304" pitchFamily="18" charset="0"/>
+                <a:cs typeface="Times New Roman" panose="02020603050405020304" pitchFamily="18" charset="0"/>
+              </a:rPr>
+              <a:t>Chen, Ricky TQ, et al. "Neural ordinary differential equations." Advances in neural information processing systems 31 (2018).</a:t>
+            </a:r>
+          </a:p>
+        </p:txBody>
+      </p:sp>
+      <p:pic>
+        <p:nvPicPr>
+          <p:cNvPr id="8" name="그림 7">
+            <a:extLst>
+              <a:ext uri="{FF2B5EF4-FFF2-40B4-BE49-F238E27FC236}">
+                <a16:creationId xmlns:a16="http://schemas.microsoft.com/office/drawing/2014/main" id="{C308424B-013B-18E0-A080-9FCB3F00554B}"/>
+              </a:ext>
+            </a:extLst>
+          </p:cNvPr>
+          <p:cNvPicPr>
+            <a:picLocks noChangeAspect="1"/>
+          </p:cNvPicPr>
+          <p:nvPr/>
+        </p:nvPicPr>
+        <p:blipFill>
+          <a:blip r:embed="rId3"/>
+          <a:stretch>
+            <a:fillRect/>
+          </a:stretch>
+        </p:blipFill>
+        <p:spPr>
+          <a:xfrm>
+            <a:off x="1121147" y="4051690"/>
+            <a:ext cx="2177307" cy="2260210"/>
+          </a:xfrm>
+          <a:prstGeom prst="rect">
+            <a:avLst/>
+          </a:prstGeom>
+        </p:spPr>
+      </p:pic>
+    </p:spTree>
+    <p:extLst>
+      <p:ext uri="{BB962C8B-B14F-4D97-AF65-F5344CB8AC3E}">
+        <p14:creationId xmlns:p14="http://schemas.microsoft.com/office/powerpoint/2010/main" val="2101772718"/>
+      </p:ext>
+    </p:extLst>
+  </p:cSld>
+  <p:clrMapOvr>
+    <a:masterClrMapping/>
+  </p:clrMapOvr>
+</p:sld>
+</file>
+
+<file path=ppt/slides/slide15.xml><?xml version="1.0" encoding="utf-8"?>
+<p:sld xmlns:a="http://schemas.openxmlformats.org/drawingml/2006/main" xmlns:r="http://schemas.openxmlformats.org/officeDocument/2006/relationships" xmlns:p="http://schemas.openxmlformats.org/presentationml/2006/main">
+  <p:cSld>
+    <p:spTree>
+      <p:nvGrpSpPr>
+        <p:cNvPr id="1" name="">
+          <a:extLst>
+            <a:ext uri="{FF2B5EF4-FFF2-40B4-BE49-F238E27FC236}">
+              <a16:creationId xmlns:a16="http://schemas.microsoft.com/office/drawing/2014/main" id="{470FED25-EB12-5DB6-BB30-79F5ED69E5E1}"/>
+            </a:ext>
+          </a:extLst>
+        </p:cNvPr>
+        <p:cNvGrpSpPr/>
+        <p:nvPr/>
+      </p:nvGrpSpPr>
+      <p:grpSpPr>
+        <a:xfrm>
+          <a:off x="0" y="0"/>
+          <a:ext cx="0" cy="0"/>
+          <a:chOff x="0" y="0"/>
+          <a:chExt cx="0" cy="0"/>
+        </a:xfrm>
+      </p:grpSpPr>
+      <p:sp>
+        <p:nvSpPr>
+          <p:cNvPr id="2" name="제목 1">
+            <a:extLst>
+              <a:ext uri="{FF2B5EF4-FFF2-40B4-BE49-F238E27FC236}">
+                <a16:creationId xmlns:a16="http://schemas.microsoft.com/office/drawing/2014/main" id="{88F154D5-2C36-869C-12D7-36B08A2B4C8E}"/>
+              </a:ext>
+            </a:extLst>
+          </p:cNvPr>
+          <p:cNvSpPr>
+            <a:spLocks noGrp="1"/>
+          </p:cNvSpPr>
+          <p:nvPr>
+            <p:ph type="title"/>
+          </p:nvPr>
+        </p:nvSpPr>
+        <p:spPr/>
+        <p:txBody>
+          <a:bodyPr/>
+          <a:lstStyle/>
+          <a:p>
+            <a:r>
+              <a:rPr lang="en-US" dirty="0"/>
+              <a:t>Neural ODE (Continuous NF)</a:t>
+            </a:r>
+          </a:p>
+        </p:txBody>
+      </p:sp>
+      <mc:AlternateContent xmlns:mc="http://schemas.openxmlformats.org/markup-compatibility/2006">
+        <mc:Choice xmlns:a14="http://schemas.microsoft.com/office/drawing/2010/main" Requires="a14">
+          <p:sp>
+            <p:nvSpPr>
+              <p:cNvPr id="3" name="내용 개체 틀 2">
+                <a:extLst>
+                  <a:ext uri="{FF2B5EF4-FFF2-40B4-BE49-F238E27FC236}">
+                    <a16:creationId xmlns:a16="http://schemas.microsoft.com/office/drawing/2014/main" id="{0ED7D433-5592-EE92-64FC-E902EBAEE8A7}"/>
+                  </a:ext>
+                </a:extLst>
+              </p:cNvPr>
+              <p:cNvSpPr>
+                <a:spLocks noGrp="1"/>
+              </p:cNvSpPr>
+              <p:nvPr>
+                <p:ph idx="1"/>
+              </p:nvPr>
+            </p:nvSpPr>
+            <p:spPr/>
+            <p:txBody>
+              <a:bodyPr/>
+              <a:lstStyle/>
+              <a:p>
+                <a:r>
+                  <a:rPr lang="en-US" dirty="0"/>
+                  <a:t>Can train vector field! Modeling continuous flow as an ODE</a:t>
+                </a:r>
+              </a:p>
+              <a:p>
+                <a:r>
+                  <a:rPr lang="en-US" dirty="0"/>
+                  <a:t>Employing adjoint for ODE and replace det of Jacobian with trace</a:t>
+                </a:r>
+              </a:p>
+              <a:p>
+                <a14:m>
+                  <m:oMath xmlns:m="http://schemas.openxmlformats.org/officeDocument/2006/math">
+                    <m:f>
+                      <m:fPr>
+                        <m:ctrlPr>
+                          <a:rPr lang="en-US" i="1">
+                            <a:latin typeface="Cambria Math" panose="02040503050406030204" pitchFamily="18" charset="0"/>
+                          </a:rPr>
+                        </m:ctrlPr>
+                      </m:fPr>
+                      <m:num>
+                        <m:r>
+                          <a:rPr lang="en-US" i="1">
+                            <a:latin typeface="Cambria Math" panose="02040503050406030204" pitchFamily="18" charset="0"/>
+                          </a:rPr>
+                          <m:t>𝑑𝑧</m:t>
+                        </m:r>
+                        <m:d>
+                          <m:dPr>
+                            <m:ctrlPr>
+                              <a:rPr lang="en-US" i="1">
+                                <a:latin typeface="Cambria Math" panose="02040503050406030204" pitchFamily="18" charset="0"/>
+                              </a:rPr>
+                            </m:ctrlPr>
+                          </m:dPr>
+                          <m:e>
+                            <m:r>
+                              <a:rPr lang="en-US" i="1">
+                                <a:latin typeface="Cambria Math" panose="02040503050406030204" pitchFamily="18" charset="0"/>
+                              </a:rPr>
+                              <m:t>𝑡</m:t>
+                            </m:r>
+                          </m:e>
+                        </m:d>
+                      </m:num>
+                      <m:den>
+                        <m:r>
+                          <a:rPr lang="en-US" i="1">
+                            <a:latin typeface="Cambria Math" panose="02040503050406030204" pitchFamily="18" charset="0"/>
+                          </a:rPr>
+                          <m:t>𝑑𝑡</m:t>
+                        </m:r>
+                      </m:den>
+                    </m:f>
+                    <m:r>
+                      <a:rPr lang="en-US" i="1">
+                        <a:latin typeface="Cambria Math" panose="02040503050406030204" pitchFamily="18" charset="0"/>
+                      </a:rPr>
+                      <m:t>=</m:t>
+                    </m:r>
+                    <m:r>
+                      <a:rPr lang="en-US" i="1">
+                        <a:latin typeface="Cambria Math" panose="02040503050406030204" pitchFamily="18" charset="0"/>
+                      </a:rPr>
+                      <m:t>𝑓</m:t>
+                    </m:r>
+                    <m:r>
+                      <a:rPr lang="en-US" i="1">
+                        <a:latin typeface="Cambria Math" panose="02040503050406030204" pitchFamily="18" charset="0"/>
+                      </a:rPr>
+                      <m:t>(</m:t>
+                    </m:r>
+                    <m:r>
+                      <a:rPr lang="en-US" i="1">
+                        <a:latin typeface="Cambria Math" panose="02040503050406030204" pitchFamily="18" charset="0"/>
+                      </a:rPr>
+                      <m:t>𝑧</m:t>
+                    </m:r>
+                    <m:d>
+                      <m:dPr>
+                        <m:ctrlPr>
+                          <a:rPr lang="en-US" i="1">
+                            <a:latin typeface="Cambria Math" panose="02040503050406030204" pitchFamily="18" charset="0"/>
+                          </a:rPr>
+                        </m:ctrlPr>
+                      </m:dPr>
+                      <m:e>
+                        <m:r>
+                          <a:rPr lang="en-US" i="1">
+                            <a:latin typeface="Cambria Math" panose="02040503050406030204" pitchFamily="18" charset="0"/>
+                          </a:rPr>
+                          <m:t>𝑡</m:t>
+                        </m:r>
+                      </m:e>
+                    </m:d>
+                    <m:r>
+                      <a:rPr lang="en-US" i="1">
+                        <a:latin typeface="Cambria Math" panose="02040503050406030204" pitchFamily="18" charset="0"/>
+                      </a:rPr>
+                      <m:t>,</m:t>
+                    </m:r>
+                    <m:r>
+                      <a:rPr lang="en-US" i="1">
+                        <a:latin typeface="Cambria Math" panose="02040503050406030204" pitchFamily="18" charset="0"/>
+                      </a:rPr>
+                      <m:t>𝑡</m:t>
+                    </m:r>
+                    <m:r>
+                      <a:rPr lang="en-US" i="1">
+                        <a:latin typeface="Cambria Math" panose="02040503050406030204" pitchFamily="18" charset="0"/>
+                      </a:rPr>
+                      <m:t>)</m:t>
+                    </m:r>
+                  </m:oMath>
+                </a14:m>
+                <a:r>
+                  <a:rPr lang="en-US" dirty="0"/>
+                  <a:t> form ODEs are invertible when </a:t>
+                </a:r>
+                <a14:m>
+                  <m:oMath xmlns:m="http://schemas.openxmlformats.org/officeDocument/2006/math">
+                    <m:r>
+                      <a:rPr lang="en-US" i="1">
+                        <a:latin typeface="Cambria Math" panose="02040503050406030204" pitchFamily="18" charset="0"/>
+                      </a:rPr>
+                      <m:t>𝑓</m:t>
+                    </m:r>
+                  </m:oMath>
+                </a14:m>
+                <a:r>
+                  <a:rPr lang="en-US" dirty="0"/>
+                  <a:t> is Lipschitz</a:t>
+                </a:r>
+              </a:p>
+              <a:p>
+                <a:r>
+                  <a:rPr lang="en-US" dirty="0"/>
+                  <a:t>However, the ODE solver is still deeply involved in training</a:t>
+                </a:r>
+              </a:p>
+            </p:txBody>
+          </p:sp>
+        </mc:Choice>
+        <mc:Fallback>
+          <p:sp>
+            <p:nvSpPr>
+              <p:cNvPr id="3" name="내용 개체 틀 2">
+                <a:extLst>
+                  <a:ext uri="{FF2B5EF4-FFF2-40B4-BE49-F238E27FC236}">
+                    <a16:creationId xmlns:a16="http://schemas.microsoft.com/office/drawing/2014/main" id="{0ED7D433-5592-EE92-64FC-E902EBAEE8A7}"/>
+                  </a:ext>
+                </a:extLst>
+              </p:cNvPr>
+              <p:cNvSpPr>
+                <a:spLocks noGrp="1" noRot="1" noChangeAspect="1" noMove="1" noResize="1" noEditPoints="1" noAdjustHandles="1" noChangeArrowheads="1" noChangeShapeType="1" noTextEdit="1"/>
+              </p:cNvSpPr>
+              <p:nvPr>
+                <p:ph idx="1"/>
+              </p:nvPr>
+            </p:nvSpPr>
+            <p:spPr>
+              <a:blipFill>
+                <a:blip r:embed="rId2"/>
+                <a:stretch>
+                  <a:fillRect l="-1043" t="-2381"/>
+                </a:stretch>
+              </a:blipFill>
+            </p:spPr>
+            <p:txBody>
+              <a:bodyPr/>
+              <a:lstStyle/>
+              <a:p>
+                <a:r>
+                  <a:rPr lang="en-US">
+                    <a:noFill/>
+                  </a:rPr>
+                  <a:t> </a:t>
+                </a:r>
+              </a:p>
+            </p:txBody>
+          </p:sp>
+        </mc:Fallback>
+      </mc:AlternateContent>
+      <p:sp>
+        <p:nvSpPr>
+          <p:cNvPr id="4" name="날짜 개체 틀 3">
+            <a:extLst>
+              <a:ext uri="{FF2B5EF4-FFF2-40B4-BE49-F238E27FC236}">
+                <a16:creationId xmlns:a16="http://schemas.microsoft.com/office/drawing/2014/main" id="{877A78CB-DBE3-DBCE-D8B5-9B734A5C75FE}"/>
+              </a:ext>
+            </a:extLst>
+          </p:cNvPr>
+          <p:cNvSpPr>
+            <a:spLocks noGrp="1"/>
+          </p:cNvSpPr>
+          <p:nvPr>
+            <p:ph type="dt" sz="half" idx="10"/>
+          </p:nvPr>
+        </p:nvSpPr>
+        <p:spPr/>
+        <p:txBody>
+          <a:bodyPr/>
+          <a:lstStyle/>
+          <a:p>
+            <a:fld id="{CF64853D-3525-485A-80D9-E006B4737537}" type="datetime1">
+              <a:rPr lang="en-US" altLang="ko-KR" smtClean="0"/>
+              <a:t>6/10/2025</a:t>
+            </a:fld>
+            <a:endParaRPr lang="ko-KR" altLang="en-US"/>
+          </a:p>
+        </p:txBody>
+      </p:sp>
+      <p:sp>
+        <p:nvSpPr>
+          <p:cNvPr id="5" name="바닥글 개체 틀 4">
+            <a:extLst>
+              <a:ext uri="{FF2B5EF4-FFF2-40B4-BE49-F238E27FC236}">
+                <a16:creationId xmlns:a16="http://schemas.microsoft.com/office/drawing/2014/main" id="{F454C0CA-C274-4ECC-426D-FD3C4AD1D303}"/>
+              </a:ext>
+            </a:extLst>
+          </p:cNvPr>
+          <p:cNvSpPr>
+            <a:spLocks noGrp="1"/>
+          </p:cNvSpPr>
+          <p:nvPr>
+            <p:ph type="ftr" sz="quarter" idx="11"/>
+          </p:nvPr>
+        </p:nvSpPr>
+        <p:spPr/>
+        <p:txBody>
+          <a:bodyPr/>
+          <a:lstStyle/>
+          <a:p>
+            <a:r>
+              <a:rPr lang="en-US" altLang="ko-KR"/>
+              <a:t>NCIA</a:t>
+            </a:r>
+            <a:endParaRPr lang="ko-KR" altLang="en-US" dirty="0"/>
+          </a:p>
+        </p:txBody>
+      </p:sp>
+      <p:sp>
+        <p:nvSpPr>
+          <p:cNvPr id="6" name="슬라이드 번호 개체 틀 5">
+            <a:extLst>
+              <a:ext uri="{FF2B5EF4-FFF2-40B4-BE49-F238E27FC236}">
+                <a16:creationId xmlns:a16="http://schemas.microsoft.com/office/drawing/2014/main" id="{6CC1668D-AB0B-BB93-81C7-472FA937CF3B}"/>
+              </a:ext>
+            </a:extLst>
+          </p:cNvPr>
+          <p:cNvSpPr>
+            <a:spLocks noGrp="1"/>
+          </p:cNvSpPr>
+          <p:nvPr>
+            <p:ph type="sldNum" sz="quarter" idx="12"/>
+          </p:nvPr>
+        </p:nvSpPr>
+        <p:spPr/>
+        <p:txBody>
+          <a:bodyPr/>
+          <a:lstStyle/>
+          <a:p>
+            <a:fld id="{DA7F9607-BA5C-406C-B8F1-9CD3498981D2}" type="slidenum">
+              <a:rPr lang="ko-KR" altLang="en-US" smtClean="0"/>
+              <a:t>15</a:t>
+            </a:fld>
+            <a:endParaRPr lang="ko-KR" altLang="en-US"/>
+          </a:p>
+        </p:txBody>
+      </p:sp>
+      <p:pic>
+        <p:nvPicPr>
+          <p:cNvPr id="8" name="그림 7">
+            <a:extLst>
+              <a:ext uri="{FF2B5EF4-FFF2-40B4-BE49-F238E27FC236}">
+                <a16:creationId xmlns:a16="http://schemas.microsoft.com/office/drawing/2014/main" id="{318E276D-67A2-89AF-59A2-816412E875C6}"/>
+              </a:ext>
+            </a:extLst>
+          </p:cNvPr>
+          <p:cNvPicPr>
+            <a:picLocks noChangeAspect="1"/>
+          </p:cNvPicPr>
+          <p:nvPr/>
+        </p:nvPicPr>
+        <p:blipFill>
+          <a:blip r:embed="rId3"/>
+          <a:stretch>
+            <a:fillRect/>
+          </a:stretch>
+        </p:blipFill>
+        <p:spPr>
+          <a:xfrm>
+            <a:off x="1121147" y="4051690"/>
+            <a:ext cx="2177307" cy="2260210"/>
+          </a:xfrm>
+          <a:prstGeom prst="rect">
+            <a:avLst/>
+          </a:prstGeom>
+        </p:spPr>
+      </p:pic>
+      <p:pic>
+        <p:nvPicPr>
+          <p:cNvPr id="11" name="그림 10">
+            <a:extLst>
+              <a:ext uri="{FF2B5EF4-FFF2-40B4-BE49-F238E27FC236}">
+                <a16:creationId xmlns:a16="http://schemas.microsoft.com/office/drawing/2014/main" id="{A87C22D8-663F-E7AD-F8E2-228CB4403F88}"/>
+              </a:ext>
+            </a:extLst>
+          </p:cNvPr>
+          <p:cNvPicPr>
+            <a:picLocks noChangeAspect="1"/>
+          </p:cNvPicPr>
+          <p:nvPr/>
+        </p:nvPicPr>
+        <p:blipFill>
+          <a:blip r:embed="rId4"/>
+          <a:stretch>
+            <a:fillRect/>
+          </a:stretch>
+        </p:blipFill>
+        <p:spPr>
+          <a:xfrm>
+            <a:off x="339506" y="4089724"/>
+            <a:ext cx="5361663" cy="2266626"/>
+          </a:xfrm>
+          <a:prstGeom prst="rect">
+            <a:avLst/>
+          </a:prstGeom>
+        </p:spPr>
+      </p:pic>
+      <p:pic>
+        <p:nvPicPr>
+          <p:cNvPr id="10" name="그림 9">
+            <a:extLst>
+              <a:ext uri="{FF2B5EF4-FFF2-40B4-BE49-F238E27FC236}">
+                <a16:creationId xmlns:a16="http://schemas.microsoft.com/office/drawing/2014/main" id="{9CF3B891-A6C6-FAFB-D8C7-772F75097A73}"/>
+              </a:ext>
+            </a:extLst>
+          </p:cNvPr>
+          <p:cNvPicPr>
+            <a:picLocks noChangeAspect="1"/>
+          </p:cNvPicPr>
+          <p:nvPr/>
+        </p:nvPicPr>
+        <p:blipFill>
+          <a:blip r:embed="rId5"/>
+          <a:stretch>
+            <a:fillRect/>
+          </a:stretch>
+        </p:blipFill>
+        <p:spPr>
+          <a:xfrm>
+            <a:off x="5724227" y="4482151"/>
+            <a:ext cx="6209399" cy="1725485"/>
+          </a:xfrm>
+          <a:prstGeom prst="rect">
+            <a:avLst/>
+          </a:prstGeom>
+        </p:spPr>
+      </p:pic>
+    </p:spTree>
+    <p:extLst>
+      <p:ext uri="{BB962C8B-B14F-4D97-AF65-F5344CB8AC3E}">
+        <p14:creationId xmlns:p14="http://schemas.microsoft.com/office/powerpoint/2010/main" val="1797969511"/>
+      </p:ext>
+    </p:extLst>
+  </p:cSld>
+  <p:clrMapOvr>
+    <a:masterClrMapping/>
+  </p:clrMapOvr>
+</p:sld>
+</file>
+
+<file path=ppt/slides/slide16.xml><?xml version="1.0" encoding="utf-8"?>
+<p:sld xmlns:a="http://schemas.openxmlformats.org/drawingml/2006/main" xmlns:r="http://schemas.openxmlformats.org/officeDocument/2006/relationships" xmlns:p="http://schemas.openxmlformats.org/presentationml/2006/main">
+  <p:cSld>
+    <p:spTree>
+      <p:nvGrpSpPr>
+        <p:cNvPr id="1" name="">
+          <a:extLst>
+            <a:ext uri="{FF2B5EF4-FFF2-40B4-BE49-F238E27FC236}">
+              <a16:creationId xmlns:a16="http://schemas.microsoft.com/office/drawing/2014/main" id="{8EEB085B-4F21-3556-7C86-077F54972EEC}"/>
+            </a:ext>
+          </a:extLst>
+        </p:cNvPr>
+        <p:cNvGrpSpPr/>
+        <p:nvPr/>
+      </p:nvGrpSpPr>
+      <p:grpSpPr>
+        <a:xfrm>
+          <a:off x="0" y="0"/>
+          <a:ext cx="0" cy="0"/>
+          <a:chOff x="0" y="0"/>
+          <a:chExt cx="0" cy="0"/>
+        </a:xfrm>
+      </p:grpSpPr>
+      <p:sp>
+        <p:nvSpPr>
+          <p:cNvPr id="2" name="제목 1">
+            <a:extLst>
+              <a:ext uri="{FF2B5EF4-FFF2-40B4-BE49-F238E27FC236}">
+                <a16:creationId xmlns:a16="http://schemas.microsoft.com/office/drawing/2014/main" id="{4EF48520-44BE-0B90-DED6-ECB4E91CA9D4}"/>
+              </a:ext>
+            </a:extLst>
+          </p:cNvPr>
+          <p:cNvSpPr>
+            <a:spLocks noGrp="1"/>
+          </p:cNvSpPr>
+          <p:nvPr>
+            <p:ph type="title"/>
+          </p:nvPr>
+        </p:nvSpPr>
+        <p:spPr/>
+        <p:txBody>
+          <a:bodyPr/>
+          <a:lstStyle/>
+          <a:p>
+            <a:r>
+              <a:rPr lang="en-US" dirty="0"/>
+              <a:t>Flow Matching</a:t>
+            </a:r>
+          </a:p>
+        </p:txBody>
+      </p:sp>
+      <mc:AlternateContent xmlns:mc="http://schemas.openxmlformats.org/markup-compatibility/2006">
+        <mc:Choice xmlns:a14="http://schemas.microsoft.com/office/drawing/2010/main" Requires="a14">
+          <p:sp>
+            <p:nvSpPr>
+              <p:cNvPr id="3" name="내용 개체 틀 2">
+                <a:extLst>
+                  <a:ext uri="{FF2B5EF4-FFF2-40B4-BE49-F238E27FC236}">
+                    <a16:creationId xmlns:a16="http://schemas.microsoft.com/office/drawing/2014/main" id="{72177502-0CD6-216C-F3C2-D0561DD59D88}"/>
+                  </a:ext>
+                </a:extLst>
+              </p:cNvPr>
+              <p:cNvSpPr>
+                <a:spLocks noGrp="1"/>
+              </p:cNvSpPr>
+              <p:nvPr>
+                <p:ph idx="1"/>
+              </p:nvPr>
+            </p:nvSpPr>
+            <p:spPr/>
+            <p:txBody>
+              <a:bodyPr/>
+              <a:lstStyle/>
+              <a:p>
+                <a:r>
+                  <a:rPr lang="en-US" dirty="0"/>
+                  <a:t>Do not simulate ODE, train vector field directly</a:t>
+                </a:r>
+              </a:p>
+              <a:p>
+                <a:r>
+                  <a:rPr lang="en-US" dirty="0"/>
+                  <a:t>Need to know the location of </a:t>
+                </a:r>
+                <a14:m>
+                  <m:oMath xmlns:m="http://schemas.openxmlformats.org/officeDocument/2006/math">
+                    <m:sSub>
+                      <m:sSubPr>
+                        <m:ctrlPr>
+                          <a:rPr lang="en-US" b="0" i="1" smtClean="0">
+                            <a:latin typeface="Cambria Math" panose="02040503050406030204" pitchFamily="18" charset="0"/>
+                          </a:rPr>
+                        </m:ctrlPr>
+                      </m:sSubPr>
+                      <m:e>
+                        <m:r>
+                          <a:rPr lang="en-US" b="0" i="1" smtClean="0">
+                            <a:latin typeface="Cambria Math" panose="02040503050406030204" pitchFamily="18" charset="0"/>
+                          </a:rPr>
+                          <m:t>𝑋</m:t>
+                        </m:r>
+                      </m:e>
+                      <m:sub>
+                        <m:r>
+                          <a:rPr lang="en-US" b="0" i="1" smtClean="0">
+                            <a:latin typeface="Cambria Math" panose="02040503050406030204" pitchFamily="18" charset="0"/>
+                          </a:rPr>
+                          <m:t>𝑡</m:t>
+                        </m:r>
+                      </m:sub>
+                    </m:sSub>
+                  </m:oMath>
+                </a14:m>
+                <a:endParaRPr lang="en-US" b="0" dirty="0"/>
+              </a:p>
+              <a:p>
+                <a:r>
+                  <a:rPr lang="en-US" dirty="0"/>
+                  <a:t>It is okay to simply set </a:t>
+                </a:r>
+                <a14:m>
+                  <m:oMath xmlns:m="http://schemas.openxmlformats.org/officeDocument/2006/math">
+                    <m:r>
+                      <m:rPr>
+                        <m:sty m:val="p"/>
+                      </m:rPr>
+                      <a:rPr lang="en-US" b="0" i="0" smtClean="0">
+                        <a:latin typeface="Cambria Math" panose="02040503050406030204" pitchFamily="18" charset="0"/>
+                      </a:rPr>
+                      <m:t>X</m:t>
+                    </m:r>
+                    <m:r>
+                      <a:rPr lang="en-US" b="0" i="1" smtClean="0">
+                        <a:latin typeface="Cambria Math" panose="02040503050406030204" pitchFamily="18" charset="0"/>
+                      </a:rPr>
+                      <m:t>∼</m:t>
+                    </m:r>
+                    <m:r>
+                      <a:rPr lang="en-US" b="0" i="1" smtClean="0">
+                        <a:latin typeface="Cambria Math" panose="02040503050406030204" pitchFamily="18" charset="0"/>
+                      </a:rPr>
+                      <m:t>𝑁</m:t>
+                    </m:r>
+                    <m:r>
+                      <a:rPr lang="en-US" b="0" i="1" smtClean="0">
+                        <a:latin typeface="Cambria Math" panose="02040503050406030204" pitchFamily="18" charset="0"/>
+                      </a:rPr>
+                      <m:t>(</m:t>
+                    </m:r>
+                    <m:r>
+                      <a:rPr lang="en-US" b="0" i="1" smtClean="0">
+                        <a:latin typeface="Cambria Math" panose="02040503050406030204" pitchFamily="18" charset="0"/>
+                      </a:rPr>
+                      <m:t>𝑡</m:t>
+                    </m:r>
+                    <m:sSub>
+                      <m:sSubPr>
+                        <m:ctrlPr>
+                          <a:rPr lang="en-US" b="0" i="1" smtClean="0">
+                            <a:latin typeface="Cambria Math" panose="02040503050406030204" pitchFamily="18" charset="0"/>
+                          </a:rPr>
+                        </m:ctrlPr>
+                      </m:sSubPr>
+                      <m:e>
+                        <m:r>
+                          <a:rPr lang="en-US" b="0" i="1" smtClean="0">
+                            <a:latin typeface="Cambria Math" panose="02040503050406030204" pitchFamily="18" charset="0"/>
+                          </a:rPr>
+                          <m:t>𝑋</m:t>
+                        </m:r>
+                      </m:e>
+                      <m:sub>
+                        <m:r>
+                          <a:rPr lang="en-US" b="0" i="1" smtClean="0">
+                            <a:latin typeface="Cambria Math" panose="02040503050406030204" pitchFamily="18" charset="0"/>
+                          </a:rPr>
+                          <m:t>1</m:t>
+                        </m:r>
+                      </m:sub>
+                    </m:sSub>
+                    <m:r>
+                      <a:rPr lang="en-US" b="0" i="1" smtClean="0">
+                        <a:latin typeface="Cambria Math" panose="02040503050406030204" pitchFamily="18" charset="0"/>
+                      </a:rPr>
+                      <m:t>+</m:t>
+                    </m:r>
+                    <m:d>
+                      <m:dPr>
+                        <m:ctrlPr>
+                          <a:rPr lang="en-US" b="0" i="1" smtClean="0">
+                            <a:latin typeface="Cambria Math" panose="02040503050406030204" pitchFamily="18" charset="0"/>
+                          </a:rPr>
+                        </m:ctrlPr>
+                      </m:dPr>
+                      <m:e>
+                        <m:r>
+                          <a:rPr lang="en-US" b="0" i="1" smtClean="0">
+                            <a:latin typeface="Cambria Math" panose="02040503050406030204" pitchFamily="18" charset="0"/>
+                          </a:rPr>
+                          <m:t>1−</m:t>
+                        </m:r>
+                        <m:r>
+                          <a:rPr lang="en-US" b="0" i="1" smtClean="0">
+                            <a:latin typeface="Cambria Math" panose="02040503050406030204" pitchFamily="18" charset="0"/>
+                          </a:rPr>
+                          <m:t>𝑡</m:t>
+                        </m:r>
+                      </m:e>
+                    </m:d>
+                    <m:sSub>
+                      <m:sSubPr>
+                        <m:ctrlPr>
+                          <a:rPr lang="en-US" b="0" i="1" smtClean="0">
+                            <a:latin typeface="Cambria Math" panose="02040503050406030204" pitchFamily="18" charset="0"/>
+                          </a:rPr>
+                        </m:ctrlPr>
+                      </m:sSubPr>
+                      <m:e>
+                        <m:r>
+                          <a:rPr lang="en-US" b="0" i="1" smtClean="0">
+                            <a:latin typeface="Cambria Math" panose="02040503050406030204" pitchFamily="18" charset="0"/>
+                          </a:rPr>
+                          <m:t>𝑋</m:t>
+                        </m:r>
+                      </m:e>
+                      <m:sub>
+                        <m:r>
+                          <a:rPr lang="en-US" b="0" i="1" smtClean="0">
+                            <a:latin typeface="Cambria Math" panose="02040503050406030204" pitchFamily="18" charset="0"/>
+                          </a:rPr>
+                          <m:t>0</m:t>
+                        </m:r>
+                      </m:sub>
+                    </m:sSub>
+                    <m:r>
+                      <a:rPr lang="en-US" b="0" i="1" smtClean="0">
+                        <a:latin typeface="Cambria Math" panose="02040503050406030204" pitchFamily="18" charset="0"/>
+                      </a:rPr>
+                      <m:t>, </m:t>
+                    </m:r>
+                    <m:sSup>
+                      <m:sSupPr>
+                        <m:ctrlPr>
+                          <a:rPr lang="en-US" b="0" i="1" smtClean="0">
+                            <a:latin typeface="Cambria Math" panose="02040503050406030204" pitchFamily="18" charset="0"/>
+                          </a:rPr>
+                        </m:ctrlPr>
+                      </m:sSupPr>
+                      <m:e>
+                        <m:r>
+                          <a:rPr lang="en-US" b="0" i="1" smtClean="0">
+                            <a:latin typeface="Cambria Math" panose="02040503050406030204" pitchFamily="18" charset="0"/>
+                          </a:rPr>
+                          <m:t>𝜎</m:t>
+                        </m:r>
+                      </m:e>
+                      <m:sup>
+                        <m:r>
+                          <a:rPr lang="en-US" b="0" i="1" smtClean="0">
+                            <a:latin typeface="Cambria Math" panose="02040503050406030204" pitchFamily="18" charset="0"/>
+                          </a:rPr>
+                          <m:t>2</m:t>
+                        </m:r>
+                      </m:sup>
+                    </m:sSup>
+                    <m:r>
+                      <a:rPr lang="en-US" b="0" i="1" smtClean="0">
+                        <a:latin typeface="Cambria Math" panose="02040503050406030204" pitchFamily="18" charset="0"/>
+                      </a:rPr>
+                      <m:t>)</m:t>
+                    </m:r>
+                  </m:oMath>
+                </a14:m>
+                <a:endParaRPr lang="en-US" dirty="0"/>
+              </a:p>
+              <a:p>
+                <a:r>
+                  <a:rPr lang="en-US" dirty="0"/>
+                  <a:t>Applying Wiener process to </a:t>
+                </a:r>
+                <a14:m>
+                  <m:oMath xmlns:m="http://schemas.openxmlformats.org/officeDocument/2006/math">
+                    <m:sSub>
+                      <m:sSubPr>
+                        <m:ctrlPr>
+                          <a:rPr lang="en-US" b="0" i="1" smtClean="0">
+                            <a:latin typeface="Cambria Math" panose="02040503050406030204" pitchFamily="18" charset="0"/>
+                          </a:rPr>
+                        </m:ctrlPr>
+                      </m:sSubPr>
+                      <m:e>
+                        <m:r>
+                          <a:rPr lang="en-US" b="0" i="1" smtClean="0">
+                            <a:latin typeface="Cambria Math" panose="02040503050406030204" pitchFamily="18" charset="0"/>
+                          </a:rPr>
+                          <m:t>𝑋</m:t>
+                        </m:r>
+                      </m:e>
+                      <m:sub>
+                        <m:r>
+                          <a:rPr lang="en-US" b="0" i="1" smtClean="0">
+                            <a:latin typeface="Cambria Math" panose="02040503050406030204" pitchFamily="18" charset="0"/>
+                          </a:rPr>
+                          <m:t>𝑡</m:t>
+                        </m:r>
+                      </m:sub>
+                    </m:sSub>
+                  </m:oMath>
+                </a14:m>
+                <a:r>
+                  <a:rPr lang="en-US" dirty="0"/>
+                  <a:t>, it becomes Diffusion! (SDE solver)</a:t>
+                </a:r>
+              </a:p>
+            </p:txBody>
+          </p:sp>
+        </mc:Choice>
+        <mc:Fallback>
+          <p:sp>
+            <p:nvSpPr>
+              <p:cNvPr id="3" name="내용 개체 틀 2">
+                <a:extLst>
+                  <a:ext uri="{FF2B5EF4-FFF2-40B4-BE49-F238E27FC236}">
+                    <a16:creationId xmlns:a16="http://schemas.microsoft.com/office/drawing/2014/main" id="{72177502-0CD6-216C-F3C2-D0561DD59D88}"/>
+                  </a:ext>
+                </a:extLst>
+              </p:cNvPr>
+              <p:cNvSpPr>
+                <a:spLocks noGrp="1" noRot="1" noChangeAspect="1" noMove="1" noResize="1" noEditPoints="1" noAdjustHandles="1" noChangeArrowheads="1" noChangeShapeType="1" noTextEdit="1"/>
+              </p:cNvSpPr>
+              <p:nvPr>
+                <p:ph idx="1"/>
+              </p:nvPr>
+            </p:nvSpPr>
+            <p:spPr>
+              <a:blipFill>
+                <a:blip r:embed="rId2"/>
+                <a:stretch>
+                  <a:fillRect l="-1043" t="-2381"/>
+                </a:stretch>
+              </a:blipFill>
+            </p:spPr>
+            <p:txBody>
+              <a:bodyPr/>
+              <a:lstStyle/>
+              <a:p>
+                <a:r>
+                  <a:rPr lang="en-US">
+                    <a:noFill/>
+                  </a:rPr>
+                  <a:t> </a:t>
+                </a:r>
+              </a:p>
+            </p:txBody>
+          </p:sp>
+        </mc:Fallback>
+      </mc:AlternateContent>
+      <p:sp>
+        <p:nvSpPr>
+          <p:cNvPr id="4" name="날짜 개체 틀 3">
+            <a:extLst>
+              <a:ext uri="{FF2B5EF4-FFF2-40B4-BE49-F238E27FC236}">
+                <a16:creationId xmlns:a16="http://schemas.microsoft.com/office/drawing/2014/main" id="{D9941ABA-46B2-61A3-0378-E7456F151CF7}"/>
+              </a:ext>
+            </a:extLst>
+          </p:cNvPr>
+          <p:cNvSpPr>
+            <a:spLocks noGrp="1"/>
+          </p:cNvSpPr>
+          <p:nvPr>
+            <p:ph type="dt" sz="half" idx="10"/>
+          </p:nvPr>
+        </p:nvSpPr>
+        <p:spPr/>
+        <p:txBody>
+          <a:bodyPr/>
+          <a:lstStyle/>
+          <a:p>
+            <a:fld id="{CF64853D-3525-485A-80D9-E006B4737537}" type="datetime1">
+              <a:rPr lang="en-US" altLang="ko-KR" smtClean="0"/>
+              <a:t>6/10/2025</a:t>
+            </a:fld>
+            <a:endParaRPr lang="ko-KR" altLang="en-US"/>
+          </a:p>
+        </p:txBody>
+      </p:sp>
+      <p:sp>
+        <p:nvSpPr>
+          <p:cNvPr id="5" name="바닥글 개체 틀 4">
+            <a:extLst>
+              <a:ext uri="{FF2B5EF4-FFF2-40B4-BE49-F238E27FC236}">
+                <a16:creationId xmlns:a16="http://schemas.microsoft.com/office/drawing/2014/main" id="{49735E58-B565-9EEC-B15E-15C5484E4689}"/>
+              </a:ext>
+            </a:extLst>
+          </p:cNvPr>
+          <p:cNvSpPr>
+            <a:spLocks noGrp="1"/>
+          </p:cNvSpPr>
+          <p:nvPr>
+            <p:ph type="ftr" sz="quarter" idx="11"/>
+          </p:nvPr>
+        </p:nvSpPr>
+        <p:spPr/>
+        <p:txBody>
+          <a:bodyPr/>
+          <a:lstStyle/>
+          <a:p>
+            <a:r>
+              <a:rPr lang="en-US" altLang="ko-KR"/>
+              <a:t>NCIA</a:t>
+            </a:r>
+            <a:endParaRPr lang="ko-KR" altLang="en-US" dirty="0"/>
+          </a:p>
+        </p:txBody>
+      </p:sp>
+      <p:sp>
+        <p:nvSpPr>
+          <p:cNvPr id="6" name="슬라이드 번호 개체 틀 5">
+            <a:extLst>
+              <a:ext uri="{FF2B5EF4-FFF2-40B4-BE49-F238E27FC236}">
+                <a16:creationId xmlns:a16="http://schemas.microsoft.com/office/drawing/2014/main" id="{186849A8-014F-E3BF-3644-429E058072E6}"/>
+              </a:ext>
+            </a:extLst>
+          </p:cNvPr>
+          <p:cNvSpPr>
+            <a:spLocks noGrp="1"/>
+          </p:cNvSpPr>
+          <p:nvPr>
+            <p:ph type="sldNum" sz="quarter" idx="12"/>
+          </p:nvPr>
+        </p:nvSpPr>
+        <p:spPr/>
+        <p:txBody>
+          <a:bodyPr/>
+          <a:lstStyle/>
+          <a:p>
+            <a:fld id="{DA7F9607-BA5C-406C-B8F1-9CD3498981D2}" type="slidenum">
+              <a:rPr lang="ko-KR" altLang="en-US" smtClean="0"/>
+              <a:t>16</a:t>
+            </a:fld>
+            <a:endParaRPr lang="ko-KR" altLang="en-US"/>
+          </a:p>
+        </p:txBody>
+      </p:sp>
+      <p:sp>
+        <p:nvSpPr>
+          <p:cNvPr id="9" name="TextBox 8">
+            <a:extLst>
+              <a:ext uri="{FF2B5EF4-FFF2-40B4-BE49-F238E27FC236}">
+                <a16:creationId xmlns:a16="http://schemas.microsoft.com/office/drawing/2014/main" id="{6C0E6033-45EA-9DCC-DDEE-78D3B7089F1E}"/>
+              </a:ext>
+            </a:extLst>
+          </p:cNvPr>
+          <p:cNvSpPr txBox="1"/>
+          <p:nvPr/>
+        </p:nvSpPr>
+        <p:spPr>
+          <a:xfrm>
+            <a:off x="3581400" y="5710019"/>
+            <a:ext cx="8291623" cy="646331"/>
+          </a:xfrm>
+          <a:prstGeom prst="rect">
+            <a:avLst/>
+          </a:prstGeom>
+          <a:noFill/>
+        </p:spPr>
+        <p:txBody>
+          <a:bodyPr wrap="square" rtlCol="0">
+            <a:spAutoFit/>
+          </a:bodyPr>
+          <a:lstStyle/>
+          <a:p>
+            <a:r>
+              <a:rPr lang="en-US" dirty="0">
+                <a:latin typeface="Times New Roman" panose="02020603050405020304" pitchFamily="18" charset="0"/>
+                <a:cs typeface="Times New Roman" panose="02020603050405020304" pitchFamily="18" charset="0"/>
+              </a:rPr>
+              <a:t>Lipman, Yaron, et al. "Flow Matching for Generative Modeling." The Eleventh International Conference on Learning Representations. (’23)</a:t>
+            </a:r>
+          </a:p>
+        </p:txBody>
+      </p:sp>
+      <p:pic>
+        <p:nvPicPr>
+          <p:cNvPr id="10" name="그림 9">
+            <a:extLst>
+              <a:ext uri="{FF2B5EF4-FFF2-40B4-BE49-F238E27FC236}">
+                <a16:creationId xmlns:a16="http://schemas.microsoft.com/office/drawing/2014/main" id="{BC2823E3-E5F0-AB78-DADC-D3C91DAE00D9}"/>
+              </a:ext>
+            </a:extLst>
+          </p:cNvPr>
+          <p:cNvPicPr>
+            <a:picLocks noChangeAspect="1"/>
+          </p:cNvPicPr>
+          <p:nvPr/>
+        </p:nvPicPr>
+        <p:blipFill>
+          <a:blip r:embed="rId3"/>
+          <a:stretch>
+            <a:fillRect/>
+          </a:stretch>
+        </p:blipFill>
+        <p:spPr>
+          <a:xfrm>
+            <a:off x="8024386" y="4653155"/>
+            <a:ext cx="3848637" cy="552527"/>
+          </a:xfrm>
+          <a:prstGeom prst="rect">
+            <a:avLst/>
+          </a:prstGeom>
+        </p:spPr>
+      </p:pic>
+      <p:pic>
+        <p:nvPicPr>
+          <p:cNvPr id="12" name="그림 11">
+            <a:extLst>
+              <a:ext uri="{FF2B5EF4-FFF2-40B4-BE49-F238E27FC236}">
+                <a16:creationId xmlns:a16="http://schemas.microsoft.com/office/drawing/2014/main" id="{8BE8FFBF-201D-FED0-2222-6D6429DD3D64}"/>
+              </a:ext>
+            </a:extLst>
+          </p:cNvPr>
+          <p:cNvPicPr>
+            <a:picLocks noChangeAspect="1"/>
+          </p:cNvPicPr>
+          <p:nvPr/>
+        </p:nvPicPr>
+        <p:blipFill>
+          <a:blip r:embed="rId4"/>
+          <a:stretch>
+            <a:fillRect/>
+          </a:stretch>
+        </p:blipFill>
+        <p:spPr>
+          <a:xfrm>
+            <a:off x="2988597" y="4696024"/>
+            <a:ext cx="4982270" cy="466790"/>
+          </a:xfrm>
+          <a:prstGeom prst="rect">
+            <a:avLst/>
+          </a:prstGeom>
+        </p:spPr>
+      </p:pic>
+      <p:pic>
+        <p:nvPicPr>
+          <p:cNvPr id="14" name="그림 13">
+            <a:extLst>
+              <a:ext uri="{FF2B5EF4-FFF2-40B4-BE49-F238E27FC236}">
+                <a16:creationId xmlns:a16="http://schemas.microsoft.com/office/drawing/2014/main" id="{58EF8F32-0EB7-B43B-758C-560B6ED9F679}"/>
+              </a:ext>
+            </a:extLst>
+          </p:cNvPr>
+          <p:cNvPicPr>
+            <a:picLocks noChangeAspect="1"/>
+          </p:cNvPicPr>
+          <p:nvPr/>
+        </p:nvPicPr>
+        <p:blipFill>
+          <a:blip r:embed="rId5"/>
+          <a:stretch>
+            <a:fillRect/>
+          </a:stretch>
+        </p:blipFill>
+        <p:spPr>
+          <a:xfrm>
+            <a:off x="3082913" y="5252507"/>
+            <a:ext cx="8745170" cy="476316"/>
+          </a:xfrm>
+          <a:prstGeom prst="rect">
+            <a:avLst/>
+          </a:prstGeom>
+        </p:spPr>
+      </p:pic>
+      <p:pic>
+        <p:nvPicPr>
+          <p:cNvPr id="16" name="그림 15">
+            <a:extLst>
+              <a:ext uri="{FF2B5EF4-FFF2-40B4-BE49-F238E27FC236}">
+                <a16:creationId xmlns:a16="http://schemas.microsoft.com/office/drawing/2014/main" id="{5849A260-E5B3-1FAF-2933-516284F4BD62}"/>
+              </a:ext>
+            </a:extLst>
+          </p:cNvPr>
+          <p:cNvPicPr>
+            <a:picLocks noChangeAspect="1"/>
+          </p:cNvPicPr>
+          <p:nvPr/>
+        </p:nvPicPr>
+        <p:blipFill>
+          <a:blip r:embed="rId6"/>
+          <a:stretch>
+            <a:fillRect/>
+          </a:stretch>
+        </p:blipFill>
+        <p:spPr>
+          <a:xfrm>
+            <a:off x="363917" y="4534624"/>
+            <a:ext cx="2452560" cy="1642339"/>
+          </a:xfrm>
+          <a:prstGeom prst="rect">
+            <a:avLst/>
+          </a:prstGeom>
+        </p:spPr>
+      </p:pic>
+    </p:spTree>
+    <p:extLst>
+      <p:ext uri="{BB962C8B-B14F-4D97-AF65-F5344CB8AC3E}">
+        <p14:creationId xmlns:p14="http://schemas.microsoft.com/office/powerpoint/2010/main" val="3837343071"/>
+      </p:ext>
+    </p:extLst>
+  </p:cSld>
+  <p:clrMapOvr>
+    <a:masterClrMapping/>
+  </p:clrMapOvr>
+</p:sld>
+</file>
+
+<file path=ppt/slides/slide17.xml><?xml version="1.0" encoding="utf-8"?>
+<p:sld xmlns:a="http://schemas.openxmlformats.org/drawingml/2006/main" xmlns:r="http://schemas.openxmlformats.org/officeDocument/2006/relationships" xmlns:p="http://schemas.openxmlformats.org/presentationml/2006/main">
+  <p:cSld>
+    <p:spTree>
+      <p:nvGrpSpPr>
+        <p:cNvPr id="1" name="">
+          <a:extLst>
+            <a:ext uri="{FF2B5EF4-FFF2-40B4-BE49-F238E27FC236}">
+              <a16:creationId xmlns:a16="http://schemas.microsoft.com/office/drawing/2014/main" id="{288A1F00-997F-1858-B959-0DA967AE0465}"/>
+            </a:ext>
+          </a:extLst>
+        </p:cNvPr>
+        <p:cNvGrpSpPr/>
+        <p:nvPr/>
+      </p:nvGrpSpPr>
+      <p:grpSpPr>
+        <a:xfrm>
+          <a:off x="0" y="0"/>
+          <a:ext cx="0" cy="0"/>
+          <a:chOff x="0" y="0"/>
+          <a:chExt cx="0" cy="0"/>
+        </a:xfrm>
+      </p:grpSpPr>
+      <p:sp>
+        <p:nvSpPr>
+          <p:cNvPr id="2" name="제목 1">
+            <a:extLst>
+              <a:ext uri="{FF2B5EF4-FFF2-40B4-BE49-F238E27FC236}">
+                <a16:creationId xmlns:a16="http://schemas.microsoft.com/office/drawing/2014/main" id="{3372466A-B3D0-6A71-B48F-6A03E3179B26}"/>
+              </a:ext>
+            </a:extLst>
+          </p:cNvPr>
+          <p:cNvSpPr>
+            <a:spLocks noGrp="1"/>
+          </p:cNvSpPr>
+          <p:nvPr>
+            <p:ph type="title"/>
+          </p:nvPr>
+        </p:nvSpPr>
+        <p:spPr/>
+        <p:txBody>
+          <a:bodyPr/>
+          <a:lstStyle/>
+          <a:p>
+            <a:r>
+              <a:rPr lang="en-US" dirty="0"/>
+              <a:t>Flow Matching</a:t>
+            </a:r>
+          </a:p>
+        </p:txBody>
+      </p:sp>
+      <mc:AlternateContent xmlns:mc="http://schemas.openxmlformats.org/markup-compatibility/2006">
+        <mc:Choice xmlns:a14="http://schemas.microsoft.com/office/drawing/2010/main" Requires="a14">
+          <p:sp>
+            <p:nvSpPr>
+              <p:cNvPr id="3" name="내용 개체 틀 2">
+                <a:extLst>
+                  <a:ext uri="{FF2B5EF4-FFF2-40B4-BE49-F238E27FC236}">
+                    <a16:creationId xmlns:a16="http://schemas.microsoft.com/office/drawing/2014/main" id="{09A42461-82A2-C29B-0463-B90683B3C5F5}"/>
+                  </a:ext>
+                </a:extLst>
+              </p:cNvPr>
+              <p:cNvSpPr>
+                <a:spLocks noGrp="1"/>
+              </p:cNvSpPr>
+              <p:nvPr>
+                <p:ph idx="1"/>
+              </p:nvPr>
+            </p:nvSpPr>
+            <p:spPr/>
+            <p:txBody>
+              <a:bodyPr/>
+              <a:lstStyle/>
+              <a:p>
+                <a:r>
+                  <a:rPr lang="en-US" dirty="0"/>
+                  <a:t>Do not simulate ODE, train vector field directly</a:t>
+                </a:r>
+              </a:p>
+              <a:p>
+                <a:r>
+                  <a:rPr lang="en-US" dirty="0"/>
+                  <a:t>Need to know the location of </a:t>
+                </a:r>
+                <a14:m>
+                  <m:oMath xmlns:m="http://schemas.openxmlformats.org/officeDocument/2006/math">
+                    <m:sSub>
+                      <m:sSubPr>
+                        <m:ctrlPr>
+                          <a:rPr lang="en-US" b="0" i="1" smtClean="0">
+                            <a:latin typeface="Cambria Math" panose="02040503050406030204" pitchFamily="18" charset="0"/>
+                          </a:rPr>
+                        </m:ctrlPr>
+                      </m:sSubPr>
+                      <m:e>
+                        <m:r>
+                          <a:rPr lang="en-US" b="0" i="1" smtClean="0">
+                            <a:latin typeface="Cambria Math" panose="02040503050406030204" pitchFamily="18" charset="0"/>
+                          </a:rPr>
+                          <m:t>𝑋</m:t>
+                        </m:r>
+                      </m:e>
+                      <m:sub>
+                        <m:r>
+                          <a:rPr lang="en-US" b="0" i="1" smtClean="0">
+                            <a:latin typeface="Cambria Math" panose="02040503050406030204" pitchFamily="18" charset="0"/>
+                          </a:rPr>
+                          <m:t>𝑡</m:t>
+                        </m:r>
+                      </m:sub>
+                    </m:sSub>
+                  </m:oMath>
+                </a14:m>
+                <a:endParaRPr lang="en-US" b="0" dirty="0"/>
+              </a:p>
+              <a:p>
+                <a:r>
+                  <a:rPr lang="en-US" dirty="0"/>
+                  <a:t>It is okay to simply set </a:t>
+                </a:r>
+                <a14:m>
+                  <m:oMath xmlns:m="http://schemas.openxmlformats.org/officeDocument/2006/math">
+                    <m:r>
+                      <m:rPr>
+                        <m:sty m:val="p"/>
+                      </m:rPr>
+                      <a:rPr lang="en-US" b="0" i="0" smtClean="0">
+                        <a:latin typeface="Cambria Math" panose="02040503050406030204" pitchFamily="18" charset="0"/>
+                      </a:rPr>
+                      <m:t>X</m:t>
+                    </m:r>
+                    <m:r>
+                      <a:rPr lang="en-US" b="0" i="1" smtClean="0">
+                        <a:latin typeface="Cambria Math" panose="02040503050406030204" pitchFamily="18" charset="0"/>
+                      </a:rPr>
+                      <m:t>∼</m:t>
+                    </m:r>
+                    <m:r>
+                      <a:rPr lang="en-US" b="0" i="1" smtClean="0">
+                        <a:latin typeface="Cambria Math" panose="02040503050406030204" pitchFamily="18" charset="0"/>
+                      </a:rPr>
+                      <m:t>𝑁</m:t>
+                    </m:r>
+                    <m:r>
+                      <a:rPr lang="en-US" b="0" i="1" smtClean="0">
+                        <a:latin typeface="Cambria Math" panose="02040503050406030204" pitchFamily="18" charset="0"/>
+                      </a:rPr>
+                      <m:t>(</m:t>
+                    </m:r>
+                    <m:r>
+                      <a:rPr lang="en-US" b="0" i="1" smtClean="0">
+                        <a:latin typeface="Cambria Math" panose="02040503050406030204" pitchFamily="18" charset="0"/>
+                      </a:rPr>
+                      <m:t>𝑡</m:t>
+                    </m:r>
+                    <m:sSub>
+                      <m:sSubPr>
+                        <m:ctrlPr>
+                          <a:rPr lang="en-US" b="0" i="1" smtClean="0">
+                            <a:latin typeface="Cambria Math" panose="02040503050406030204" pitchFamily="18" charset="0"/>
+                          </a:rPr>
+                        </m:ctrlPr>
+                      </m:sSubPr>
+                      <m:e>
+                        <m:r>
+                          <a:rPr lang="en-US" b="0" i="1" smtClean="0">
+                            <a:latin typeface="Cambria Math" panose="02040503050406030204" pitchFamily="18" charset="0"/>
+                          </a:rPr>
+                          <m:t>𝑋</m:t>
+                        </m:r>
+                      </m:e>
+                      <m:sub>
+                        <m:r>
+                          <a:rPr lang="en-US" b="0" i="1" smtClean="0">
+                            <a:latin typeface="Cambria Math" panose="02040503050406030204" pitchFamily="18" charset="0"/>
+                          </a:rPr>
+                          <m:t>1</m:t>
+                        </m:r>
+                      </m:sub>
+                    </m:sSub>
+                    <m:r>
+                      <a:rPr lang="en-US" b="0" i="1" smtClean="0">
+                        <a:latin typeface="Cambria Math" panose="02040503050406030204" pitchFamily="18" charset="0"/>
+                      </a:rPr>
+                      <m:t>+</m:t>
+                    </m:r>
+                    <m:d>
+                      <m:dPr>
+                        <m:ctrlPr>
+                          <a:rPr lang="en-US" b="0" i="1" smtClean="0">
+                            <a:latin typeface="Cambria Math" panose="02040503050406030204" pitchFamily="18" charset="0"/>
+                          </a:rPr>
+                        </m:ctrlPr>
+                      </m:dPr>
+                      <m:e>
+                        <m:r>
+                          <a:rPr lang="en-US" b="0" i="1" smtClean="0">
+                            <a:latin typeface="Cambria Math" panose="02040503050406030204" pitchFamily="18" charset="0"/>
+                          </a:rPr>
+                          <m:t>1−</m:t>
+                        </m:r>
+                        <m:r>
+                          <a:rPr lang="en-US" b="0" i="1" smtClean="0">
+                            <a:latin typeface="Cambria Math" panose="02040503050406030204" pitchFamily="18" charset="0"/>
+                          </a:rPr>
+                          <m:t>𝑡</m:t>
+                        </m:r>
+                      </m:e>
+                    </m:d>
+                    <m:sSub>
+                      <m:sSubPr>
+                        <m:ctrlPr>
+                          <a:rPr lang="en-US" b="0" i="1" smtClean="0">
+                            <a:latin typeface="Cambria Math" panose="02040503050406030204" pitchFamily="18" charset="0"/>
+                          </a:rPr>
+                        </m:ctrlPr>
+                      </m:sSubPr>
+                      <m:e>
+                        <m:r>
+                          <a:rPr lang="en-US" b="0" i="1" smtClean="0">
+                            <a:latin typeface="Cambria Math" panose="02040503050406030204" pitchFamily="18" charset="0"/>
+                          </a:rPr>
+                          <m:t>𝑋</m:t>
+                        </m:r>
+                      </m:e>
+                      <m:sub>
+                        <m:r>
+                          <a:rPr lang="en-US" b="0" i="1" smtClean="0">
+                            <a:latin typeface="Cambria Math" panose="02040503050406030204" pitchFamily="18" charset="0"/>
+                          </a:rPr>
+                          <m:t>0</m:t>
+                        </m:r>
+                      </m:sub>
+                    </m:sSub>
+                    <m:r>
+                      <a:rPr lang="en-US" b="0" i="1" smtClean="0">
+                        <a:latin typeface="Cambria Math" panose="02040503050406030204" pitchFamily="18" charset="0"/>
+                      </a:rPr>
+                      <m:t>, </m:t>
+                    </m:r>
+                    <m:sSup>
+                      <m:sSupPr>
+                        <m:ctrlPr>
+                          <a:rPr lang="en-US" b="0" i="1" smtClean="0">
+                            <a:latin typeface="Cambria Math" panose="02040503050406030204" pitchFamily="18" charset="0"/>
+                          </a:rPr>
+                        </m:ctrlPr>
+                      </m:sSupPr>
+                      <m:e>
+                        <m:r>
+                          <a:rPr lang="en-US" b="0" i="1" smtClean="0">
+                            <a:latin typeface="Cambria Math" panose="02040503050406030204" pitchFamily="18" charset="0"/>
+                          </a:rPr>
+                          <m:t>𝜎</m:t>
+                        </m:r>
+                      </m:e>
+                      <m:sup>
+                        <m:r>
+                          <a:rPr lang="en-US" b="0" i="1" smtClean="0">
+                            <a:latin typeface="Cambria Math" panose="02040503050406030204" pitchFamily="18" charset="0"/>
+                          </a:rPr>
+                          <m:t>2</m:t>
+                        </m:r>
+                      </m:sup>
+                    </m:sSup>
+                    <m:r>
+                      <a:rPr lang="en-US" b="0" i="1" smtClean="0">
+                        <a:latin typeface="Cambria Math" panose="02040503050406030204" pitchFamily="18" charset="0"/>
+                      </a:rPr>
+                      <m:t>)</m:t>
+                    </m:r>
+                  </m:oMath>
+                </a14:m>
+                <a:endParaRPr lang="en-US" dirty="0"/>
+              </a:p>
+              <a:p>
+                <a:r>
+                  <a:rPr lang="en-US" dirty="0"/>
+                  <a:t>Applying Wiener process to </a:t>
+                </a:r>
+                <a14:m>
+                  <m:oMath xmlns:m="http://schemas.openxmlformats.org/officeDocument/2006/math">
+                    <m:sSub>
+                      <m:sSubPr>
+                        <m:ctrlPr>
+                          <a:rPr lang="en-US" b="0" i="1" smtClean="0">
+                            <a:latin typeface="Cambria Math" panose="02040503050406030204" pitchFamily="18" charset="0"/>
+                          </a:rPr>
+                        </m:ctrlPr>
+                      </m:sSubPr>
+                      <m:e>
+                        <m:r>
+                          <a:rPr lang="en-US" b="0" i="1" smtClean="0">
+                            <a:latin typeface="Cambria Math" panose="02040503050406030204" pitchFamily="18" charset="0"/>
+                          </a:rPr>
+                          <m:t>𝑋</m:t>
+                        </m:r>
+                      </m:e>
+                      <m:sub>
+                        <m:r>
+                          <a:rPr lang="en-US" b="0" i="1" smtClean="0">
+                            <a:latin typeface="Cambria Math" panose="02040503050406030204" pitchFamily="18" charset="0"/>
+                          </a:rPr>
+                          <m:t>𝑡</m:t>
+                        </m:r>
+                      </m:sub>
+                    </m:sSub>
+                  </m:oMath>
+                </a14:m>
+                <a:r>
+                  <a:rPr lang="en-US" dirty="0"/>
+                  <a:t>, it becomes Diffusion! (SDE solver)</a:t>
+                </a:r>
+              </a:p>
+            </p:txBody>
+          </p:sp>
+        </mc:Choice>
+        <mc:Fallback>
+          <p:sp>
+            <p:nvSpPr>
+              <p:cNvPr id="3" name="내용 개체 틀 2">
+                <a:extLst>
+                  <a:ext uri="{FF2B5EF4-FFF2-40B4-BE49-F238E27FC236}">
+                    <a16:creationId xmlns:a16="http://schemas.microsoft.com/office/drawing/2014/main" id="{09A42461-82A2-C29B-0463-B90683B3C5F5}"/>
+                  </a:ext>
+                </a:extLst>
+              </p:cNvPr>
+              <p:cNvSpPr>
+                <a:spLocks noGrp="1" noRot="1" noChangeAspect="1" noMove="1" noResize="1" noEditPoints="1" noAdjustHandles="1" noChangeArrowheads="1" noChangeShapeType="1" noTextEdit="1"/>
+              </p:cNvSpPr>
+              <p:nvPr>
+                <p:ph idx="1"/>
+              </p:nvPr>
+            </p:nvSpPr>
+            <p:spPr>
+              <a:blipFill>
+                <a:blip r:embed="rId2"/>
+                <a:stretch>
+                  <a:fillRect l="-1043" t="-2381"/>
+                </a:stretch>
+              </a:blipFill>
+            </p:spPr>
+            <p:txBody>
+              <a:bodyPr/>
+              <a:lstStyle/>
+              <a:p>
+                <a:r>
+                  <a:rPr lang="en-US">
+                    <a:noFill/>
+                  </a:rPr>
+                  <a:t> </a:t>
+                </a:r>
+              </a:p>
+            </p:txBody>
+          </p:sp>
+        </mc:Fallback>
+      </mc:AlternateContent>
+      <p:sp>
+        <p:nvSpPr>
+          <p:cNvPr id="4" name="날짜 개체 틀 3">
+            <a:extLst>
+              <a:ext uri="{FF2B5EF4-FFF2-40B4-BE49-F238E27FC236}">
+                <a16:creationId xmlns:a16="http://schemas.microsoft.com/office/drawing/2014/main" id="{6BAC5201-ACAF-E1AD-E7EB-47FCB3B8D3F2}"/>
+              </a:ext>
+            </a:extLst>
+          </p:cNvPr>
+          <p:cNvSpPr>
+            <a:spLocks noGrp="1"/>
+          </p:cNvSpPr>
+          <p:nvPr>
+            <p:ph type="dt" sz="half" idx="10"/>
+          </p:nvPr>
+        </p:nvSpPr>
+        <p:spPr/>
+        <p:txBody>
+          <a:bodyPr/>
+          <a:lstStyle/>
+          <a:p>
+            <a:fld id="{CF64853D-3525-485A-80D9-E006B4737537}" type="datetime1">
+              <a:rPr lang="en-US" altLang="ko-KR" smtClean="0"/>
+              <a:t>6/10/2025</a:t>
+            </a:fld>
+            <a:endParaRPr lang="ko-KR" altLang="en-US"/>
+          </a:p>
+        </p:txBody>
+      </p:sp>
+      <p:sp>
+        <p:nvSpPr>
+          <p:cNvPr id="5" name="바닥글 개체 틀 4">
+            <a:extLst>
+              <a:ext uri="{FF2B5EF4-FFF2-40B4-BE49-F238E27FC236}">
+                <a16:creationId xmlns:a16="http://schemas.microsoft.com/office/drawing/2014/main" id="{A69FA3BF-50D3-2739-159C-F62DA5E60A41}"/>
+              </a:ext>
+            </a:extLst>
+          </p:cNvPr>
+          <p:cNvSpPr>
+            <a:spLocks noGrp="1"/>
+          </p:cNvSpPr>
+          <p:nvPr>
+            <p:ph type="ftr" sz="quarter" idx="11"/>
+          </p:nvPr>
+        </p:nvSpPr>
+        <p:spPr/>
+        <p:txBody>
+          <a:bodyPr/>
+          <a:lstStyle/>
+          <a:p>
+            <a:r>
+              <a:rPr lang="en-US" altLang="ko-KR"/>
+              <a:t>NCIA</a:t>
+            </a:r>
+            <a:endParaRPr lang="ko-KR" altLang="en-US" dirty="0"/>
+          </a:p>
+        </p:txBody>
+      </p:sp>
+      <p:sp>
+        <p:nvSpPr>
+          <p:cNvPr id="6" name="슬라이드 번호 개체 틀 5">
+            <a:extLst>
+              <a:ext uri="{FF2B5EF4-FFF2-40B4-BE49-F238E27FC236}">
+                <a16:creationId xmlns:a16="http://schemas.microsoft.com/office/drawing/2014/main" id="{BF24903F-3DA1-248E-EC75-0F494BED7E2F}"/>
+              </a:ext>
+            </a:extLst>
+          </p:cNvPr>
+          <p:cNvSpPr>
+            <a:spLocks noGrp="1"/>
+          </p:cNvSpPr>
+          <p:nvPr>
+            <p:ph type="sldNum" sz="quarter" idx="12"/>
+          </p:nvPr>
+        </p:nvSpPr>
+        <p:spPr/>
+        <p:txBody>
+          <a:bodyPr/>
+          <a:lstStyle/>
+          <a:p>
+            <a:fld id="{DA7F9607-BA5C-406C-B8F1-9CD3498981D2}" type="slidenum">
+              <a:rPr lang="ko-KR" altLang="en-US" smtClean="0"/>
+              <a:t>17</a:t>
+            </a:fld>
+            <a:endParaRPr lang="ko-KR" altLang="en-US"/>
+          </a:p>
+        </p:txBody>
+      </p:sp>
+      <p:pic>
+        <p:nvPicPr>
+          <p:cNvPr id="16" name="그림 15">
+            <a:extLst>
+              <a:ext uri="{FF2B5EF4-FFF2-40B4-BE49-F238E27FC236}">
+                <a16:creationId xmlns:a16="http://schemas.microsoft.com/office/drawing/2014/main" id="{20B47D20-B791-629F-F2E6-E44D13978420}"/>
+              </a:ext>
+            </a:extLst>
+          </p:cNvPr>
+          <p:cNvPicPr>
+            <a:picLocks noChangeAspect="1"/>
+          </p:cNvPicPr>
+          <p:nvPr/>
+        </p:nvPicPr>
+        <p:blipFill>
+          <a:blip r:embed="rId3"/>
+          <a:stretch>
+            <a:fillRect/>
+          </a:stretch>
+        </p:blipFill>
+        <p:spPr>
+          <a:xfrm>
+            <a:off x="363917" y="4534624"/>
+            <a:ext cx="2452560" cy="1642339"/>
+          </a:xfrm>
+          <a:prstGeom prst="rect">
+            <a:avLst/>
+          </a:prstGeom>
+        </p:spPr>
+      </p:pic>
+      <p:sp>
+        <p:nvSpPr>
+          <p:cNvPr id="7" name="TextBox 6">
+            <a:extLst>
+              <a:ext uri="{FF2B5EF4-FFF2-40B4-BE49-F238E27FC236}">
+                <a16:creationId xmlns:a16="http://schemas.microsoft.com/office/drawing/2014/main" id="{DD1D731A-2C8A-4A10-ACBA-37A977B97F7B}"/>
+              </a:ext>
+            </a:extLst>
+          </p:cNvPr>
+          <p:cNvSpPr txBox="1"/>
+          <p:nvPr/>
+        </p:nvSpPr>
+        <p:spPr>
+          <a:xfrm>
+            <a:off x="6533382" y="3841041"/>
+            <a:ext cx="4459747" cy="307777"/>
+          </a:xfrm>
+          <a:prstGeom prst="rect">
+            <a:avLst/>
+          </a:prstGeom>
+          <a:noFill/>
+        </p:spPr>
+        <p:txBody>
+          <a:bodyPr wrap="square" rtlCol="0">
+            <a:spAutoFit/>
+          </a:bodyPr>
+          <a:lstStyle/>
+          <a:p>
+            <a:pPr algn="ctr"/>
+            <a:r>
+              <a:rPr lang="en-US" sz="1400" dirty="0">
+                <a:solidFill>
+                  <a:srgbClr val="FF0000"/>
+                </a:solidFill>
+                <a:latin typeface="Times New Roman" panose="02020603050405020304" pitchFamily="18" charset="0"/>
+                <a:cs typeface="Times New Roman" panose="02020603050405020304" pitchFamily="18" charset="0"/>
+              </a:rPr>
+              <a:t>So, it generalizes Diffusion</a:t>
+            </a:r>
+          </a:p>
+        </p:txBody>
+      </p:sp>
+      <p:sp>
+        <p:nvSpPr>
+          <p:cNvPr id="8" name="TextBox 7">
+            <a:extLst>
+              <a:ext uri="{FF2B5EF4-FFF2-40B4-BE49-F238E27FC236}">
+                <a16:creationId xmlns:a16="http://schemas.microsoft.com/office/drawing/2014/main" id="{D5E7ECFC-1852-FEF6-E26C-AB5A4CC30902}"/>
+              </a:ext>
+            </a:extLst>
+          </p:cNvPr>
+          <p:cNvSpPr txBox="1"/>
+          <p:nvPr/>
+        </p:nvSpPr>
+        <p:spPr>
+          <a:xfrm>
+            <a:off x="697356" y="4047460"/>
+            <a:ext cx="3341244" cy="307777"/>
+          </a:xfrm>
+          <a:prstGeom prst="rect">
+            <a:avLst/>
+          </a:prstGeom>
+          <a:noFill/>
+        </p:spPr>
+        <p:txBody>
+          <a:bodyPr wrap="square" rtlCol="0">
+            <a:spAutoFit/>
+          </a:bodyPr>
+          <a:lstStyle/>
+          <a:p>
+            <a:pPr algn="ctr"/>
+            <a:r>
+              <a:rPr lang="en-US" sz="1400" dirty="0">
+                <a:solidFill>
+                  <a:srgbClr val="FF0000"/>
+                </a:solidFill>
+                <a:latin typeface="Times New Roman" panose="02020603050405020304" pitchFamily="18" charset="0"/>
+                <a:cs typeface="Times New Roman" panose="02020603050405020304" pitchFamily="18" charset="0"/>
+              </a:rPr>
+              <a:t>And it is less noisy and clear</a:t>
+            </a:r>
+          </a:p>
+        </p:txBody>
+      </p:sp>
+      <p:pic>
+        <p:nvPicPr>
+          <p:cNvPr id="13" name="그림 12">
+            <a:extLst>
+              <a:ext uri="{FF2B5EF4-FFF2-40B4-BE49-F238E27FC236}">
+                <a16:creationId xmlns:a16="http://schemas.microsoft.com/office/drawing/2014/main" id="{17B07862-E390-37FD-0DD7-2AFA9C208EAB}"/>
+              </a:ext>
+            </a:extLst>
+          </p:cNvPr>
+          <p:cNvPicPr>
+            <a:picLocks noChangeAspect="1"/>
+          </p:cNvPicPr>
+          <p:nvPr/>
+        </p:nvPicPr>
+        <p:blipFill>
+          <a:blip r:embed="rId4"/>
+          <a:stretch>
+            <a:fillRect/>
+          </a:stretch>
+        </p:blipFill>
+        <p:spPr>
+          <a:xfrm>
+            <a:off x="4120776" y="4148818"/>
+            <a:ext cx="6669525" cy="2682784"/>
+          </a:xfrm>
+          <a:prstGeom prst="rect">
+            <a:avLst/>
+          </a:prstGeom>
+        </p:spPr>
+      </p:pic>
+    </p:spTree>
+    <p:extLst>
+      <p:ext uri="{BB962C8B-B14F-4D97-AF65-F5344CB8AC3E}">
+        <p14:creationId xmlns:p14="http://schemas.microsoft.com/office/powerpoint/2010/main" val="1338551577"/>
+      </p:ext>
+    </p:extLst>
+  </p:cSld>
+  <p:clrMapOvr>
+    <a:masterClrMapping/>
+  </p:clrMapOvr>
+</p:sld>
+</file>
+
+<file path=ppt/slides/slide18.xml><?xml version="1.0" encoding="utf-8"?>
+<p:sld xmlns:a="http://schemas.openxmlformats.org/drawingml/2006/main" xmlns:r="http://schemas.openxmlformats.org/officeDocument/2006/relationships" xmlns:p="http://schemas.openxmlformats.org/presentationml/2006/main">
+  <p:cSld>
+    <p:spTree>
+      <p:nvGrpSpPr>
+        <p:cNvPr id="1" name="">
+          <a:extLst>
+            <a:ext uri="{FF2B5EF4-FFF2-40B4-BE49-F238E27FC236}">
+              <a16:creationId xmlns:a16="http://schemas.microsoft.com/office/drawing/2014/main" id="{C8514242-36F0-7935-6377-0BE9BD2498AD}"/>
+            </a:ext>
+          </a:extLst>
+        </p:cNvPr>
+        <p:cNvGrpSpPr/>
+        <p:nvPr/>
+      </p:nvGrpSpPr>
+      <p:grpSpPr>
+        <a:xfrm>
+          <a:off x="0" y="0"/>
+          <a:ext cx="0" cy="0"/>
+          <a:chOff x="0" y="0"/>
+          <a:chExt cx="0" cy="0"/>
+        </a:xfrm>
+      </p:grpSpPr>
+      <p:sp>
+        <p:nvSpPr>
+          <p:cNvPr id="2" name="제목 1">
+            <a:extLst>
+              <a:ext uri="{FF2B5EF4-FFF2-40B4-BE49-F238E27FC236}">
+                <a16:creationId xmlns:a16="http://schemas.microsoft.com/office/drawing/2014/main" id="{8A5ADC0F-3F22-56C2-AC44-19F109F830A8}"/>
+              </a:ext>
+            </a:extLst>
+          </p:cNvPr>
+          <p:cNvSpPr>
+            <a:spLocks noGrp="1"/>
+          </p:cNvSpPr>
+          <p:nvPr>
+            <p:ph type="title"/>
+          </p:nvPr>
+        </p:nvSpPr>
+        <p:spPr/>
+        <p:txBody>
+          <a:bodyPr/>
+          <a:lstStyle/>
+          <a:p>
+            <a:r>
+              <a:rPr lang="en-US" dirty="0"/>
+              <a:t>Rectified Flow</a:t>
+            </a:r>
+          </a:p>
+        </p:txBody>
+      </p:sp>
+      <p:sp>
+        <p:nvSpPr>
+          <p:cNvPr id="3" name="내용 개체 틀 2">
+            <a:extLst>
+              <a:ext uri="{FF2B5EF4-FFF2-40B4-BE49-F238E27FC236}">
+                <a16:creationId xmlns:a16="http://schemas.microsoft.com/office/drawing/2014/main" id="{474B0EE8-FECE-2FF3-285E-25B60D12B719}"/>
+              </a:ext>
+            </a:extLst>
+          </p:cNvPr>
+          <p:cNvSpPr>
+            <a:spLocks noGrp="1"/>
+          </p:cNvSpPr>
+          <p:nvPr>
+            <p:ph idx="1"/>
+          </p:nvPr>
+        </p:nvSpPr>
+        <p:spPr/>
+        <p:txBody>
+          <a:bodyPr/>
+          <a:lstStyle/>
+          <a:p>
+            <a:r>
+              <a:rPr lang="en-US" dirty="0"/>
+              <a:t>Straight path (linear interpolation) has great properties</a:t>
+            </a:r>
+          </a:p>
+          <a:p>
+            <a:r>
+              <a:rPr lang="en-US" dirty="0"/>
+              <a:t>With (almost) straight path, (almost) one-step Euler can sample!</a:t>
+            </a:r>
+          </a:p>
+          <a:p>
+            <a:r>
+              <a:rPr lang="en-US" dirty="0"/>
+              <a:t>By repeatedly training (</a:t>
+            </a:r>
+            <a:r>
+              <a:rPr lang="en-US" dirty="0" err="1"/>
+              <a:t>ReFlow</a:t>
+            </a:r>
+            <a:r>
+              <a:rPr lang="en-US" dirty="0"/>
+              <a:t>), one can intentionally straighten</a:t>
+            </a:r>
+          </a:p>
+          <a:p>
+            <a:r>
+              <a:rPr lang="en-US" dirty="0"/>
+              <a:t>Connection with optimal transport theory</a:t>
+            </a:r>
+          </a:p>
+        </p:txBody>
+      </p:sp>
+      <p:sp>
+        <p:nvSpPr>
+          <p:cNvPr id="4" name="날짜 개체 틀 3">
+            <a:extLst>
+              <a:ext uri="{FF2B5EF4-FFF2-40B4-BE49-F238E27FC236}">
+                <a16:creationId xmlns:a16="http://schemas.microsoft.com/office/drawing/2014/main" id="{D5CAF3CF-FA04-DC74-5529-2338329B137B}"/>
+              </a:ext>
+            </a:extLst>
+          </p:cNvPr>
+          <p:cNvSpPr>
+            <a:spLocks noGrp="1"/>
+          </p:cNvSpPr>
+          <p:nvPr>
+            <p:ph type="dt" sz="half" idx="10"/>
+          </p:nvPr>
+        </p:nvSpPr>
+        <p:spPr/>
+        <p:txBody>
+          <a:bodyPr/>
+          <a:lstStyle/>
+          <a:p>
+            <a:fld id="{CF64853D-3525-485A-80D9-E006B4737537}" type="datetime1">
+              <a:rPr lang="en-US" altLang="ko-KR" smtClean="0"/>
+              <a:t>6/10/2025</a:t>
+            </a:fld>
+            <a:endParaRPr lang="ko-KR" altLang="en-US"/>
+          </a:p>
+        </p:txBody>
+      </p:sp>
+      <p:sp>
+        <p:nvSpPr>
+          <p:cNvPr id="5" name="바닥글 개체 틀 4">
+            <a:extLst>
+              <a:ext uri="{FF2B5EF4-FFF2-40B4-BE49-F238E27FC236}">
+                <a16:creationId xmlns:a16="http://schemas.microsoft.com/office/drawing/2014/main" id="{32D47CF0-A8B8-C8F3-C07D-3048ED144641}"/>
+              </a:ext>
+            </a:extLst>
+          </p:cNvPr>
+          <p:cNvSpPr>
+            <a:spLocks noGrp="1"/>
+          </p:cNvSpPr>
+          <p:nvPr>
+            <p:ph type="ftr" sz="quarter" idx="11"/>
+          </p:nvPr>
+        </p:nvSpPr>
+        <p:spPr/>
+        <p:txBody>
+          <a:bodyPr/>
+          <a:lstStyle/>
+          <a:p>
+            <a:r>
+              <a:rPr lang="en-US" altLang="ko-KR"/>
+              <a:t>NCIA</a:t>
+            </a:r>
+            <a:endParaRPr lang="ko-KR" altLang="en-US" dirty="0"/>
+          </a:p>
+        </p:txBody>
+      </p:sp>
+      <p:sp>
+        <p:nvSpPr>
+          <p:cNvPr id="6" name="슬라이드 번호 개체 틀 5">
+            <a:extLst>
+              <a:ext uri="{FF2B5EF4-FFF2-40B4-BE49-F238E27FC236}">
+                <a16:creationId xmlns:a16="http://schemas.microsoft.com/office/drawing/2014/main" id="{F5FF6631-1EEB-16AA-D92B-B4FB6F997108}"/>
+              </a:ext>
+            </a:extLst>
+          </p:cNvPr>
+          <p:cNvSpPr>
+            <a:spLocks noGrp="1"/>
+          </p:cNvSpPr>
+          <p:nvPr>
+            <p:ph type="sldNum" sz="quarter" idx="12"/>
+          </p:nvPr>
+        </p:nvSpPr>
+        <p:spPr/>
+        <p:txBody>
+          <a:bodyPr/>
+          <a:lstStyle/>
+          <a:p>
+            <a:fld id="{DA7F9607-BA5C-406C-B8F1-9CD3498981D2}" type="slidenum">
+              <a:rPr lang="ko-KR" altLang="en-US" smtClean="0"/>
+              <a:t>18</a:t>
+            </a:fld>
+            <a:endParaRPr lang="ko-KR" altLang="en-US"/>
+          </a:p>
+        </p:txBody>
+      </p:sp>
+      <p:sp>
+        <p:nvSpPr>
+          <p:cNvPr id="9" name="TextBox 8">
+            <a:extLst>
+              <a:ext uri="{FF2B5EF4-FFF2-40B4-BE49-F238E27FC236}">
+                <a16:creationId xmlns:a16="http://schemas.microsoft.com/office/drawing/2014/main" id="{05C9C3E6-D938-555E-28FE-722E9A293438}"/>
+              </a:ext>
+            </a:extLst>
+          </p:cNvPr>
+          <p:cNvSpPr txBox="1"/>
+          <p:nvPr/>
+        </p:nvSpPr>
+        <p:spPr>
+          <a:xfrm>
+            <a:off x="3581400" y="5710019"/>
+            <a:ext cx="8291623" cy="923330"/>
+          </a:xfrm>
+          <a:prstGeom prst="rect">
+            <a:avLst/>
+          </a:prstGeom>
+          <a:noFill/>
+        </p:spPr>
+        <p:txBody>
+          <a:bodyPr wrap="square" rtlCol="0">
+            <a:spAutoFit/>
+          </a:bodyPr>
+          <a:lstStyle/>
+          <a:p>
+            <a:r>
+              <a:rPr lang="en-US" dirty="0">
+                <a:latin typeface="Times New Roman" panose="02020603050405020304" pitchFamily="18" charset="0"/>
+                <a:cs typeface="Times New Roman" panose="02020603050405020304" pitchFamily="18" charset="0"/>
+              </a:rPr>
+              <a:t>Liu, </a:t>
+            </a:r>
+            <a:r>
+              <a:rPr lang="en-US" dirty="0" err="1">
+                <a:latin typeface="Times New Roman" panose="02020603050405020304" pitchFamily="18" charset="0"/>
+                <a:cs typeface="Times New Roman" panose="02020603050405020304" pitchFamily="18" charset="0"/>
+              </a:rPr>
+              <a:t>Xingchao</a:t>
+            </a:r>
+            <a:r>
+              <a:rPr lang="en-US" dirty="0">
+                <a:latin typeface="Times New Roman" panose="02020603050405020304" pitchFamily="18" charset="0"/>
+                <a:cs typeface="Times New Roman" panose="02020603050405020304" pitchFamily="18" charset="0"/>
+              </a:rPr>
+              <a:t>, and </a:t>
+            </a:r>
+            <a:r>
+              <a:rPr lang="en-US" dirty="0" err="1">
+                <a:latin typeface="Times New Roman" panose="02020603050405020304" pitchFamily="18" charset="0"/>
+                <a:cs typeface="Times New Roman" panose="02020603050405020304" pitchFamily="18" charset="0"/>
+              </a:rPr>
+              <a:t>Chengyue</a:t>
+            </a:r>
+            <a:r>
+              <a:rPr lang="en-US" dirty="0">
+                <a:latin typeface="Times New Roman" panose="02020603050405020304" pitchFamily="18" charset="0"/>
+                <a:cs typeface="Times New Roman" panose="02020603050405020304" pitchFamily="18" charset="0"/>
+              </a:rPr>
+              <a:t> Gong. "Flow Straight and Fast: Learning to Generate and Transfer Data with Rectified Flow." The Eleventh International Conference on Learning Representations. (‘23)</a:t>
+            </a:r>
+          </a:p>
+        </p:txBody>
+      </p:sp>
+      <p:pic>
+        <p:nvPicPr>
+          <p:cNvPr id="8" name="그림 7">
+            <a:extLst>
+              <a:ext uri="{FF2B5EF4-FFF2-40B4-BE49-F238E27FC236}">
+                <a16:creationId xmlns:a16="http://schemas.microsoft.com/office/drawing/2014/main" id="{FC753E14-81F5-F396-F4DC-C696D9F77AB4}"/>
+              </a:ext>
+            </a:extLst>
+          </p:cNvPr>
+          <p:cNvPicPr>
+            <a:picLocks noChangeAspect="1"/>
+          </p:cNvPicPr>
+          <p:nvPr/>
+        </p:nvPicPr>
+        <p:blipFill>
+          <a:blip r:embed="rId2"/>
+          <a:stretch>
+            <a:fillRect/>
+          </a:stretch>
+        </p:blipFill>
+        <p:spPr>
+          <a:xfrm>
+            <a:off x="1556704" y="4170733"/>
+            <a:ext cx="9078592" cy="981212"/>
+          </a:xfrm>
+          <a:prstGeom prst="rect">
+            <a:avLst/>
+          </a:prstGeom>
+        </p:spPr>
+      </p:pic>
+    </p:spTree>
+    <p:extLst>
+      <p:ext uri="{BB962C8B-B14F-4D97-AF65-F5344CB8AC3E}">
+        <p14:creationId xmlns:p14="http://schemas.microsoft.com/office/powerpoint/2010/main" val="4124290340"/>
+      </p:ext>
+    </p:extLst>
+  </p:cSld>
+  <p:clrMapOvr>
+    <a:masterClrMapping/>
+  </p:clrMapOvr>
+</p:sld>
+</file>
+
+<file path=ppt/slides/slide19.xml><?xml version="1.0" encoding="utf-8"?>
+<p:sld xmlns:a="http://schemas.openxmlformats.org/drawingml/2006/main" xmlns:r="http://schemas.openxmlformats.org/officeDocument/2006/relationships" xmlns:p="http://schemas.openxmlformats.org/presentationml/2006/main">
+  <p:cSld>
+    <p:spTree>
+      <p:nvGrpSpPr>
+        <p:cNvPr id="1" name="">
+          <a:extLst>
+            <a:ext uri="{FF2B5EF4-FFF2-40B4-BE49-F238E27FC236}">
+              <a16:creationId xmlns:a16="http://schemas.microsoft.com/office/drawing/2014/main" id="{3C0363D0-C3CF-B0F8-7860-40D221EF3C0F}"/>
+            </a:ext>
+          </a:extLst>
+        </p:cNvPr>
+        <p:cNvGrpSpPr/>
+        <p:nvPr/>
+      </p:nvGrpSpPr>
+      <p:grpSpPr>
+        <a:xfrm>
+          <a:off x="0" y="0"/>
+          <a:ext cx="0" cy="0"/>
+          <a:chOff x="0" y="0"/>
+          <a:chExt cx="0" cy="0"/>
+        </a:xfrm>
+      </p:grpSpPr>
+      <p:sp>
+        <p:nvSpPr>
+          <p:cNvPr id="2" name="제목 1">
+            <a:extLst>
+              <a:ext uri="{FF2B5EF4-FFF2-40B4-BE49-F238E27FC236}">
+                <a16:creationId xmlns:a16="http://schemas.microsoft.com/office/drawing/2014/main" id="{6554C94F-081B-4559-C2F9-B0DA9A9796E0}"/>
+              </a:ext>
+            </a:extLst>
+          </p:cNvPr>
+          <p:cNvSpPr>
+            <a:spLocks noGrp="1"/>
+          </p:cNvSpPr>
+          <p:nvPr>
+            <p:ph type="title"/>
+          </p:nvPr>
+        </p:nvSpPr>
+        <p:spPr/>
+        <p:txBody>
+          <a:bodyPr/>
+          <a:lstStyle/>
+          <a:p>
+            <a:r>
+              <a:rPr lang="en-US" dirty="0"/>
+              <a:t>Rectified Flow</a:t>
+            </a:r>
+          </a:p>
+        </p:txBody>
+      </p:sp>
+      <p:sp>
+        <p:nvSpPr>
+          <p:cNvPr id="3" name="내용 개체 틀 2">
+            <a:extLst>
+              <a:ext uri="{FF2B5EF4-FFF2-40B4-BE49-F238E27FC236}">
+                <a16:creationId xmlns:a16="http://schemas.microsoft.com/office/drawing/2014/main" id="{EDCDA561-A65A-381D-28CB-0355F47D0AE6}"/>
+              </a:ext>
+            </a:extLst>
+          </p:cNvPr>
+          <p:cNvSpPr>
+            <a:spLocks noGrp="1"/>
+          </p:cNvSpPr>
+          <p:nvPr>
+            <p:ph idx="1"/>
+          </p:nvPr>
+        </p:nvSpPr>
+        <p:spPr/>
+        <p:txBody>
+          <a:bodyPr/>
+          <a:lstStyle/>
+          <a:p>
+            <a:r>
+              <a:rPr lang="en-US" dirty="0"/>
+              <a:t>Straight path (linear interpolation) has great properties</a:t>
+            </a:r>
+          </a:p>
+          <a:p>
+            <a:r>
+              <a:rPr lang="en-US" dirty="0"/>
+              <a:t>With (almost) straight path, (almost) one-step Euler can sample!</a:t>
+            </a:r>
+          </a:p>
+          <a:p>
+            <a:r>
+              <a:rPr lang="en-US" dirty="0"/>
+              <a:t>By repeatedly training (</a:t>
+            </a:r>
+            <a:r>
+              <a:rPr lang="en-US" dirty="0" err="1"/>
+              <a:t>ReFlow</a:t>
+            </a:r>
+            <a:r>
+              <a:rPr lang="en-US" dirty="0"/>
+              <a:t>), one can intentionally straighten</a:t>
+            </a:r>
+          </a:p>
+          <a:p>
+            <a:r>
+              <a:rPr lang="en-US" dirty="0"/>
+              <a:t>Connection with optimal transport theory</a:t>
+            </a:r>
+          </a:p>
+        </p:txBody>
+      </p:sp>
+      <p:sp>
+        <p:nvSpPr>
+          <p:cNvPr id="4" name="날짜 개체 틀 3">
+            <a:extLst>
+              <a:ext uri="{FF2B5EF4-FFF2-40B4-BE49-F238E27FC236}">
+                <a16:creationId xmlns:a16="http://schemas.microsoft.com/office/drawing/2014/main" id="{B885CFC8-D5B6-9A4C-6185-DC4D808D7520}"/>
+              </a:ext>
+            </a:extLst>
+          </p:cNvPr>
+          <p:cNvSpPr>
+            <a:spLocks noGrp="1"/>
+          </p:cNvSpPr>
+          <p:nvPr>
+            <p:ph type="dt" sz="half" idx="10"/>
+          </p:nvPr>
+        </p:nvSpPr>
+        <p:spPr/>
+        <p:txBody>
+          <a:bodyPr/>
+          <a:lstStyle/>
+          <a:p>
+            <a:fld id="{CF64853D-3525-485A-80D9-E006B4737537}" type="datetime1">
+              <a:rPr lang="en-US" altLang="ko-KR" smtClean="0"/>
+              <a:t>6/10/2025</a:t>
+            </a:fld>
+            <a:endParaRPr lang="ko-KR" altLang="en-US"/>
+          </a:p>
+        </p:txBody>
+      </p:sp>
+      <p:sp>
+        <p:nvSpPr>
+          <p:cNvPr id="5" name="바닥글 개체 틀 4">
+            <a:extLst>
+              <a:ext uri="{FF2B5EF4-FFF2-40B4-BE49-F238E27FC236}">
+                <a16:creationId xmlns:a16="http://schemas.microsoft.com/office/drawing/2014/main" id="{7D989D04-43BA-8860-9A92-ADBA90D26E1D}"/>
+              </a:ext>
+            </a:extLst>
+          </p:cNvPr>
+          <p:cNvSpPr>
+            <a:spLocks noGrp="1"/>
+          </p:cNvSpPr>
+          <p:nvPr>
+            <p:ph type="ftr" sz="quarter" idx="11"/>
+          </p:nvPr>
+        </p:nvSpPr>
+        <p:spPr/>
+        <p:txBody>
+          <a:bodyPr/>
+          <a:lstStyle/>
+          <a:p>
+            <a:r>
+              <a:rPr lang="en-US" altLang="ko-KR"/>
+              <a:t>NCIA</a:t>
+            </a:r>
+            <a:endParaRPr lang="ko-KR" altLang="en-US" dirty="0"/>
+          </a:p>
+        </p:txBody>
+      </p:sp>
+      <p:sp>
+        <p:nvSpPr>
+          <p:cNvPr id="6" name="슬라이드 번호 개체 틀 5">
+            <a:extLst>
+              <a:ext uri="{FF2B5EF4-FFF2-40B4-BE49-F238E27FC236}">
+                <a16:creationId xmlns:a16="http://schemas.microsoft.com/office/drawing/2014/main" id="{E333AF43-6FBB-923C-0151-6C581B6E7EF8}"/>
+              </a:ext>
+            </a:extLst>
+          </p:cNvPr>
+          <p:cNvSpPr>
+            <a:spLocks noGrp="1"/>
+          </p:cNvSpPr>
+          <p:nvPr>
+            <p:ph type="sldNum" sz="quarter" idx="12"/>
+          </p:nvPr>
+        </p:nvSpPr>
+        <p:spPr/>
+        <p:txBody>
+          <a:bodyPr/>
+          <a:lstStyle/>
+          <a:p>
+            <a:fld id="{DA7F9607-BA5C-406C-B8F1-9CD3498981D2}" type="slidenum">
+              <a:rPr lang="ko-KR" altLang="en-US" smtClean="0"/>
+              <a:t>19</a:t>
+            </a:fld>
+            <a:endParaRPr lang="ko-KR" altLang="en-US"/>
+          </a:p>
+        </p:txBody>
+      </p:sp>
+      <p:pic>
+        <p:nvPicPr>
+          <p:cNvPr id="8" name="그림 7">
+            <a:extLst>
+              <a:ext uri="{FF2B5EF4-FFF2-40B4-BE49-F238E27FC236}">
+                <a16:creationId xmlns:a16="http://schemas.microsoft.com/office/drawing/2014/main" id="{0237EE90-E76C-BA76-6C1B-4DBD1DB466F7}"/>
+              </a:ext>
+            </a:extLst>
+          </p:cNvPr>
+          <p:cNvPicPr>
+            <a:picLocks noChangeAspect="1"/>
+          </p:cNvPicPr>
+          <p:nvPr/>
+        </p:nvPicPr>
+        <p:blipFill>
+          <a:blip r:embed="rId2"/>
+          <a:stretch>
+            <a:fillRect/>
+          </a:stretch>
+        </p:blipFill>
+        <p:spPr>
+          <a:xfrm>
+            <a:off x="1556704" y="4170733"/>
+            <a:ext cx="9078592" cy="981212"/>
+          </a:xfrm>
+          <a:prstGeom prst="rect">
+            <a:avLst/>
+          </a:prstGeom>
+        </p:spPr>
+      </p:pic>
+      <p:pic>
+        <p:nvPicPr>
+          <p:cNvPr id="13" name="그림 12">
+            <a:extLst>
+              <a:ext uri="{FF2B5EF4-FFF2-40B4-BE49-F238E27FC236}">
+                <a16:creationId xmlns:a16="http://schemas.microsoft.com/office/drawing/2014/main" id="{4E289B5C-4E5F-C7BF-16A3-5A7E644B92D7}"/>
+              </a:ext>
+            </a:extLst>
+          </p:cNvPr>
+          <p:cNvPicPr>
+            <a:picLocks noChangeAspect="1"/>
+          </p:cNvPicPr>
+          <p:nvPr/>
+        </p:nvPicPr>
+        <p:blipFill>
+          <a:blip r:embed="rId3"/>
+          <a:stretch>
+            <a:fillRect/>
+          </a:stretch>
+        </p:blipFill>
+        <p:spPr>
+          <a:xfrm>
+            <a:off x="1285203" y="3884943"/>
+            <a:ext cx="9621593" cy="2534004"/>
+          </a:xfrm>
+          <a:prstGeom prst="rect">
+            <a:avLst/>
+          </a:prstGeom>
+        </p:spPr>
+      </p:pic>
+    </p:spTree>
+    <p:extLst>
+      <p:ext uri="{BB962C8B-B14F-4D97-AF65-F5344CB8AC3E}">
+        <p14:creationId xmlns:p14="http://schemas.microsoft.com/office/powerpoint/2010/main" val="225367992"/>
       </p:ext>
     </p:extLst>
   </p:cSld>
@@ -5210,6 +10331,551 @@
     <p:extLst>
       <p:ext uri="{BB962C8B-B14F-4D97-AF65-F5344CB8AC3E}">
         <p14:creationId xmlns:p14="http://schemas.microsoft.com/office/powerpoint/2010/main" val="1527412966"/>
+      </p:ext>
+    </p:extLst>
+  </p:cSld>
+  <p:clrMapOvr>
+    <a:masterClrMapping/>
+  </p:clrMapOvr>
+</p:sld>
+</file>
+
+<file path=ppt/slides/slide20.xml><?xml version="1.0" encoding="utf-8"?>
+<p:sld xmlns:a="http://schemas.openxmlformats.org/drawingml/2006/main" xmlns:r="http://schemas.openxmlformats.org/officeDocument/2006/relationships" xmlns:p="http://schemas.openxmlformats.org/presentationml/2006/main">
+  <p:cSld>
+    <p:spTree>
+      <p:nvGrpSpPr>
+        <p:cNvPr id="1" name="">
+          <a:extLst>
+            <a:ext uri="{FF2B5EF4-FFF2-40B4-BE49-F238E27FC236}">
+              <a16:creationId xmlns:a16="http://schemas.microsoft.com/office/drawing/2014/main" id="{CA125715-8DA8-01E0-62E0-9CCBCBBA87D7}"/>
+            </a:ext>
+          </a:extLst>
+        </p:cNvPr>
+        <p:cNvGrpSpPr/>
+        <p:nvPr/>
+      </p:nvGrpSpPr>
+      <p:grpSpPr>
+        <a:xfrm>
+          <a:off x="0" y="0"/>
+          <a:ext cx="0" cy="0"/>
+          <a:chOff x="0" y="0"/>
+          <a:chExt cx="0" cy="0"/>
+        </a:xfrm>
+      </p:grpSpPr>
+      <p:sp>
+        <p:nvSpPr>
+          <p:cNvPr id="2" name="제목 1">
+            <a:extLst>
+              <a:ext uri="{FF2B5EF4-FFF2-40B4-BE49-F238E27FC236}">
+                <a16:creationId xmlns:a16="http://schemas.microsoft.com/office/drawing/2014/main" id="{48DE3302-7C75-0905-759D-060025A397FB}"/>
+              </a:ext>
+            </a:extLst>
+          </p:cNvPr>
+          <p:cNvSpPr>
+            <a:spLocks noGrp="1"/>
+          </p:cNvSpPr>
+          <p:nvPr>
+            <p:ph type="title"/>
+          </p:nvPr>
+        </p:nvSpPr>
+        <p:spPr/>
+        <p:txBody>
+          <a:bodyPr/>
+          <a:lstStyle/>
+          <a:p>
+            <a:r>
+              <a:rPr lang="en-US" dirty="0"/>
+              <a:t>Rectified Flow</a:t>
+            </a:r>
+          </a:p>
+        </p:txBody>
+      </p:sp>
+      <p:sp>
+        <p:nvSpPr>
+          <p:cNvPr id="4" name="날짜 개체 틀 3">
+            <a:extLst>
+              <a:ext uri="{FF2B5EF4-FFF2-40B4-BE49-F238E27FC236}">
+                <a16:creationId xmlns:a16="http://schemas.microsoft.com/office/drawing/2014/main" id="{326778EA-531E-E273-F043-AD94188668B8}"/>
+              </a:ext>
+            </a:extLst>
+          </p:cNvPr>
+          <p:cNvSpPr>
+            <a:spLocks noGrp="1"/>
+          </p:cNvSpPr>
+          <p:nvPr>
+            <p:ph type="dt" sz="half" idx="10"/>
+          </p:nvPr>
+        </p:nvSpPr>
+        <p:spPr/>
+        <p:txBody>
+          <a:bodyPr/>
+          <a:lstStyle/>
+          <a:p>
+            <a:fld id="{CF64853D-3525-485A-80D9-E006B4737537}" type="datetime1">
+              <a:rPr lang="en-US" altLang="ko-KR" smtClean="0"/>
+              <a:t>6/10/2025</a:t>
+            </a:fld>
+            <a:endParaRPr lang="ko-KR" altLang="en-US"/>
+          </a:p>
+        </p:txBody>
+      </p:sp>
+      <p:sp>
+        <p:nvSpPr>
+          <p:cNvPr id="5" name="바닥글 개체 틀 4">
+            <a:extLst>
+              <a:ext uri="{FF2B5EF4-FFF2-40B4-BE49-F238E27FC236}">
+                <a16:creationId xmlns:a16="http://schemas.microsoft.com/office/drawing/2014/main" id="{D5538051-1749-798A-A303-4EBA46DD4D88}"/>
+              </a:ext>
+            </a:extLst>
+          </p:cNvPr>
+          <p:cNvSpPr>
+            <a:spLocks noGrp="1"/>
+          </p:cNvSpPr>
+          <p:nvPr>
+            <p:ph type="ftr" sz="quarter" idx="11"/>
+          </p:nvPr>
+        </p:nvSpPr>
+        <p:spPr/>
+        <p:txBody>
+          <a:bodyPr/>
+          <a:lstStyle/>
+          <a:p>
+            <a:r>
+              <a:rPr lang="en-US" altLang="ko-KR"/>
+              <a:t>NCIA</a:t>
+            </a:r>
+            <a:endParaRPr lang="ko-KR" altLang="en-US" dirty="0"/>
+          </a:p>
+        </p:txBody>
+      </p:sp>
+      <p:sp>
+        <p:nvSpPr>
+          <p:cNvPr id="6" name="슬라이드 번호 개체 틀 5">
+            <a:extLst>
+              <a:ext uri="{FF2B5EF4-FFF2-40B4-BE49-F238E27FC236}">
+                <a16:creationId xmlns:a16="http://schemas.microsoft.com/office/drawing/2014/main" id="{65F79FBA-7725-63A7-C3DE-8E6AD453E8D9}"/>
+              </a:ext>
+            </a:extLst>
+          </p:cNvPr>
+          <p:cNvSpPr>
+            <a:spLocks noGrp="1"/>
+          </p:cNvSpPr>
+          <p:nvPr>
+            <p:ph type="sldNum" sz="quarter" idx="12"/>
+          </p:nvPr>
+        </p:nvSpPr>
+        <p:spPr/>
+        <p:txBody>
+          <a:bodyPr/>
+          <a:lstStyle/>
+          <a:p>
+            <a:fld id="{DA7F9607-BA5C-406C-B8F1-9CD3498981D2}" type="slidenum">
+              <a:rPr lang="ko-KR" altLang="en-US" smtClean="0"/>
+              <a:t>20</a:t>
+            </a:fld>
+            <a:endParaRPr lang="ko-KR" altLang="en-US"/>
+          </a:p>
+        </p:txBody>
+      </p:sp>
+      <p:pic>
+        <p:nvPicPr>
+          <p:cNvPr id="17" name="그림 16">
+            <a:extLst>
+              <a:ext uri="{FF2B5EF4-FFF2-40B4-BE49-F238E27FC236}">
+                <a16:creationId xmlns:a16="http://schemas.microsoft.com/office/drawing/2014/main" id="{867D9258-F676-8F98-D10C-E67AD54A4E12}"/>
+              </a:ext>
+            </a:extLst>
+          </p:cNvPr>
+          <p:cNvPicPr>
+            <a:picLocks noChangeAspect="1"/>
+          </p:cNvPicPr>
+          <p:nvPr/>
+        </p:nvPicPr>
+        <p:blipFill>
+          <a:blip r:embed="rId2"/>
+          <a:stretch>
+            <a:fillRect/>
+          </a:stretch>
+        </p:blipFill>
+        <p:spPr>
+          <a:xfrm>
+            <a:off x="1950188" y="3359815"/>
+            <a:ext cx="8291623" cy="3222689"/>
+          </a:xfrm>
+          <a:prstGeom prst="rect">
+            <a:avLst/>
+          </a:prstGeom>
+        </p:spPr>
+      </p:pic>
+      <p:pic>
+        <p:nvPicPr>
+          <p:cNvPr id="19" name="그림 18">
+            <a:extLst>
+              <a:ext uri="{FF2B5EF4-FFF2-40B4-BE49-F238E27FC236}">
+                <a16:creationId xmlns:a16="http://schemas.microsoft.com/office/drawing/2014/main" id="{463742F2-4090-62CE-9A0D-BC4BBADF6819}"/>
+              </a:ext>
+            </a:extLst>
+          </p:cNvPr>
+          <p:cNvPicPr>
+            <a:picLocks noChangeAspect="1"/>
+          </p:cNvPicPr>
+          <p:nvPr/>
+        </p:nvPicPr>
+        <p:blipFill>
+          <a:blip r:embed="rId3"/>
+          <a:stretch>
+            <a:fillRect/>
+          </a:stretch>
+        </p:blipFill>
+        <p:spPr>
+          <a:xfrm>
+            <a:off x="1950188" y="565719"/>
+            <a:ext cx="8291623" cy="2794096"/>
+          </a:xfrm>
+          <a:prstGeom prst="rect">
+            <a:avLst/>
+          </a:prstGeom>
+        </p:spPr>
+      </p:pic>
+    </p:spTree>
+    <p:extLst>
+      <p:ext uri="{BB962C8B-B14F-4D97-AF65-F5344CB8AC3E}">
+        <p14:creationId xmlns:p14="http://schemas.microsoft.com/office/powerpoint/2010/main" val="2582747636"/>
+      </p:ext>
+    </p:extLst>
+  </p:cSld>
+  <p:clrMapOvr>
+    <a:masterClrMapping/>
+  </p:clrMapOvr>
+</p:sld>
+</file>
+
+<file path=ppt/slides/slide21.xml><?xml version="1.0" encoding="utf-8"?>
+<p:sld xmlns:a="http://schemas.openxmlformats.org/drawingml/2006/main" xmlns:r="http://schemas.openxmlformats.org/officeDocument/2006/relationships" xmlns:p="http://schemas.openxmlformats.org/presentationml/2006/main">
+  <p:cSld>
+    <p:spTree>
+      <p:nvGrpSpPr>
+        <p:cNvPr id="1" name=""/>
+        <p:cNvGrpSpPr/>
+        <p:nvPr/>
+      </p:nvGrpSpPr>
+      <p:grpSpPr>
+        <a:xfrm>
+          <a:off x="0" y="0"/>
+          <a:ext cx="0" cy="0"/>
+          <a:chOff x="0" y="0"/>
+          <a:chExt cx="0" cy="0"/>
+        </a:xfrm>
+      </p:grpSpPr>
+      <p:sp>
+        <p:nvSpPr>
+          <p:cNvPr id="2" name="제목 1">
+            <a:extLst>
+              <a:ext uri="{FF2B5EF4-FFF2-40B4-BE49-F238E27FC236}">
+                <a16:creationId xmlns:a16="http://schemas.microsoft.com/office/drawing/2014/main" id="{59DBDFFD-9F00-19D5-1FE5-6D60BF3A9681}"/>
+              </a:ext>
+            </a:extLst>
+          </p:cNvPr>
+          <p:cNvSpPr>
+            <a:spLocks noGrp="1"/>
+          </p:cNvSpPr>
+          <p:nvPr>
+            <p:ph type="title"/>
+          </p:nvPr>
+        </p:nvSpPr>
+        <p:spPr/>
+        <p:txBody>
+          <a:bodyPr/>
+          <a:lstStyle/>
+          <a:p>
+            <a:r>
+              <a:rPr lang="en-US" dirty="0"/>
+              <a:t>Further Studies…</a:t>
+            </a:r>
+          </a:p>
+        </p:txBody>
+      </p:sp>
+      <p:sp>
+        <p:nvSpPr>
+          <p:cNvPr id="3" name="내용 개체 틀 2">
+            <a:extLst>
+              <a:ext uri="{FF2B5EF4-FFF2-40B4-BE49-F238E27FC236}">
+                <a16:creationId xmlns:a16="http://schemas.microsoft.com/office/drawing/2014/main" id="{259E44A9-C75D-78AC-1264-DC66D8EAF165}"/>
+              </a:ext>
+            </a:extLst>
+          </p:cNvPr>
+          <p:cNvSpPr>
+            <a:spLocks noGrp="1"/>
+          </p:cNvSpPr>
+          <p:nvPr>
+            <p:ph idx="1"/>
+          </p:nvPr>
+        </p:nvSpPr>
+        <p:spPr/>
+        <p:txBody>
+          <a:bodyPr/>
+          <a:lstStyle/>
+          <a:p>
+            <a:r>
+              <a:rPr lang="en-US" dirty="0"/>
+              <a:t>Optimal transport</a:t>
+            </a:r>
+          </a:p>
+          <a:p>
+            <a:pPr lvl="1"/>
+            <a:r>
+              <a:rPr lang="en-US" sz="1800" dirty="0"/>
+              <a:t>Kornilov, Nikita, et al. "Optimal flow matching: Learning straight trajectories in just one step." Advances in Neural Information Processing Systems 37 (2024): 104180-104204.</a:t>
+            </a:r>
+          </a:p>
+          <a:p>
+            <a:r>
+              <a:rPr lang="en-US" dirty="0"/>
+              <a:t>SOTA quality</a:t>
+            </a:r>
+          </a:p>
+          <a:p>
+            <a:pPr lvl="1"/>
+            <a:r>
+              <a:rPr lang="en-US" sz="1800" dirty="0"/>
+              <a:t>Zhai, </a:t>
+            </a:r>
+            <a:r>
+              <a:rPr lang="en-US" sz="1800" dirty="0" err="1"/>
+              <a:t>Shuangfei</a:t>
+            </a:r>
+            <a:r>
+              <a:rPr lang="en-US" sz="1800" dirty="0"/>
+              <a:t>, et al. "Normalizing flows are capable generative models." </a:t>
+            </a:r>
+            <a:r>
+              <a:rPr lang="en-US" sz="1800" dirty="0" err="1"/>
+              <a:t>arXiv</a:t>
+            </a:r>
+            <a:r>
+              <a:rPr lang="en-US" sz="1800" dirty="0"/>
+              <a:t> preprint arXiv:2412.06329 (2024).</a:t>
+            </a:r>
+          </a:p>
+          <a:p>
+            <a:r>
+              <a:rPr lang="en-US" dirty="0"/>
+              <a:t>Why is generalization (diversity) good?</a:t>
+            </a:r>
+          </a:p>
+          <a:p>
+            <a:r>
+              <a:rPr lang="en-US" dirty="0"/>
+              <a:t>Other domains than image, e.g., video, text, multi-modal, 3D, graphics</a:t>
+            </a:r>
+          </a:p>
+        </p:txBody>
+      </p:sp>
+      <p:sp>
+        <p:nvSpPr>
+          <p:cNvPr id="4" name="날짜 개체 틀 3">
+            <a:extLst>
+              <a:ext uri="{FF2B5EF4-FFF2-40B4-BE49-F238E27FC236}">
+                <a16:creationId xmlns:a16="http://schemas.microsoft.com/office/drawing/2014/main" id="{480083F3-A200-DEC8-DCE5-22B6DF9E2228}"/>
+              </a:ext>
+            </a:extLst>
+          </p:cNvPr>
+          <p:cNvSpPr>
+            <a:spLocks noGrp="1"/>
+          </p:cNvSpPr>
+          <p:nvPr>
+            <p:ph type="dt" sz="half" idx="10"/>
+          </p:nvPr>
+        </p:nvSpPr>
+        <p:spPr/>
+        <p:txBody>
+          <a:bodyPr/>
+          <a:lstStyle/>
+          <a:p>
+            <a:fld id="{CF64853D-3525-485A-80D9-E006B4737537}" type="datetime1">
+              <a:rPr lang="en-US" altLang="ko-KR" smtClean="0"/>
+              <a:t>6/10/2025</a:t>
+            </a:fld>
+            <a:endParaRPr lang="ko-KR" altLang="en-US"/>
+          </a:p>
+        </p:txBody>
+      </p:sp>
+      <p:sp>
+        <p:nvSpPr>
+          <p:cNvPr id="5" name="바닥글 개체 틀 4">
+            <a:extLst>
+              <a:ext uri="{FF2B5EF4-FFF2-40B4-BE49-F238E27FC236}">
+                <a16:creationId xmlns:a16="http://schemas.microsoft.com/office/drawing/2014/main" id="{5A1A6F0F-01C6-1A0B-455E-DADAE7E9D3CD}"/>
+              </a:ext>
+            </a:extLst>
+          </p:cNvPr>
+          <p:cNvSpPr>
+            <a:spLocks noGrp="1"/>
+          </p:cNvSpPr>
+          <p:nvPr>
+            <p:ph type="ftr" sz="quarter" idx="11"/>
+          </p:nvPr>
+        </p:nvSpPr>
+        <p:spPr/>
+        <p:txBody>
+          <a:bodyPr/>
+          <a:lstStyle/>
+          <a:p>
+            <a:r>
+              <a:rPr lang="en-US" altLang="ko-KR"/>
+              <a:t>NCIA</a:t>
+            </a:r>
+            <a:endParaRPr lang="ko-KR" altLang="en-US" dirty="0"/>
+          </a:p>
+        </p:txBody>
+      </p:sp>
+      <p:sp>
+        <p:nvSpPr>
+          <p:cNvPr id="6" name="슬라이드 번호 개체 틀 5">
+            <a:extLst>
+              <a:ext uri="{FF2B5EF4-FFF2-40B4-BE49-F238E27FC236}">
+                <a16:creationId xmlns:a16="http://schemas.microsoft.com/office/drawing/2014/main" id="{BBF9B199-C1F9-4F98-7612-BED47F60B9D3}"/>
+              </a:ext>
+            </a:extLst>
+          </p:cNvPr>
+          <p:cNvSpPr>
+            <a:spLocks noGrp="1"/>
+          </p:cNvSpPr>
+          <p:nvPr>
+            <p:ph type="sldNum" sz="quarter" idx="12"/>
+          </p:nvPr>
+        </p:nvSpPr>
+        <p:spPr/>
+        <p:txBody>
+          <a:bodyPr/>
+          <a:lstStyle/>
+          <a:p>
+            <a:fld id="{DA7F9607-BA5C-406C-B8F1-9CD3498981D2}" type="slidenum">
+              <a:rPr lang="ko-KR" altLang="en-US" smtClean="0"/>
+              <a:t>21</a:t>
+            </a:fld>
+            <a:endParaRPr lang="ko-KR" altLang="en-US"/>
+          </a:p>
+        </p:txBody>
+      </p:sp>
+    </p:spTree>
+    <p:extLst>
+      <p:ext uri="{BB962C8B-B14F-4D97-AF65-F5344CB8AC3E}">
+        <p14:creationId xmlns:p14="http://schemas.microsoft.com/office/powerpoint/2010/main" val="784218305"/>
+      </p:ext>
+    </p:extLst>
+  </p:cSld>
+  <p:clrMapOvr>
+    <a:masterClrMapping/>
+  </p:clrMapOvr>
+</p:sld>
+</file>
+
+<file path=ppt/slides/slide22.xml><?xml version="1.0" encoding="utf-8"?>
+<p:sld xmlns:a="http://schemas.openxmlformats.org/drawingml/2006/main" xmlns:r="http://schemas.openxmlformats.org/officeDocument/2006/relationships" xmlns:p="http://schemas.openxmlformats.org/presentationml/2006/main">
+  <p:cSld>
+    <p:spTree>
+      <p:nvGrpSpPr>
+        <p:cNvPr id="1" name=""/>
+        <p:cNvGrpSpPr/>
+        <p:nvPr/>
+      </p:nvGrpSpPr>
+      <p:grpSpPr>
+        <a:xfrm>
+          <a:off x="0" y="0"/>
+          <a:ext cx="0" cy="0"/>
+          <a:chOff x="0" y="0"/>
+          <a:chExt cx="0" cy="0"/>
+        </a:xfrm>
+      </p:grpSpPr>
+      <p:sp>
+        <p:nvSpPr>
+          <p:cNvPr id="2" name="제목 1">
+            <a:extLst>
+              <a:ext uri="{FF2B5EF4-FFF2-40B4-BE49-F238E27FC236}">
+                <a16:creationId xmlns:a16="http://schemas.microsoft.com/office/drawing/2014/main" id="{09AF5AA7-7F5B-24D7-B71F-FC5EB4379F2B}"/>
+              </a:ext>
+            </a:extLst>
+          </p:cNvPr>
+          <p:cNvSpPr>
+            <a:spLocks noGrp="1"/>
+          </p:cNvSpPr>
+          <p:nvPr>
+            <p:ph type="ctrTitle"/>
+          </p:nvPr>
+        </p:nvSpPr>
+        <p:spPr/>
+        <p:txBody>
+          <a:bodyPr>
+            <a:normAutofit/>
+          </a:bodyPr>
+          <a:lstStyle/>
+          <a:p>
+            <a:r>
+              <a:rPr lang="en-US" altLang="ko-KR" b="1" dirty="0"/>
+              <a:t>Thank you for listening</a:t>
+            </a:r>
+            <a:endParaRPr lang="ko-KR" altLang="en-US" b="1" dirty="0"/>
+          </a:p>
+        </p:txBody>
+      </p:sp>
+      <p:sp>
+        <p:nvSpPr>
+          <p:cNvPr id="3" name="부제목 2">
+            <a:extLst>
+              <a:ext uri="{FF2B5EF4-FFF2-40B4-BE49-F238E27FC236}">
+                <a16:creationId xmlns:a16="http://schemas.microsoft.com/office/drawing/2014/main" id="{F97C7B6F-3686-B164-88FE-C376C79BC3B6}"/>
+              </a:ext>
+            </a:extLst>
+          </p:cNvPr>
+          <p:cNvSpPr>
+            <a:spLocks noGrp="1"/>
+          </p:cNvSpPr>
+          <p:nvPr>
+            <p:ph type="subTitle" idx="1"/>
+          </p:nvPr>
+        </p:nvSpPr>
+        <p:spPr/>
+        <p:txBody>
+          <a:bodyPr/>
+          <a:lstStyle/>
+          <a:p>
+            <a:r>
+              <a:rPr lang="en-US" altLang="ko-KR" dirty="0"/>
+              <a:t>Presenter: Kim Seung Hwan (seunghwan.kim@snu.ac.kr)</a:t>
+            </a:r>
+          </a:p>
+          <a:p>
+            <a:r>
+              <a:rPr lang="en-US" altLang="ko-KR" dirty="0"/>
+              <a:t>NCIA </a:t>
+            </a:r>
+            <a:r>
+              <a:rPr lang="ko-KR" altLang="en-US" sz="2000" dirty="0">
+                <a:latin typeface="210 SoomyungjoOTF 020" panose="02020503020101020101" pitchFamily="18" charset="-127"/>
+                <a:ea typeface="210 SoomyungjoOTF 020" panose="02020503020101020101" pitchFamily="18" charset="-127"/>
+              </a:rPr>
+              <a:t>인공지능 석사과정 </a:t>
+            </a:r>
+            <a:r>
+              <a:rPr lang="en-US" altLang="ko-KR" sz="2000" dirty="0">
+                <a:latin typeface="210 SoomyungjoOTF 020" panose="02020503020101020101" pitchFamily="18" charset="-127"/>
+                <a:ea typeface="210 SoomyungjoOTF 020" panose="02020503020101020101" pitchFamily="18" charset="-127"/>
+              </a:rPr>
+              <a:t>25</a:t>
+            </a:r>
+            <a:endParaRPr lang="en-US" altLang="ko-KR" dirty="0">
+              <a:latin typeface="210 SoomyungjoOTF 020" panose="02020503020101020101" pitchFamily="18" charset="-127"/>
+              <a:ea typeface="210 SoomyungjoOTF 020" panose="02020503020101020101" pitchFamily="18" charset="-127"/>
+            </a:endParaRPr>
+          </a:p>
+        </p:txBody>
+      </p:sp>
+    </p:spTree>
+    <p:extLst>
+      <p:ext uri="{BB962C8B-B14F-4D97-AF65-F5344CB8AC3E}">
+        <p14:creationId xmlns:p14="http://schemas.microsoft.com/office/powerpoint/2010/main" val="2994914421"/>
       </p:ext>
     </p:extLst>
   </p:cSld>
@@ -5299,7 +10965,7 @@
           <a:p>
             <a:r>
               <a:rPr lang="en-US" dirty="0"/>
-              <a:t>A mapping between probability distribution.</a:t>
+              <a:t>A mapping between probabilistic distribution.</a:t>
             </a:r>
           </a:p>
         </p:txBody>
@@ -6406,8 +12072,8 @@
           </a:extLst>
         </p:spPr>
       </p:pic>
-      <mc:AlternateContent xmlns:mc="http://schemas.openxmlformats.org/markup-compatibility/2006">
-        <mc:Choice xmlns:a14="http://schemas.microsoft.com/office/drawing/2010/main" Requires="a14">
+      <mc:AlternateContent xmlns:mc="http://schemas.openxmlformats.org/markup-compatibility/2006" xmlns:a14="http://schemas.microsoft.com/office/drawing/2010/main">
+        <mc:Choice Requires="a14">
           <p:sp>
             <p:nvSpPr>
               <p:cNvPr id="7" name="TextBox 6">
@@ -6653,7 +12319,7 @@
             </p:txBody>
           </p:sp>
         </mc:Choice>
-        <mc:Fallback>
+        <mc:Fallback xmlns="">
           <p:sp>
             <p:nvSpPr>
               <p:cNvPr id="7" name="TextBox 6">
@@ -6942,8 +12608,8 @@
           </a:p>
         </p:txBody>
       </p:sp>
-      <mc:AlternateContent xmlns:mc="http://schemas.openxmlformats.org/markup-compatibility/2006">
-        <mc:Choice xmlns:a14="http://schemas.microsoft.com/office/drawing/2010/main" Requires="a14">
+      <mc:AlternateContent xmlns:mc="http://schemas.openxmlformats.org/markup-compatibility/2006" xmlns:a14="http://schemas.microsoft.com/office/drawing/2010/main">
+        <mc:Choice Requires="a14">
           <p:sp>
             <p:nvSpPr>
               <p:cNvPr id="9" name="TextBox 8">
@@ -7437,7 +13103,7 @@
             </p:txBody>
           </p:sp>
         </mc:Choice>
-        <mc:Fallback>
+        <mc:Fallback xmlns="">
           <p:sp>
             <p:nvSpPr>
               <p:cNvPr id="9" name="TextBox 8">
